--- a/docs/p1906-1-Field-Component-Update.pptx
+++ b/docs/p1906-1-Field-Component-Update.pptx
@@ -9,24 +9,24 @@
   </p:notesMasterIdLst>
   <p:sldIdLst>
     <p:sldId id="256" r:id="rId2"/>
-    <p:sldId id="285" r:id="rId3"/>
-    <p:sldId id="286" r:id="rId4"/>
-    <p:sldId id="287" r:id="rId5"/>
-    <p:sldId id="288" r:id="rId6"/>
-    <p:sldId id="289" r:id="rId7"/>
-    <p:sldId id="290" r:id="rId8"/>
-    <p:sldId id="291" r:id="rId9"/>
-    <p:sldId id="292" r:id="rId10"/>
-    <p:sldId id="267" r:id="rId11"/>
-    <p:sldId id="270" r:id="rId12"/>
-    <p:sldId id="263" r:id="rId13"/>
-    <p:sldId id="264" r:id="rId14"/>
-    <p:sldId id="265" r:id="rId15"/>
-    <p:sldId id="266" r:id="rId16"/>
-    <p:sldId id="268" r:id="rId17"/>
-    <p:sldId id="260" r:id="rId18"/>
-    <p:sldId id="262" r:id="rId19"/>
-    <p:sldId id="273" r:id="rId20"/>
+    <p:sldId id="304" r:id="rId3"/>
+    <p:sldId id="307" r:id="rId4"/>
+    <p:sldId id="305" r:id="rId5"/>
+    <p:sldId id="294" r:id="rId6"/>
+    <p:sldId id="267" r:id="rId7"/>
+    <p:sldId id="264" r:id="rId8"/>
+    <p:sldId id="265" r:id="rId9"/>
+    <p:sldId id="296" r:id="rId10"/>
+    <p:sldId id="298" r:id="rId11"/>
+    <p:sldId id="299" r:id="rId12"/>
+    <p:sldId id="300" r:id="rId13"/>
+    <p:sldId id="301" r:id="rId14"/>
+    <p:sldId id="266" r:id="rId15"/>
+    <p:sldId id="295" r:id="rId16"/>
+    <p:sldId id="302" r:id="rId17"/>
+    <p:sldId id="303" r:id="rId18"/>
+    <p:sldId id="260" r:id="rId19"/>
+    <p:sldId id="262" r:id="rId20"/>
   </p:sldIdLst>
   <p:sldSz cx="9144000" cy="6858000" type="screen4x3"/>
   <p:notesSz cx="6858000" cy="9144000"/>
@@ -232,6 +232,39 @@
       </a:defRPr>
     </a:lvl9pPr>
   </p:defaultTextStyle>
+  <p:extLst>
+    <p:ext uri="{521415D9-36F7-43E2-AB2F-B90AF26B5E84}">
+      <p14:sectionLst xmlns:p14="http://schemas.microsoft.com/office/powerpoint/2010/main">
+        <p14:section name="Default Section" id="{B7ABFD4D-4191-4932-87B4-460205B15C4D}">
+          <p14:sldIdLst>
+            <p14:sldId id="256"/>
+            <p14:sldId id="304"/>
+            <p14:sldId id="307"/>
+            <p14:sldId id="305"/>
+            <p14:sldId id="294"/>
+            <p14:sldId id="267"/>
+            <p14:sldId id="264"/>
+            <p14:sldId id="265"/>
+            <p14:sldId id="296"/>
+            <p14:sldId id="298"/>
+            <p14:sldId id="299"/>
+            <p14:sldId id="300"/>
+            <p14:sldId id="301"/>
+            <p14:sldId id="266"/>
+            <p14:sldId id="295"/>
+          </p14:sldIdLst>
+        </p14:section>
+        <p14:section name="Appendix" id="{A8C9F45F-451C-4704-9742-9299529F36C9}">
+          <p14:sldIdLst>
+            <p14:sldId id="302"/>
+            <p14:sldId id="303"/>
+            <p14:sldId id="260"/>
+            <p14:sldId id="262"/>
+          </p14:sldIdLst>
+        </p14:section>
+      </p14:sectionLst>
+    </p:ext>
+  </p:extLst>
 </p:presentation>
 </file>
 
@@ -2526,7 +2559,7 @@
             </a:r>
             <a:r>
               <a:rPr lang="en" dirty="0" smtClean="0"/>
-              <a:t>Field Component Update</a:t>
+              <a:t>Molecular Motor Extension</a:t>
             </a:r>
             <a:endParaRPr lang="en" dirty="0"/>
           </a:p>
@@ -2590,9 +2623,39 @@
             </a:pPr>
             <a:r>
               <a:rPr lang="en-US" sz="2400" dirty="0" smtClean="0"/>
-              <a:t>1/9/2015</a:t>
+              <a:t>Thursday, January 29, 2015</a:t>
             </a:r>
             <a:endParaRPr sz="2400" dirty="0"/>
+          </a:p>
+        </p:txBody>
+      </p:sp>
+      <p:sp>
+        <p:nvSpPr>
+          <p:cNvPr id="2" name="TextBox 1"/>
+          <p:cNvSpPr txBox="1"/>
+          <p:nvPr/>
+        </p:nvSpPr>
+        <p:spPr>
+          <a:xfrm>
+            <a:off x="685800" y="5416062"/>
+            <a:ext cx="10456709" cy="461665"/>
+          </a:xfrm>
+          <a:prstGeom prst="rect">
+            <a:avLst/>
+          </a:prstGeom>
+          <a:noFill/>
+        </p:spPr>
+        <p:txBody>
+          <a:bodyPr wrap="none" rtlCol="0">
+            <a:spAutoFit/>
+          </a:bodyPr>
+          <a:lstStyle/>
+          <a:p>
+            <a:r>
+              <a:rPr lang="en-US" sz="2400" dirty="0" smtClean="0"/>
+              <a:t>Replace figure filenames with Class method names that generated the data</a:t>
+            </a:r>
+            <a:endParaRPr lang="en-US" sz="2400" dirty="0"/>
           </a:p>
         </p:txBody>
       </p:sp>
@@ -2631,6 +2694,66 @@
           <a:chExt cx="0" cy="0"/>
         </a:xfrm>
       </p:grpSpPr>
+      <p:pic>
+        <p:nvPicPr>
+          <p:cNvPr id="7" name="Picture 6"/>
+          <p:cNvPicPr>
+            <a:picLocks noChangeAspect="1"/>
+          </p:cNvPicPr>
+          <p:nvPr/>
+        </p:nvPicPr>
+        <p:blipFill>
+          <a:blip r:embed="rId2">
+            <a:extLst>
+              <a:ext uri="{28A0092B-C50C-407E-A947-70E740481C1C}">
+                <a14:useLocalDpi xmlns:a14="http://schemas.microsoft.com/office/drawing/2010/main" val="0"/>
+              </a:ext>
+            </a:extLst>
+          </a:blip>
+          <a:stretch>
+            <a:fillRect/>
+          </a:stretch>
+        </p:blipFill>
+        <p:spPr>
+          <a:xfrm>
+            <a:off x="1920416" y="2644106"/>
+            <a:ext cx="2550880" cy="3269590"/>
+          </a:xfrm>
+          <a:prstGeom prst="rect">
+            <a:avLst/>
+          </a:prstGeom>
+        </p:spPr>
+      </p:pic>
+      <p:pic>
+        <p:nvPicPr>
+          <p:cNvPr id="6" name="Picture 5"/>
+          <p:cNvPicPr>
+            <a:picLocks noChangeAspect="1"/>
+          </p:cNvPicPr>
+          <p:nvPr/>
+        </p:nvPicPr>
+        <p:blipFill>
+          <a:blip r:embed="rId3">
+            <a:extLst>
+              <a:ext uri="{28A0092B-C50C-407E-A947-70E740481C1C}">
+                <a14:useLocalDpi xmlns:a14="http://schemas.microsoft.com/office/drawing/2010/main" val="0"/>
+              </a:ext>
+            </a:extLst>
+          </a:blip>
+          <a:stretch>
+            <a:fillRect/>
+          </a:stretch>
+        </p:blipFill>
+        <p:spPr>
+          <a:xfrm>
+            <a:off x="4562692" y="811685"/>
+            <a:ext cx="4128525" cy="5490983"/>
+          </a:xfrm>
+          <a:prstGeom prst="rect">
+            <a:avLst/>
+          </a:prstGeom>
+        </p:spPr>
+      </p:pic>
       <p:sp>
         <p:nvSpPr>
           <p:cNvPr id="2" name="Title 1"/>
@@ -2648,7 +2771,7 @@
           <a:p>
             <a:r>
               <a:rPr lang="en-US" dirty="0" smtClean="0"/>
-              <a:t>Goals</a:t>
+              <a:t>3D TUBES &amp; INTERSECTION POINTS (1906 FIELD)</a:t>
             </a:r>
             <a:endParaRPr lang="en-US" dirty="0"/>
           </a:p>
@@ -2656,50 +2779,38 @@
       </p:sp>
       <p:sp>
         <p:nvSpPr>
-          <p:cNvPr id="3" name="Text Placeholder 2"/>
-          <p:cNvSpPr>
-            <a:spLocks noGrp="1"/>
-          </p:cNvSpPr>
-          <p:nvPr>
-            <p:ph type="body" idx="1"/>
-          </p:nvPr>
-        </p:nvSpPr>
-        <p:spPr/>
-        <p:txBody>
-          <a:bodyPr/>
+          <p:cNvPr id="4" name="TextBox 3"/>
+          <p:cNvSpPr txBox="1"/>
+          <p:nvPr/>
+        </p:nvSpPr>
+        <p:spPr>
+          <a:xfrm>
+            <a:off x="5696730" y="4698244"/>
+            <a:ext cx="2453270" cy="738664"/>
+          </a:xfrm>
+          <a:prstGeom prst="rect">
+            <a:avLst/>
+          </a:prstGeom>
+          <a:noFill/>
+        </p:spPr>
+        <p:txBody>
+          <a:bodyPr wrap="square" rtlCol="0">
+            <a:spAutoFit/>
+          </a:bodyPr>
           <a:lstStyle/>
           <a:p>
-            <a:pPr marL="514350" indent="-514350">
-              <a:buFont typeface="+mj-lt"/>
-              <a:buAutoNum type="arabicPeriod"/>
-            </a:pPr>
-            <a:r>
-              <a:rPr lang="en-US" dirty="0" smtClean="0"/>
-              <a:t>Extend the P1906.1 Field component to enable structural modeling aimed toward (simple) cytoskeletal modeling as infrastructure for nanoscale communication</a:t>
-            </a:r>
-          </a:p>
-          <a:p>
-            <a:pPr marL="514350" indent="-514350">
-              <a:buFont typeface="+mj-lt"/>
-              <a:buAutoNum type="arabicPeriod"/>
-            </a:pPr>
-            <a:r>
-              <a:rPr lang="en-US" dirty="0" smtClean="0"/>
-              <a:t>Examine the concept of structural entropy, implementing said metric in the code</a:t>
-            </a:r>
-          </a:p>
-          <a:p>
-            <a:pPr marL="514350" indent="-514350">
-              <a:buFont typeface="+mj-lt"/>
-              <a:buAutoNum type="arabicPeriod"/>
-            </a:pPr>
-            <a:endParaRPr lang="en-US" dirty="0"/>
-          </a:p>
-        </p:txBody>
-      </p:sp>
-      <p:sp>
-        <p:nvSpPr>
-          <p:cNvPr id="4" name="TextBox 3"/>
+            <a:pPr algn="ctr"/>
+            <a:r>
+              <a:rPr lang="en-US" b="1" dirty="0" smtClean="0"/>
+              <a:t>Tubes with intersection points laid on top (tubeIntersectionfig.png)</a:t>
+            </a:r>
+            <a:endParaRPr lang="en-US" b="1" dirty="0"/>
+          </a:p>
+        </p:txBody>
+      </p:sp>
+      <p:sp>
+        <p:nvSpPr>
+          <p:cNvPr id="5" name="TextBox 4"/>
           <p:cNvSpPr txBox="1"/>
           <p:nvPr/>
         </p:nvSpPr>
@@ -2727,10 +2838,187 @@
           </a:p>
         </p:txBody>
       </p:sp>
+      <p:sp>
+        <p:nvSpPr>
+          <p:cNvPr id="8" name="TextBox 7"/>
+          <p:cNvSpPr txBox="1"/>
+          <p:nvPr/>
+        </p:nvSpPr>
+        <p:spPr>
+          <a:xfrm>
+            <a:off x="2631689" y="5184274"/>
+            <a:ext cx="1463215" cy="738664"/>
+          </a:xfrm>
+          <a:prstGeom prst="rect">
+            <a:avLst/>
+          </a:prstGeom>
+          <a:noFill/>
+        </p:spPr>
+        <p:txBody>
+          <a:bodyPr wrap="square" rtlCol="0">
+            <a:spAutoFit/>
+          </a:bodyPr>
+          <a:lstStyle/>
+          <a:p>
+            <a:pPr algn="ctr"/>
+            <a:r>
+              <a:rPr lang="en-US" b="1" dirty="0" smtClean="0"/>
+              <a:t>Points where tubes overlap (pointfig.png)</a:t>
+            </a:r>
+            <a:endParaRPr lang="en-US" b="1" dirty="0"/>
+          </a:p>
+        </p:txBody>
+      </p:sp>
+      <p:sp>
+        <p:nvSpPr>
+          <p:cNvPr id="9" name="Rectangle 1"/>
+          <p:cNvSpPr>
+            <a:spLocks noChangeArrowheads="1"/>
+          </p:cNvSpPr>
+          <p:nvPr/>
+        </p:nvSpPr>
+        <p:spPr bwMode="auto">
+          <a:xfrm>
+            <a:off x="457200" y="3932238"/>
+            <a:ext cx="9144000" cy="0"/>
+          </a:xfrm>
+          <a:prstGeom prst="rect">
+            <a:avLst/>
+          </a:prstGeom>
+          <a:noFill/>
+          <a:ln>
+            <a:noFill/>
+          </a:ln>
+          <a:effectLst/>
+          <a:extLst>
+            <a:ext uri="{909E8E84-426E-40DD-AFC4-6F175D3DCCD1}">
+              <a14:hiddenFill xmlns:a14="http://schemas.microsoft.com/office/drawing/2010/main">
+                <a:solidFill>
+                  <a:schemeClr val="accent1"/>
+                </a:solidFill>
+              </a14:hiddenFill>
+            </a:ext>
+            <a:ext uri="{91240B29-F687-4F45-9708-019B960494DF}">
+              <a14:hiddenLine xmlns:a14="http://schemas.microsoft.com/office/drawing/2010/main" w="9525">
+                <a:solidFill>
+                  <a:schemeClr val="tx1"/>
+                </a:solidFill>
+                <a:miter lim="800000"/>
+                <a:headEnd/>
+                <a:tailEnd/>
+              </a14:hiddenLine>
+            </a:ext>
+            <a:ext uri="{AF507438-7753-43E0-B8FC-AC1667EBCBE1}">
+              <a14:hiddenEffects xmlns:a14="http://schemas.microsoft.com/office/drawing/2010/main">
+                <a:effectLst>
+                  <a:outerShdw dist="35921" dir="2700000" algn="ctr" rotWithShape="0">
+                    <a:schemeClr val="bg2"/>
+                  </a:outerShdw>
+                </a:effectLst>
+              </a14:hiddenEffects>
+            </a:ext>
+          </a:extLst>
+        </p:spPr>
+        <p:txBody>
+          <a:bodyPr vert="horz" wrap="none" lIns="91440" tIns="45720" rIns="91440" bIns="45720" numCol="1" anchor="ctr" anchorCtr="0" compatLnSpc="1">
+            <a:prstTxWarp prst="textNoShape">
+              <a:avLst/>
+            </a:prstTxWarp>
+            <a:spAutoFit/>
+          </a:bodyPr>
+          <a:lstStyle/>
+          <a:p>
+            <a:pPr marL="0" marR="0" lvl="0" indent="0" algn="l" defTabSz="914400" rtl="0" eaLnBrk="1" fontAlgn="base" latinLnBrk="0" hangingPunct="1">
+              <a:lnSpc>
+                <a:spcPct val="100000"/>
+              </a:lnSpc>
+              <a:spcBef>
+                <a:spcPct val="0"/>
+              </a:spcBef>
+              <a:spcAft>
+                <a:spcPct val="0"/>
+              </a:spcAft>
+              <a:buClrTx/>
+              <a:buSzTx/>
+              <a:buFontTx/>
+              <a:buNone/>
+              <a:tabLst/>
+            </a:pPr>
+            <a:r>
+              <a:rPr kumimoji="0" lang="en-US" sz="1800" b="0" i="0" u="none" strike="noStrike" cap="none" normalizeH="0" baseline="0" smtClean="0">
+                <a:ln>
+                  <a:noFill/>
+                </a:ln>
+                <a:solidFill>
+                  <a:schemeClr val="tx1"/>
+                </a:solidFill>
+                <a:effectLst/>
+                <a:latin typeface="Arial" charset="0"/>
+                <a:cs typeface="Arial" charset="0"/>
+              </a:rPr>
+              <a:t/>
+            </a:r>
+            <a:br>
+              <a:rPr kumimoji="0" lang="en-US" sz="1800" b="0" i="0" u="none" strike="noStrike" cap="none" normalizeH="0" baseline="0" smtClean="0">
+                <a:ln>
+                  <a:noFill/>
+                </a:ln>
+                <a:solidFill>
+                  <a:schemeClr val="tx1"/>
+                </a:solidFill>
+                <a:effectLst/>
+                <a:latin typeface="Arial" charset="0"/>
+                <a:cs typeface="Arial" charset="0"/>
+              </a:rPr>
+            </a:br>
+            <a:endParaRPr kumimoji="0" lang="en-US" sz="1800" b="0" i="0" u="none" strike="noStrike" cap="none" normalizeH="0" baseline="0" smtClean="0">
+              <a:ln>
+                <a:noFill/>
+              </a:ln>
+              <a:solidFill>
+                <a:schemeClr val="tx1"/>
+              </a:solidFill>
+              <a:effectLst/>
+              <a:latin typeface="Arial" charset="0"/>
+              <a:cs typeface="Arial" charset="0"/>
+            </a:endParaRPr>
+          </a:p>
+        </p:txBody>
+      </p:sp>
+      <p:sp>
+        <p:nvSpPr>
+          <p:cNvPr id="10" name="Rectangle 9"/>
+          <p:cNvSpPr/>
+          <p:nvPr/>
+        </p:nvSpPr>
+        <p:spPr>
+          <a:xfrm>
+            <a:off x="433035" y="1945775"/>
+            <a:ext cx="4129657" cy="307777"/>
+          </a:xfrm>
+          <a:prstGeom prst="rect">
+            <a:avLst/>
+          </a:prstGeom>
+        </p:spPr>
+        <p:txBody>
+          <a:bodyPr wrap="none">
+            <a:spAutoFit/>
+          </a:bodyPr>
+          <a:lstStyle/>
+          <a:p>
+            <a:pPr fontAlgn="b"/>
+            <a:r>
+              <a:rPr lang="en-US" b="1" dirty="0"/>
+              <a:t>ns3::P1906MOL_ExtendedField::getOverlap3D</a:t>
+            </a:r>
+            <a:endParaRPr lang="en-US" b="1" dirty="0"/>
+          </a:p>
+        </p:txBody>
+      </p:sp>
     </p:spTree>
     <p:extLst>
       <p:ext uri="{BB962C8B-B14F-4D97-AF65-F5344CB8AC3E}">
-        <p14:creationId xmlns:p14="http://schemas.microsoft.com/office/powerpoint/2010/main" val="3957161973"/>
+        <p14:creationId xmlns:p14="http://schemas.microsoft.com/office/powerpoint/2010/main" val="342945631"/>
       </p:ext>
     </p:extLst>
   </p:cSld>
@@ -2757,9 +3045,69 @@
           <a:chExt cx="0" cy="0"/>
         </a:xfrm>
       </p:grpSpPr>
-      <p:sp>
-        <p:nvSpPr>
-          <p:cNvPr id="2" name="Title 1"/>
+      <p:pic>
+        <p:nvPicPr>
+          <p:cNvPr id="2" name="Picture 1"/>
+          <p:cNvPicPr>
+            <a:picLocks noChangeAspect="1"/>
+          </p:cNvPicPr>
+          <p:nvPr/>
+        </p:nvPicPr>
+        <p:blipFill>
+          <a:blip r:embed="rId2">
+            <a:extLst>
+              <a:ext uri="{28A0092B-C50C-407E-A947-70E740481C1C}">
+                <a14:useLocalDpi xmlns:a14="http://schemas.microsoft.com/office/drawing/2010/main" val="0"/>
+              </a:ext>
+            </a:extLst>
+          </a:blip>
+          <a:stretch>
+            <a:fillRect/>
+          </a:stretch>
+        </p:blipFill>
+        <p:spPr>
+          <a:xfrm>
+            <a:off x="534533" y="1556762"/>
+            <a:ext cx="4572009" cy="3744476"/>
+          </a:xfrm>
+          <a:prstGeom prst="rect">
+            <a:avLst/>
+          </a:prstGeom>
+        </p:spPr>
+      </p:pic>
+      <p:pic>
+        <p:nvPicPr>
+          <p:cNvPr id="3" name="Picture 2"/>
+          <p:cNvPicPr>
+            <a:picLocks noChangeAspect="1"/>
+          </p:cNvPicPr>
+          <p:nvPr/>
+        </p:nvPicPr>
+        <p:blipFill>
+          <a:blip r:embed="rId3">
+            <a:extLst>
+              <a:ext uri="{28A0092B-C50C-407E-A947-70E740481C1C}">
+                <a14:useLocalDpi xmlns:a14="http://schemas.microsoft.com/office/drawing/2010/main" val="0"/>
+              </a:ext>
+            </a:extLst>
+          </a:blip>
+          <a:stretch>
+            <a:fillRect/>
+          </a:stretch>
+        </p:blipFill>
+        <p:spPr>
+          <a:xfrm>
+            <a:off x="5241849" y="1470838"/>
+            <a:ext cx="3444951" cy="4373557"/>
+          </a:xfrm>
+          <a:prstGeom prst="rect">
+            <a:avLst/>
+          </a:prstGeom>
+        </p:spPr>
+      </p:pic>
+      <p:sp>
+        <p:nvSpPr>
+          <p:cNvPr id="4" name="Title 3"/>
           <p:cNvSpPr>
             <a:spLocks noGrp="1"/>
           </p:cNvSpPr>
@@ -2774,7 +3122,7 @@
           <a:p>
             <a:r>
               <a:rPr lang="en-US" dirty="0" smtClean="0"/>
-              <a:t>I/O</a:t>
+              <a:t>3D BROWNIAN MOTION AND TUBE WALK (1906 MOTION)</a:t>
             </a:r>
             <a:endParaRPr lang="en-US" dirty="0"/>
           </a:p>
@@ -2782,168 +3130,67 @@
       </p:sp>
       <p:sp>
         <p:nvSpPr>
-          <p:cNvPr id="3" name="Text Placeholder 2"/>
-          <p:cNvSpPr>
-            <a:spLocks noGrp="1"/>
-          </p:cNvSpPr>
-          <p:nvPr>
-            <p:ph type="body" idx="1"/>
-          </p:nvPr>
-        </p:nvSpPr>
-        <p:spPr/>
-        <p:txBody>
-          <a:bodyPr/>
+          <p:cNvPr id="7" name="TextBox 6"/>
+          <p:cNvSpPr txBox="1"/>
+          <p:nvPr/>
+        </p:nvSpPr>
+        <p:spPr>
+          <a:xfrm>
+            <a:off x="866075" y="5728059"/>
+            <a:ext cx="3005951" cy="307777"/>
+          </a:xfrm>
+          <a:prstGeom prst="rect">
+            <a:avLst/>
+          </a:prstGeom>
+          <a:noFill/>
+        </p:spPr>
+        <p:txBody>
+          <a:bodyPr wrap="none" rtlCol="0">
+            <a:spAutoFit/>
+          </a:bodyPr>
           <a:lstStyle/>
           <a:p>
             <a:r>
-              <a:rPr lang="en-US" sz="2000" dirty="0" smtClean="0"/>
-              <a:t>Input:</a:t>
-            </a:r>
-          </a:p>
-          <a:p>
-            <a:r>
-              <a:rPr lang="en-US" sz="2000" dirty="0"/>
-              <a:t>	</a:t>
-            </a:r>
-            <a:r>
-              <a:rPr lang="en-US" sz="2000" dirty="0" smtClean="0"/>
-              <a:t>microtubule structure</a:t>
-            </a:r>
-          </a:p>
-          <a:p>
-            <a:r>
-              <a:rPr lang="en-US" sz="2000" dirty="0"/>
-              <a:t>	</a:t>
-            </a:r>
-            <a:r>
-              <a:rPr lang="en-US" sz="2000" dirty="0" smtClean="0"/>
-              <a:t>	photo, mathematical description</a:t>
-            </a:r>
-          </a:p>
-          <a:p>
-            <a:r>
-              <a:rPr lang="en-US" sz="2000" dirty="0"/>
-              <a:t>	</a:t>
-            </a:r>
-            <a:r>
-              <a:rPr lang="en-US" sz="2000" dirty="0" smtClean="0"/>
-              <a:t>	mathematical description</a:t>
-            </a:r>
-          </a:p>
-          <a:p>
-            <a:r>
-              <a:rPr lang="en-US" sz="2000" dirty="0"/>
-              <a:t>	</a:t>
-            </a:r>
-            <a:r>
-              <a:rPr lang="en-US" sz="2000" dirty="0" smtClean="0"/>
-              <a:t>		random tinker toy sticks</a:t>
-            </a:r>
-          </a:p>
-          <a:p>
-            <a:r>
-              <a:rPr lang="en-US" sz="2000" dirty="0"/>
-              <a:t>	</a:t>
-            </a:r>
-            <a:r>
-              <a:rPr lang="en-US" sz="2000" dirty="0" smtClean="0"/>
-              <a:t>			mean tube length</a:t>
-            </a:r>
-          </a:p>
-          <a:p>
-            <a:r>
-              <a:rPr lang="en-US" sz="2000" dirty="0"/>
-              <a:t>	</a:t>
-            </a:r>
-            <a:r>
-              <a:rPr lang="en-US" sz="2000" dirty="0" smtClean="0"/>
-              <a:t>			mean intra-tube angle (p-length)</a:t>
-            </a:r>
-          </a:p>
-          <a:p>
-            <a:r>
-              <a:rPr lang="en-US" sz="2000" dirty="0"/>
-              <a:t>	</a:t>
-            </a:r>
-            <a:r>
-              <a:rPr lang="en-US" sz="2000" dirty="0" smtClean="0"/>
-              <a:t>			mean inter-tube angle</a:t>
-            </a:r>
-          </a:p>
-          <a:p>
-            <a:r>
-              <a:rPr lang="en-US" sz="2000" dirty="0"/>
-              <a:t>	</a:t>
-            </a:r>
-            <a:r>
-              <a:rPr lang="en-US" sz="2000" dirty="0" smtClean="0"/>
-              <a:t>			mean tube density</a:t>
-            </a:r>
-          </a:p>
-          <a:p>
-            <a:r>
-              <a:rPr lang="en-US" sz="2000" dirty="0"/>
-              <a:t>	</a:t>
-            </a:r>
-            <a:r>
-              <a:rPr lang="en-US" sz="2000" dirty="0" smtClean="0"/>
-              <a:t>node locations</a:t>
-            </a:r>
-          </a:p>
-          <a:p>
-            <a:r>
-              <a:rPr lang="en-US" sz="2000" dirty="0"/>
-              <a:t>	</a:t>
-            </a:r>
-            <a:r>
-              <a:rPr lang="en-US" sz="2000" dirty="0" smtClean="0"/>
-              <a:t>mean bound rate</a:t>
-            </a:r>
-          </a:p>
-          <a:p>
-            <a:r>
-              <a:rPr lang="en-US" sz="2000" dirty="0"/>
-              <a:t>	</a:t>
-            </a:r>
-            <a:r>
-              <a:rPr lang="en-US" sz="2000" dirty="0" smtClean="0"/>
-              <a:t>mean bound time</a:t>
-            </a:r>
-          </a:p>
-          <a:p>
-            <a:r>
-              <a:rPr lang="en-US" sz="2000" dirty="0" smtClean="0"/>
-              <a:t>Output:</a:t>
-            </a:r>
-          </a:p>
-          <a:p>
-            <a:r>
-              <a:rPr lang="en-US" sz="2000" dirty="0"/>
-              <a:t>	</a:t>
-            </a:r>
-            <a:r>
-              <a:rPr lang="en-US" sz="2000" dirty="0" smtClean="0"/>
-              <a:t>coordinates of each segment</a:t>
-            </a:r>
-          </a:p>
-          <a:p>
-            <a:r>
-              <a:rPr lang="en-US" sz="2000" dirty="0"/>
-              <a:t>	</a:t>
-            </a:r>
-            <a:r>
-              <a:rPr lang="en-US" sz="2000" dirty="0" smtClean="0"/>
-              <a:t>expected motor transport time</a:t>
-            </a:r>
-          </a:p>
-          <a:p>
-            <a:endParaRPr lang="en-US" sz="2000" dirty="0"/>
-          </a:p>
-        </p:txBody>
-      </p:sp>
-      <p:sp>
-        <p:nvSpPr>
-          <p:cNvPr id="4" name="TextBox 3"/>
+              <a:rPr lang="en-US" b="1" dirty="0" smtClean="0"/>
+              <a:t>Brownian motion (motionfig.png)</a:t>
+            </a:r>
+            <a:endParaRPr lang="en-US" b="1" dirty="0"/>
+          </a:p>
+        </p:txBody>
+      </p:sp>
+      <p:sp>
+        <p:nvSpPr>
+          <p:cNvPr id="8" name="TextBox 7"/>
+          <p:cNvSpPr txBox="1"/>
+          <p:nvPr/>
+        </p:nvSpPr>
+        <p:spPr>
+          <a:xfrm>
+            <a:off x="5580043" y="5748420"/>
+            <a:ext cx="3169457" cy="307777"/>
+          </a:xfrm>
+          <a:prstGeom prst="rect">
+            <a:avLst/>
+          </a:prstGeom>
+          <a:noFill/>
+        </p:spPr>
+        <p:txBody>
+          <a:bodyPr wrap="none" rtlCol="0">
+            <a:spAutoFit/>
+          </a:bodyPr>
+          <a:lstStyle/>
+          <a:p>
+            <a:r>
+              <a:rPr lang="en-US" b="1" dirty="0" smtClean="0"/>
+              <a:t>Bound to Tube (tubeMotionfig.png)</a:t>
+            </a:r>
+            <a:endParaRPr lang="en-US" b="1" dirty="0"/>
+          </a:p>
+        </p:txBody>
+      </p:sp>
+      <p:sp>
+        <p:nvSpPr>
+          <p:cNvPr id="9" name="TextBox 8"/>
           <p:cNvSpPr txBox="1"/>
           <p:nvPr/>
         </p:nvSpPr>
@@ -2971,10 +3218,76 @@
           </a:p>
         </p:txBody>
       </p:sp>
+      <p:sp>
+        <p:nvSpPr>
+          <p:cNvPr id="5" name="Rectangle 4"/>
+          <p:cNvSpPr/>
+          <p:nvPr/>
+        </p:nvSpPr>
+        <p:spPr>
+          <a:xfrm>
+            <a:off x="374500" y="1923378"/>
+            <a:ext cx="4514377" cy="307777"/>
+          </a:xfrm>
+          <a:prstGeom prst="rect">
+            <a:avLst/>
+          </a:prstGeom>
+        </p:spPr>
+        <p:txBody>
+          <a:bodyPr wrap="none">
+            <a:spAutoFit/>
+          </a:bodyPr>
+          <a:lstStyle/>
+          <a:p>
+            <a:r>
+              <a:rPr lang="en-US" b="1" dirty="0"/>
+              <a:t>ns3::P1906MOL_ExtendedMotion::</a:t>
+            </a:r>
+            <a:r>
+              <a:rPr lang="en-US" b="1" dirty="0" err="1"/>
+              <a:t>brownianMotion</a:t>
+            </a:r>
+            <a:endParaRPr lang="en-US" dirty="0"/>
+          </a:p>
+        </p:txBody>
+      </p:sp>
+      <p:sp>
+        <p:nvSpPr>
+          <p:cNvPr id="6" name="Rectangle 5"/>
+          <p:cNvSpPr/>
+          <p:nvPr/>
+        </p:nvSpPr>
+        <p:spPr>
+          <a:xfrm>
+            <a:off x="4933960" y="5003156"/>
+            <a:ext cx="4060727" cy="307777"/>
+          </a:xfrm>
+          <a:prstGeom prst="rect">
+            <a:avLst/>
+          </a:prstGeom>
+        </p:spPr>
+        <p:txBody>
+          <a:bodyPr wrap="none">
+            <a:spAutoFit/>
+          </a:bodyPr>
+          <a:lstStyle/>
+          <a:p>
+            <a:r>
+              <a:rPr lang="en-US" b="1" dirty="0"/>
+              <a:t>ns3::P1906MOL_ExtendedMotion::</a:t>
+            </a:r>
+            <a:r>
+              <a:rPr lang="en-US" b="1" dirty="0" err="1"/>
+              <a:t>motorWalk</a:t>
+            </a:r>
+            <a:endParaRPr lang="en-US" dirty="0"/>
+          </a:p>
+        </p:txBody>
+      </p:sp>
     </p:spTree>
     <p:extLst>
       <p:ext uri="{BB962C8B-B14F-4D97-AF65-F5344CB8AC3E}">
-        <p14:creationId xmlns:p14="http://schemas.microsoft.com/office/powerpoint/2010/main" val="3048100130"/>
+        <p14:creationId xmlns:p14="http://schemas.microsoft.com/office/powerpoint/2010/main" val="2842250391"/>
       </p:ext>
     </p:extLst>
   </p:cSld>
@@ -3018,116 +3331,75 @@
           <a:p>
             <a:r>
               <a:rPr lang="en-US" dirty="0" smtClean="0"/>
-              <a:t>Sub-Goals</a:t>
+              <a:t>3D MOTION ALONG TUBE (1906 MOTION)</a:t>
             </a:r>
             <a:endParaRPr lang="en-US" dirty="0"/>
           </a:p>
         </p:txBody>
       </p:sp>
-      <p:sp>
-        <p:nvSpPr>
-          <p:cNvPr id="3" name="Text Placeholder 2"/>
-          <p:cNvSpPr>
-            <a:spLocks noGrp="1"/>
-          </p:cNvSpPr>
-          <p:nvPr>
-            <p:ph type="body" idx="1"/>
-          </p:nvPr>
-        </p:nvSpPr>
-        <p:spPr/>
-        <p:txBody>
-          <a:bodyPr/>
+      <p:pic>
+        <p:nvPicPr>
+          <p:cNvPr id="8" name="Picture 7"/>
+          <p:cNvPicPr>
+            <a:picLocks noChangeAspect="1"/>
+          </p:cNvPicPr>
+          <p:nvPr/>
+        </p:nvPicPr>
+        <p:blipFill>
+          <a:blip r:embed="rId2">
+            <a:extLst>
+              <a:ext uri="{28A0092B-C50C-407E-A947-70E740481C1C}">
+                <a14:useLocalDpi xmlns:a14="http://schemas.microsoft.com/office/drawing/2010/main" val="0"/>
+              </a:ext>
+            </a:extLst>
+          </a:blip>
+          <a:stretch>
+            <a:fillRect/>
+          </a:stretch>
+        </p:blipFill>
+        <p:spPr>
+          <a:xfrm>
+            <a:off x="3791410" y="1323309"/>
+            <a:ext cx="4572009" cy="5148083"/>
+          </a:xfrm>
+          <a:prstGeom prst="rect">
+            <a:avLst/>
+          </a:prstGeom>
+        </p:spPr>
+      </p:pic>
+      <p:sp>
+        <p:nvSpPr>
+          <p:cNvPr id="9" name="TextBox 8"/>
+          <p:cNvSpPr txBox="1"/>
+          <p:nvPr/>
+        </p:nvSpPr>
+        <p:spPr>
+          <a:xfrm>
+            <a:off x="5081922" y="5299048"/>
+            <a:ext cx="2807179" cy="307777"/>
+          </a:xfrm>
+          <a:prstGeom prst="rect">
+            <a:avLst/>
+          </a:prstGeom>
+          <a:noFill/>
+        </p:spPr>
+        <p:txBody>
+          <a:bodyPr wrap="none" rtlCol="0">
+            <a:spAutoFit/>
+          </a:bodyPr>
           <a:lstStyle/>
           <a:p>
-            <a:pPr marL="457200" indent="-457200">
-              <a:buFont typeface="Arial" pitchFamily="34" charset="0"/>
-              <a:buChar char="•"/>
-            </a:pPr>
-            <a:r>
-              <a:rPr lang="en-US" sz="2400" dirty="0" smtClean="0"/>
-              <a:t>Add simple model of microtubule dynamics to 1906.1 ns-3 simulation</a:t>
-            </a:r>
-            <a:endParaRPr lang="en-US" sz="2400" dirty="0"/>
-          </a:p>
-          <a:p>
-            <a:pPr marL="457200" lvl="1" indent="-457200">
-              <a:buFont typeface="Arial" pitchFamily="34" charset="0"/>
-              <a:buChar char="•"/>
-            </a:pPr>
-            <a:r>
-              <a:rPr lang="en-US" sz="1800" dirty="0" smtClean="0"/>
-              <a:t>Molecular motors are messages</a:t>
-            </a:r>
-          </a:p>
-          <a:p>
-            <a:pPr marL="457200" lvl="1" indent="-457200">
-              <a:buFont typeface="Arial" pitchFamily="34" charset="0"/>
-              <a:buChar char="•"/>
-            </a:pPr>
-            <a:r>
-              <a:rPr lang="en-US" sz="1800" dirty="0" smtClean="0"/>
-              <a:t>Microtubule structure is the communication channel “waveguide”</a:t>
-            </a:r>
-          </a:p>
-          <a:p>
-            <a:pPr marL="457200" lvl="1" indent="-457200">
-              <a:buFont typeface="Arial" pitchFamily="34" charset="0"/>
-              <a:buChar char="•"/>
-            </a:pPr>
-            <a:r>
-              <a:rPr lang="en-US" sz="1800" dirty="0" smtClean="0"/>
-              <a:t>Explore entropy of microtubule structure</a:t>
-            </a:r>
-          </a:p>
-          <a:p>
-            <a:pPr marL="457200" lvl="1" indent="-457200">
-              <a:buFont typeface="Arial" pitchFamily="34" charset="0"/>
-              <a:buChar char="•"/>
-            </a:pPr>
-            <a:r>
-              <a:rPr lang="en-US" sz="1800" dirty="0" smtClean="0"/>
-              <a:t>Transmitter and receiver – locations within the microtubule network</a:t>
-            </a:r>
-          </a:p>
-          <a:p>
-            <a:pPr marL="457200" indent="-457200">
-              <a:buFont typeface="Arial" pitchFamily="34" charset="0"/>
-              <a:buChar char="•"/>
-            </a:pPr>
-            <a:r>
-              <a:rPr lang="en-US" sz="2400" dirty="0" smtClean="0"/>
-              <a:t>Motor propagation delay allows us to infer information about the structure</a:t>
-            </a:r>
-          </a:p>
-          <a:p>
-            <a:pPr marL="457200" lvl="1" indent="-457200">
-              <a:buFont typeface="Arial" pitchFamily="34" charset="0"/>
-              <a:buChar char="•"/>
-            </a:pPr>
-            <a:r>
-              <a:rPr lang="en-US" sz="1800" smtClean="0"/>
-              <a:t>Use </a:t>
-            </a:r>
-            <a:r>
-              <a:rPr lang="en-US" sz="1800" dirty="0" smtClean="0"/>
-              <a:t>message input distribution and latency to estimate structure</a:t>
-            </a:r>
-          </a:p>
-          <a:p>
-            <a:pPr marL="457200" lvl="1" indent="-457200">
-              <a:buFont typeface="Arial" pitchFamily="34" charset="0"/>
-              <a:buChar char="•"/>
-            </a:pPr>
-            <a:r>
-              <a:rPr lang="en-US" sz="1800" dirty="0" smtClean="0"/>
-              <a:t>Use estimate of structure to assign latency</a:t>
-            </a:r>
-          </a:p>
-        </p:txBody>
-      </p:sp>
-      <p:sp>
-        <p:nvSpPr>
-          <p:cNvPr id="4" name="TextBox 3"/>
+            <a:r>
+              <a:rPr lang="en-US" b="1" dirty="0" smtClean="0"/>
+              <a:t>Motor motion (red dashed line)</a:t>
+            </a:r>
+            <a:endParaRPr lang="en-US" b="1" dirty="0"/>
+          </a:p>
+        </p:txBody>
+      </p:sp>
+      <p:sp>
+        <p:nvSpPr>
+          <p:cNvPr id="5" name="TextBox 4"/>
           <p:cNvSpPr txBox="1"/>
           <p:nvPr/>
         </p:nvSpPr>
@@ -3155,10 +3427,43 @@
           </a:p>
         </p:txBody>
       </p:sp>
+      <p:sp>
+        <p:nvSpPr>
+          <p:cNvPr id="6" name="Rectangle 5"/>
+          <p:cNvSpPr/>
+          <p:nvPr/>
+        </p:nvSpPr>
+        <p:spPr>
+          <a:xfrm>
+            <a:off x="601325" y="2977979"/>
+            <a:ext cx="4060727" cy="307777"/>
+          </a:xfrm>
+          <a:prstGeom prst="rect">
+            <a:avLst/>
+          </a:prstGeom>
+        </p:spPr>
+        <p:txBody>
+          <a:bodyPr wrap="none">
+            <a:spAutoFit/>
+          </a:bodyPr>
+          <a:lstStyle/>
+          <a:p>
+            <a:r>
+              <a:rPr lang="en-US" b="1" dirty="0"/>
+              <a:t>ns3::P1906MOL_ExtendedMotion::</a:t>
+            </a:r>
+            <a:r>
+              <a:rPr lang="en-US" b="1" dirty="0" err="1"/>
+              <a:t>motorWalk</a:t>
+            </a:r>
+            <a:endParaRPr lang="en-US" dirty="0"/>
+          </a:p>
+        </p:txBody>
+      </p:sp>
     </p:spTree>
     <p:extLst>
       <p:ext uri="{BB962C8B-B14F-4D97-AF65-F5344CB8AC3E}">
-        <p14:creationId xmlns:p14="http://schemas.microsoft.com/office/powerpoint/2010/main" val="2988715040"/>
+        <p14:creationId xmlns:p14="http://schemas.microsoft.com/office/powerpoint/2010/main" val="1428864740"/>
       </p:ext>
     </p:extLst>
   </p:cSld>
@@ -3202,114 +3507,92 @@
           <a:p>
             <a:r>
               <a:rPr lang="en-US" dirty="0" smtClean="0"/>
-              <a:t>Structural entropy and latency</a:t>
+              <a:t>VECTOR FIELD RECONSTRUCTION (1906 FIELD)</a:t>
             </a:r>
             <a:endParaRPr lang="en-US" dirty="0"/>
           </a:p>
         </p:txBody>
       </p:sp>
-      <p:sp>
-        <p:nvSpPr>
-          <p:cNvPr id="3" name="Text Placeholder 2"/>
-          <p:cNvSpPr>
-            <a:spLocks noGrp="1"/>
-          </p:cNvSpPr>
-          <p:nvPr>
-            <p:ph type="body" idx="1"/>
-          </p:nvPr>
-        </p:nvSpPr>
-        <p:spPr/>
-        <p:txBody>
-          <a:bodyPr/>
+      <p:pic>
+        <p:nvPicPr>
+          <p:cNvPr id="3" name="Picture 2"/>
+          <p:cNvPicPr>
+            <a:picLocks noChangeAspect="1"/>
+          </p:cNvPicPr>
+          <p:nvPr/>
+        </p:nvPicPr>
+        <p:blipFill>
+          <a:blip r:embed="rId2">
+            <a:extLst>
+              <a:ext uri="{28A0092B-C50C-407E-A947-70E740481C1C}">
+                <a14:useLocalDpi xmlns:a14="http://schemas.microsoft.com/office/drawing/2010/main" val="0"/>
+              </a:ext>
+            </a:extLst>
+          </a:blip>
+          <a:stretch>
+            <a:fillRect/>
+          </a:stretch>
+        </p:blipFill>
+        <p:spPr>
+          <a:xfrm>
+            <a:off x="4226312" y="1194508"/>
+            <a:ext cx="4460488" cy="4830708"/>
+          </a:xfrm>
+          <a:prstGeom prst="rect">
+            <a:avLst/>
+          </a:prstGeom>
+        </p:spPr>
+      </p:pic>
+      <p:sp>
+        <p:nvSpPr>
+          <p:cNvPr id="4" name="TextBox 3"/>
+          <p:cNvSpPr txBox="1"/>
+          <p:nvPr/>
+        </p:nvSpPr>
+        <p:spPr>
+          <a:xfrm>
+            <a:off x="5634851" y="5041195"/>
+            <a:ext cx="2666755" cy="738664"/>
+          </a:xfrm>
+          <a:prstGeom prst="rect">
+            <a:avLst/>
+          </a:prstGeom>
+          <a:noFill/>
+        </p:spPr>
+        <p:txBody>
+          <a:bodyPr wrap="square" rtlCol="0">
+            <a:spAutoFit/>
+          </a:bodyPr>
           <a:lstStyle/>
           <a:p>
-            <a:pPr marL="457200" indent="-457200">
-              <a:buFont typeface="Arial" pitchFamily="34" charset="0"/>
-              <a:buChar char="•"/>
-            </a:pPr>
-            <a:r>
-              <a:rPr lang="en-US" sz="2400" dirty="0"/>
-              <a:t>Can structural entropy be used to characterize this?</a:t>
-            </a:r>
-          </a:p>
-          <a:p>
-            <a:pPr marL="457200" indent="-457200">
-              <a:buFont typeface="Arial" pitchFamily="34" charset="0"/>
-              <a:buChar char="•"/>
-            </a:pPr>
-            <a:r>
-              <a:rPr lang="en-US" sz="2400" dirty="0"/>
-              <a:t>Low persistence length -&gt; high structural entropy</a:t>
-            </a:r>
-          </a:p>
-          <a:p>
-            <a:pPr marL="457200" indent="-457200">
-              <a:buFont typeface="Arial" pitchFamily="34" charset="0"/>
-              <a:buChar char="•"/>
-            </a:pPr>
-            <a:r>
-              <a:rPr lang="en-US" sz="2400" dirty="0"/>
-              <a:t>Use graph spectra to estimate propagation delay (</a:t>
-            </a:r>
-            <a:r>
-              <a:rPr lang="en-US" sz="2400" dirty="0" smtClean="0"/>
-              <a:t>Field)</a:t>
-            </a:r>
-          </a:p>
-          <a:p>
-            <a:pPr marL="457200" indent="-457200">
-              <a:buFont typeface="Arial" pitchFamily="34" charset="0"/>
-              <a:buChar char="•"/>
-            </a:pPr>
-            <a:r>
-              <a:rPr lang="en-US" sz="2400" dirty="0" smtClean="0"/>
-              <a:t>Can </a:t>
-            </a:r>
-            <a:r>
-              <a:rPr lang="en-US" sz="2400" dirty="0"/>
-              <a:t>persistence length be converted to mathematical field?</a:t>
-            </a:r>
-          </a:p>
-          <a:p>
-            <a:pPr marL="457200" lvl="1" indent="-457200">
-              <a:buFont typeface="Arial" pitchFamily="34" charset="0"/>
-              <a:buChar char="•"/>
-            </a:pPr>
-            <a:r>
-              <a:rPr lang="en-US" dirty="0"/>
-              <a:t>Yes, persistence length is precisely the expected change in the tangent field lines with distance from one </a:t>
-            </a:r>
-            <a:r>
-              <a:rPr lang="en-US" dirty="0" smtClean="0"/>
-              <a:t>another.</a:t>
-            </a:r>
-            <a:endParaRPr lang="en-US" dirty="0"/>
-          </a:p>
-          <a:p>
-            <a:pPr marL="457200" lvl="1" indent="-457200">
-              <a:buFont typeface="Arial" pitchFamily="34" charset="0"/>
-              <a:buChar char="•"/>
-            </a:pPr>
-            <a:r>
-              <a:rPr lang="en-US" dirty="0" smtClean="0"/>
-              <a:t>Tangent lines are the direction of the motor(s) [field lines]</a:t>
-            </a:r>
-          </a:p>
-          <a:p>
-            <a:pPr marL="457200" lvl="1" indent="-457200">
-              <a:buFont typeface="Arial" pitchFamily="34" charset="0"/>
-              <a:buChar char="•"/>
-            </a:pPr>
-            <a:r>
-              <a:rPr lang="en-US" dirty="0" smtClean="0"/>
-              <a:t>Orientation is critical for high persistence length</a:t>
-            </a:r>
-          </a:p>
-        </p:txBody>
-      </p:sp>
-      <p:sp>
-        <p:nvSpPr>
-          <p:cNvPr id="4" name="TextBox 3"/>
+            <a:pPr algn="ctr"/>
+            <a:r>
+              <a:rPr lang="en-US" b="1" dirty="0" smtClean="0"/>
+              <a:t>Tangent points along the microtubule </a:t>
+            </a:r>
+            <a:r>
+              <a:rPr lang="en-US" b="1" dirty="0"/>
+              <a:t>structure </a:t>
+            </a:r>
+            <a:r>
+              <a:rPr lang="en-US" b="1" dirty="0" smtClean="0"/>
+              <a:t>(</a:t>
+            </a:r>
+            <a:r>
+              <a:rPr lang="en-US" b="1" dirty="0"/>
+              <a:t>vectorField.dat</a:t>
+            </a:r>
+            <a:r>
+              <a:rPr lang="en-US" b="1" dirty="0" smtClean="0"/>
+              <a:t>)</a:t>
+            </a:r>
+            <a:endParaRPr lang="en-US" b="1" dirty="0"/>
+          </a:p>
+        </p:txBody>
+      </p:sp>
+      <p:sp>
+        <p:nvSpPr>
+          <p:cNvPr id="5" name="TextBox 4"/>
           <p:cNvSpPr txBox="1"/>
           <p:nvPr/>
         </p:nvSpPr>
@@ -3337,10 +3620,39 @@
           </a:p>
         </p:txBody>
       </p:sp>
+      <p:sp>
+        <p:nvSpPr>
+          <p:cNvPr id="6" name="Rectangle 5"/>
+          <p:cNvSpPr/>
+          <p:nvPr/>
+        </p:nvSpPr>
+        <p:spPr>
+          <a:xfrm>
+            <a:off x="373699" y="1638888"/>
+            <a:ext cx="4515980" cy="307777"/>
+          </a:xfrm>
+          <a:prstGeom prst="rect">
+            <a:avLst/>
+          </a:prstGeom>
+        </p:spPr>
+        <p:txBody>
+          <a:bodyPr wrap="none">
+            <a:spAutoFit/>
+          </a:bodyPr>
+          <a:lstStyle/>
+          <a:p>
+            <a:r>
+              <a:rPr lang="en-US" b="1" dirty="0"/>
+              <a:t>ns3::P1906MOL_ExtendedField::tubes2VectorField</a:t>
+            </a:r>
+            <a:endParaRPr lang="en-US" dirty="0"/>
+          </a:p>
+        </p:txBody>
+      </p:sp>
     </p:spTree>
     <p:extLst>
       <p:ext uri="{BB962C8B-B14F-4D97-AF65-F5344CB8AC3E}">
-        <p14:creationId xmlns:p14="http://schemas.microsoft.com/office/powerpoint/2010/main" val="1164428795"/>
+        <p14:creationId xmlns:p14="http://schemas.microsoft.com/office/powerpoint/2010/main" val="960643264"/>
       </p:ext>
     </p:extLst>
   </p:cSld>
@@ -3384,7 +3696,7 @@
           <a:p>
             <a:r>
               <a:rPr lang="en-US" dirty="0" smtClean="0"/>
-              <a:t>Random walk within a field</a:t>
+              <a:t>INTEGRATION WITH NS-3</a:t>
             </a:r>
             <a:endParaRPr lang="en-US" dirty="0"/>
           </a:p>
@@ -3405,31 +3717,109 @@
           <a:bodyPr/>
           <a:lstStyle/>
           <a:p>
-            <a:r>
-              <a:rPr lang="en-US" dirty="0" smtClean="0"/>
-              <a:t>Unbound time: random walk</a:t>
-            </a:r>
-          </a:p>
-          <a:p>
-            <a:r>
-              <a:rPr lang="en-US" dirty="0" smtClean="0"/>
-              <a:t>Bound time: follows tangents defined microtubules (field lines)</a:t>
-            </a:r>
-          </a:p>
-          <a:p>
-            <a:r>
-              <a:rPr lang="en-US" dirty="0" smtClean="0"/>
-              <a:t>How long if no field (pure random walk)?</a:t>
-            </a:r>
-          </a:p>
-          <a:p>
-            <a:r>
-              <a:rPr lang="en-US" dirty="0" smtClean="0"/>
-              <a:t>How long if field added (correlated tangents)?</a:t>
-            </a:r>
-          </a:p>
-          <a:p>
-            <a:endParaRPr lang="en-US" dirty="0"/>
+            <a:pPr marL="342900" indent="-342900">
+              <a:buFont typeface="Arial" pitchFamily="34" charset="0"/>
+              <a:buChar char="•"/>
+            </a:pPr>
+            <a:r>
+              <a:rPr lang="en-US" sz="2400" dirty="0" smtClean="0"/>
+              <a:t>Implement microtubules are ns-3 Nodes</a:t>
+            </a:r>
+          </a:p>
+          <a:p>
+            <a:pPr marL="342900" lvl="1" indent="-342900">
+              <a:buFont typeface="Arial" pitchFamily="34" charset="0"/>
+              <a:buChar char="•"/>
+            </a:pPr>
+            <a:r>
+              <a:rPr lang="en-US" sz="1800" dirty="0" smtClean="0"/>
+              <a:t>Nodes move as the microtubule network dynamically changes</a:t>
+            </a:r>
+          </a:p>
+          <a:p>
+            <a:endParaRPr lang="en-US" sz="2400" dirty="0" smtClean="0"/>
+          </a:p>
+          <a:p>
+            <a:pPr marL="342900" indent="-342900">
+              <a:buFont typeface="Arial" pitchFamily="34" charset="0"/>
+              <a:buChar char="•"/>
+            </a:pPr>
+            <a:r>
+              <a:rPr lang="en-US" sz="2400" dirty="0" smtClean="0"/>
+              <a:t>Ns-3 node mobility</a:t>
+            </a:r>
+            <a:endParaRPr lang="en-US" sz="2400" dirty="0"/>
+          </a:p>
+          <a:p>
+            <a:pPr marL="342900" lvl="1" indent="-342900">
+              <a:buFont typeface="Arial" pitchFamily="34" charset="0"/>
+              <a:buChar char="•"/>
+            </a:pPr>
+            <a:r>
+              <a:rPr lang="en-US" sz="1800" dirty="0" smtClean="0">
+                <a:hlinkClick r:id="rId2"/>
+              </a:rPr>
+              <a:t>http</a:t>
+            </a:r>
+            <a:r>
+              <a:rPr lang="en-US" sz="1800" dirty="0">
+                <a:hlinkClick r:id="rId2"/>
+              </a:rPr>
+              <a:t>://</a:t>
+            </a:r>
+            <a:r>
+              <a:rPr lang="en-US" sz="1800" dirty="0" smtClean="0">
+                <a:hlinkClick r:id="rId2"/>
+              </a:rPr>
+              <a:t>www.nsnam.org/docs/models/html/mobility.html</a:t>
+            </a:r>
+            <a:endParaRPr lang="en-US" sz="1800" dirty="0" smtClean="0"/>
+          </a:p>
+          <a:p>
+            <a:pPr marL="342900" indent="-342900">
+              <a:buFont typeface="Arial" pitchFamily="34" charset="0"/>
+              <a:buChar char="•"/>
+            </a:pPr>
+            <a:endParaRPr lang="en-US" sz="2400" dirty="0"/>
+          </a:p>
+          <a:p>
+            <a:pPr marL="342900" indent="-342900">
+              <a:buFont typeface="Arial" pitchFamily="34" charset="0"/>
+              <a:buChar char="•"/>
+            </a:pPr>
+            <a:r>
+              <a:rPr lang="en-US" sz="2400" dirty="0" smtClean="0"/>
+              <a:t>Matrix math using GNU Scientific Library w/ns-3</a:t>
+            </a:r>
+          </a:p>
+          <a:p>
+            <a:pPr marL="342900" lvl="1" indent="-342900">
+              <a:buFont typeface="Arial" pitchFamily="34" charset="0"/>
+              <a:buChar char="•"/>
+            </a:pPr>
+            <a:r>
+              <a:rPr lang="en-US" sz="1800" dirty="0" smtClean="0">
+                <a:hlinkClick r:id="rId3"/>
+              </a:rPr>
+              <a:t>http</a:t>
+            </a:r>
+            <a:r>
+              <a:rPr lang="en-US" sz="1800" dirty="0">
+                <a:hlinkClick r:id="rId3"/>
+              </a:rPr>
+              <a:t>://</a:t>
+            </a:r>
+            <a:r>
+              <a:rPr lang="en-US" sz="1800" dirty="0" smtClean="0">
+                <a:hlinkClick r:id="rId3"/>
+              </a:rPr>
+              <a:t>www.gnu.org/software/gsl/manual/html_node/Eigenvalue-and-Eigenvector-Examples.html#Eigenvalue-and-Eigenvector-Examples</a:t>
+            </a:r>
+            <a:r>
+              <a:rPr lang="en-US" sz="1800" dirty="0" smtClean="0"/>
+              <a:t> </a:t>
+            </a:r>
+            <a:endParaRPr lang="en-US" sz="1800" dirty="0"/>
           </a:p>
         </p:txBody>
       </p:sp>
@@ -3466,7 +3856,7 @@
     </p:spTree>
     <p:extLst>
       <p:ext uri="{BB962C8B-B14F-4D97-AF65-F5344CB8AC3E}">
-        <p14:creationId xmlns:p14="http://schemas.microsoft.com/office/powerpoint/2010/main" val="3212609185"/>
+        <p14:creationId xmlns:p14="http://schemas.microsoft.com/office/powerpoint/2010/main" val="2066873876"/>
       </p:ext>
     </p:extLst>
   </p:cSld>
@@ -3510,7 +3900,7 @@
           <a:p>
             <a:r>
               <a:rPr lang="en-US" dirty="0" smtClean="0"/>
-              <a:t>Connecting to ns-3</a:t>
+              <a:t>NEXT STEPS (COMMENTS WELCOME)</a:t>
             </a:r>
             <a:endParaRPr lang="en-US" dirty="0"/>
           </a:p>
@@ -3531,133 +3921,134 @@
           <a:bodyPr/>
           <a:lstStyle/>
           <a:p>
-            <a:pPr marL="342900" indent="-342900">
-              <a:buFont typeface="Arial" pitchFamily="34" charset="0"/>
-              <a:buChar char="•"/>
-            </a:pPr>
+            <a:r>
+              <a:rPr lang="en-US" sz="2800" dirty="0" smtClean="0"/>
+              <a:t>See </a:t>
+            </a:r>
+          </a:p>
+          <a:p>
+            <a:r>
+              <a:rPr lang="en-US" sz="2800" dirty="0"/>
+              <a:t>	</a:t>
+            </a:r>
+            <a:r>
+              <a:rPr lang="en-US" sz="1800" dirty="0" smtClean="0"/>
+              <a:t>mol-example.cc</a:t>
+            </a:r>
+          </a:p>
+          <a:p>
+            <a:r>
+              <a:rPr lang="en-US" sz="1800" dirty="0" smtClean="0"/>
+              <a:t>	_</a:t>
+            </a:r>
+            <a:r>
+              <a:rPr lang="en-US" sz="1800" dirty="0"/>
+              <a:t>RUN_MOL_CHANNEL_CAPACITY_.</a:t>
+            </a:r>
+            <a:r>
+              <a:rPr lang="en-US" sz="1800" dirty="0" smtClean="0"/>
+              <a:t>sh</a:t>
+            </a:r>
+          </a:p>
+          <a:p>
+            <a:r>
+              <a:rPr lang="en-US" sz="2800" dirty="0" smtClean="0"/>
+              <a:t>Notice that </a:t>
+            </a:r>
+            <a:r>
+              <a:rPr lang="en-US" sz="2800" dirty="0" err="1" smtClean="0"/>
+              <a:t>nodeDistance</a:t>
+            </a:r>
+            <a:r>
+              <a:rPr lang="en-US" sz="2800" dirty="0" smtClean="0"/>
+              <a:t> can be passed </a:t>
+            </a:r>
+          </a:p>
+          <a:p>
+            <a:r>
+              <a:rPr lang="en-US" sz="1600" dirty="0"/>
+              <a:t>	 ./</a:t>
+            </a:r>
+            <a:r>
+              <a:rPr lang="en-US" sz="1600" dirty="0" err="1"/>
+              <a:t>waf</a:t>
+            </a:r>
+            <a:r>
+              <a:rPr lang="en-US" sz="1600" dirty="0"/>
+              <a:t> --run "scratch/</a:t>
+            </a:r>
+            <a:r>
+              <a:rPr lang="en-US" sz="1600" dirty="0" err="1"/>
+              <a:t>mol</a:t>
+            </a:r>
+            <a:r>
+              <a:rPr lang="en-US" sz="1600" dirty="0"/>
+              <a:t>-example --</a:t>
+            </a:r>
+            <a:r>
+              <a:rPr lang="en-US" sz="1600" dirty="0" err="1"/>
+              <a:t>nodeDistance</a:t>
+            </a:r>
+            <a:r>
+              <a:rPr lang="en-US" sz="1600" dirty="0"/>
+              <a:t>=${</a:t>
+            </a:r>
+            <a:r>
+              <a:rPr lang="en-US" sz="1600" dirty="0" err="1"/>
+              <a:t>nodeDistance</a:t>
+            </a:r>
+            <a:r>
+              <a:rPr lang="en-US" sz="1600" dirty="0" smtClean="0"/>
+              <a:t>}“</a:t>
+            </a:r>
+          </a:p>
+          <a:p>
+            <a:r>
+              <a:rPr lang="en-US" sz="2800" dirty="0" smtClean="0"/>
+              <a:t>Perhaps </a:t>
+            </a:r>
+            <a:r>
+              <a:rPr lang="en-US" sz="2800" dirty="0" err="1" smtClean="0"/>
+              <a:t>nodePosition</a:t>
+            </a:r>
+            <a:r>
+              <a:rPr lang="en-US" sz="2800" dirty="0" smtClean="0"/>
+              <a:t> could be passed</a:t>
+            </a:r>
+          </a:p>
+          <a:p>
+            <a:r>
+              <a:rPr lang="en-US" sz="2800" dirty="0" smtClean="0"/>
+              <a:t>For Mobility, see </a:t>
+            </a:r>
+          </a:p>
+          <a:p>
+            <a:r>
+              <a:rPr lang="en-US" sz="1600" dirty="0" smtClean="0"/>
+              <a:t>	</a:t>
+            </a:r>
+            <a:r>
+              <a:rPr lang="en-US" sz="1600" dirty="0" err="1" smtClean="0"/>
+              <a:t>mobility.SetMobilityModel</a:t>
+            </a:r>
+            <a:r>
+              <a:rPr lang="en-US" sz="1600" dirty="0"/>
+              <a:t>("ns3::</a:t>
+            </a:r>
+            <a:r>
+              <a:rPr lang="en-US" sz="1600" dirty="0" err="1"/>
+              <a:t>ConstantPositionMobilityModel</a:t>
+            </a:r>
+            <a:r>
+              <a:rPr lang="en-US" sz="1600" dirty="0" smtClean="0"/>
+              <a:t>");</a:t>
+            </a:r>
+          </a:p>
+          <a:p>
             <a:r>
               <a:rPr lang="en-US" sz="2400" dirty="0" smtClean="0"/>
-              <a:t>Assume microtubule intersections are nodes</a:t>
-            </a:r>
-          </a:p>
-          <a:p>
-            <a:pPr marL="342900" lvl="1" indent="-342900">
-              <a:buFont typeface="Arial" pitchFamily="34" charset="0"/>
-              <a:buChar char="•"/>
-            </a:pPr>
-            <a:r>
-              <a:rPr lang="en-US" sz="1800" dirty="0" smtClean="0"/>
-              <a:t>Nodes move as the microtubule network dynamically changes</a:t>
-            </a:r>
-          </a:p>
-          <a:p>
-            <a:pPr marL="342900" indent="-342900">
-              <a:buFont typeface="Arial" pitchFamily="34" charset="0"/>
-              <a:buChar char="•"/>
-            </a:pPr>
-            <a:r>
-              <a:rPr lang="en-US" sz="2400" dirty="0" smtClean="0"/>
-              <a:t>OR</a:t>
-            </a:r>
-          </a:p>
-          <a:p>
-            <a:pPr marL="342900" indent="-342900">
-              <a:buFont typeface="Arial" pitchFamily="34" charset="0"/>
-              <a:buChar char="•"/>
-            </a:pPr>
-            <a:r>
-              <a:rPr lang="en-US" sz="2400" dirty="0" smtClean="0"/>
-              <a:t>Assume fixed nodes and compute impact of topology within the propagation module</a:t>
-            </a:r>
-          </a:p>
-          <a:p>
-            <a:pPr marL="342900" indent="-342900">
-              <a:buFont typeface="Arial" pitchFamily="34" charset="0"/>
-              <a:buChar char="•"/>
-            </a:pPr>
-            <a:endParaRPr lang="en-US" sz="2400" dirty="0" smtClean="0"/>
-          </a:p>
-          <a:p>
-            <a:pPr marL="342900" indent="-342900">
-              <a:buFont typeface="Arial" pitchFamily="34" charset="0"/>
-              <a:buChar char="•"/>
-            </a:pPr>
-            <a:r>
-              <a:rPr lang="en-US" sz="2400" dirty="0" smtClean="0"/>
-              <a:t>Ns-3 node mobility</a:t>
-            </a:r>
-            <a:endParaRPr lang="en-US" sz="2400" dirty="0"/>
-          </a:p>
-          <a:p>
-            <a:pPr marL="342900" lvl="1" indent="-342900">
-              <a:buFont typeface="Arial" pitchFamily="34" charset="0"/>
-              <a:buChar char="•"/>
-            </a:pPr>
-            <a:r>
-              <a:rPr lang="en-US" sz="1800" dirty="0" smtClean="0">
-                <a:hlinkClick r:id="rId2"/>
-              </a:rPr>
-              <a:t>http</a:t>
-            </a:r>
-            <a:r>
-              <a:rPr lang="en-US" sz="1800" dirty="0">
-                <a:hlinkClick r:id="rId2"/>
-              </a:rPr>
-              <a:t>://</a:t>
-            </a:r>
-            <a:r>
-              <a:rPr lang="en-US" sz="1800" dirty="0" smtClean="0">
-                <a:hlinkClick r:id="rId2"/>
-              </a:rPr>
-              <a:t>www.nsnam.org/docs/models/html/mobility.html</a:t>
-            </a:r>
-            <a:endParaRPr lang="en-US" sz="1800" dirty="0" smtClean="0"/>
-          </a:p>
-          <a:p>
-            <a:pPr marL="342900" indent="-342900">
-              <a:buFont typeface="Arial" pitchFamily="34" charset="0"/>
-              <a:buChar char="•"/>
-            </a:pPr>
-            <a:endParaRPr lang="en-US" sz="2400" dirty="0"/>
-          </a:p>
-          <a:p>
-            <a:pPr marL="342900" indent="-342900">
-              <a:buFont typeface="Arial" pitchFamily="34" charset="0"/>
-              <a:buChar char="•"/>
-            </a:pPr>
-            <a:r>
-              <a:rPr lang="en-US" sz="2400" dirty="0" smtClean="0"/>
-              <a:t>Matrix math using GNU Scientific Library w/ns-3</a:t>
-            </a:r>
-          </a:p>
-          <a:p>
-            <a:pPr marL="342900" lvl="1" indent="-342900">
-              <a:buFont typeface="Arial" pitchFamily="34" charset="0"/>
-              <a:buChar char="•"/>
-            </a:pPr>
-            <a:r>
-              <a:rPr lang="en-US" sz="1800" dirty="0" smtClean="0">
-                <a:hlinkClick r:id="rId3"/>
-              </a:rPr>
-              <a:t>http</a:t>
-            </a:r>
-            <a:r>
-              <a:rPr lang="en-US" sz="1800" dirty="0">
-                <a:hlinkClick r:id="rId3"/>
-              </a:rPr>
-              <a:t>://</a:t>
-            </a:r>
-            <a:r>
-              <a:rPr lang="en-US" sz="1800" dirty="0" smtClean="0">
-                <a:hlinkClick r:id="rId3"/>
-              </a:rPr>
-              <a:t>www.gnu.org/software/gsl/manual/html_node/Eigenvalue-and-Eigenvector-Examples.html#Eigenvalue-and-Eigenvector-Examples</a:t>
-            </a:r>
-            <a:r>
-              <a:rPr lang="en-US" sz="1800" dirty="0" smtClean="0"/>
-              <a:t> </a:t>
-            </a:r>
-            <a:endParaRPr lang="en-US" sz="1800" dirty="0"/>
+              <a:t>The question is how best to integrate and leverage ns-3 capabilities</a:t>
+            </a:r>
           </a:p>
         </p:txBody>
       </p:sp>
@@ -3694,7 +4085,7 @@
     </p:spTree>
     <p:extLst>
       <p:ext uri="{BB962C8B-B14F-4D97-AF65-F5344CB8AC3E}">
-        <p14:creationId xmlns:p14="http://schemas.microsoft.com/office/powerpoint/2010/main" val="2066873876"/>
+        <p14:creationId xmlns:p14="http://schemas.microsoft.com/office/powerpoint/2010/main" val="4111993010"/>
       </p:ext>
     </p:extLst>
   </p:cSld>
@@ -3738,1587 +4129,86 @@
           <a:p>
             <a:r>
               <a:rPr lang="en-US" dirty="0" smtClean="0"/>
-              <a:t>Cytoskeleton to 1906.1 Map</a:t>
+              <a:t>SVN UPDATE INFORMATION</a:t>
             </a:r>
             <a:endParaRPr lang="en-US" dirty="0"/>
           </a:p>
         </p:txBody>
       </p:sp>
-      <p:graphicFrame>
-        <p:nvGraphicFramePr>
-          <p:cNvPr id="5" name="Table 4"/>
-          <p:cNvGraphicFramePr>
-            <a:graphicFrameLocks noGrp="1"/>
-          </p:cNvGraphicFramePr>
+      <p:sp>
+        <p:nvSpPr>
+          <p:cNvPr id="3" name="Text Placeholder 2"/>
+          <p:cNvSpPr>
+            <a:spLocks noGrp="1"/>
+          </p:cNvSpPr>
           <p:nvPr>
-            <p:extLst>
-              <p:ext uri="{D42A27DB-BD31-4B8C-83A1-F6EECF244321}">
-                <p14:modId xmlns:p14="http://schemas.microsoft.com/office/powerpoint/2010/main" val="4273197403"/>
-              </p:ext>
-            </p:extLst>
+            <p:ph type="body" idx="1"/>
           </p:nvPr>
-        </p:nvGraphicFramePr>
-        <p:xfrm>
-          <a:off x="888642" y="1648496"/>
-          <a:ext cx="7405352" cy="5069552"/>
-        </p:xfrm>
-        <a:graphic>
-          <a:graphicData uri="http://schemas.openxmlformats.org/drawingml/2006/table">
-            <a:tbl>
-              <a:tblPr/>
-              <a:tblGrid>
-                <a:gridCol w="3633186"/>
-                <a:gridCol w="3772166"/>
-              </a:tblGrid>
-              <a:tr h="361252">
-                <a:tc>
-                  <a:txBody>
-                    <a:bodyPr/>
-                    <a:lstStyle/>
-                    <a:p>
-                      <a:pPr marL="0" marR="0">
-                        <a:spcBef>
-                          <a:spcPts val="0"/>
-                        </a:spcBef>
-                        <a:spcAft>
-                          <a:spcPts val="0"/>
-                        </a:spcAft>
-                      </a:pPr>
-                      <a:r>
-                        <a:rPr lang="en-GB" sz="1600" b="1" dirty="0">
-                          <a:effectLst/>
-                          <a:latin typeface="Times New Roman"/>
-                          <a:ea typeface="Times New Roman"/>
-                        </a:rPr>
-                        <a:t>P1906.1 Component</a:t>
-                      </a:r>
-                      <a:endParaRPr lang="en-US" sz="2400" dirty="0">
-                        <a:effectLst/>
-                        <a:latin typeface="Times New Roman"/>
-                        <a:ea typeface="Times New Roman"/>
-                      </a:endParaRPr>
-                    </a:p>
-                  </a:txBody>
-                  <a:tcPr marL="68580" marR="68580" marT="0" marB="0" anchor="ctr">
-                    <a:lnL w="19050" cap="flat" cmpd="sng" algn="ctr">
-                      <a:solidFill>
-                        <a:srgbClr val="000000"/>
-                      </a:solidFill>
-                      <a:prstDash val="solid"/>
-                      <a:round/>
-                      <a:headEnd type="none" w="med" len="med"/>
-                      <a:tailEnd type="none" w="med" len="med"/>
-                    </a:lnL>
-                    <a:lnR>
-                      <a:noFill/>
-                    </a:lnR>
-                    <a:lnT w="19050" cap="flat" cmpd="sng" algn="ctr">
-                      <a:solidFill>
-                        <a:srgbClr val="000000"/>
-                      </a:solidFill>
-                      <a:prstDash val="solid"/>
-                      <a:round/>
-                      <a:headEnd type="none" w="med" len="med"/>
-                      <a:tailEnd type="none" w="med" len="med"/>
-                    </a:lnT>
-                    <a:lnB w="12700" cap="flat" cmpd="sng" algn="ctr">
-                      <a:solidFill>
-                        <a:srgbClr val="000000"/>
-                      </a:solidFill>
-                      <a:prstDash val="solid"/>
-                      <a:round/>
-                      <a:headEnd type="none" w="med" len="med"/>
-                      <a:tailEnd type="none" w="med" len="med"/>
-                    </a:lnB>
-                  </a:tcPr>
-                </a:tc>
-                <a:tc>
-                  <a:txBody>
-                    <a:bodyPr/>
-                    <a:lstStyle/>
-                    <a:p>
-                      <a:pPr marL="0" marR="0">
-                        <a:spcBef>
-                          <a:spcPts val="0"/>
-                        </a:spcBef>
-                        <a:spcAft>
-                          <a:spcPts val="0"/>
-                        </a:spcAft>
-                      </a:pPr>
-                      <a:r>
-                        <a:rPr lang="en-GB" sz="1600" b="1" dirty="0">
-                          <a:effectLst/>
-                          <a:latin typeface="Times New Roman"/>
-                          <a:ea typeface="Times New Roman"/>
-                        </a:rPr>
-                        <a:t>Corresponding components</a:t>
-                      </a:r>
-                      <a:endParaRPr lang="en-US" sz="2400" dirty="0">
-                        <a:effectLst/>
-                        <a:latin typeface="Times New Roman"/>
-                        <a:ea typeface="Times New Roman"/>
-                      </a:endParaRPr>
-                    </a:p>
-                  </a:txBody>
-                  <a:tcPr marL="68580" marR="68580" marT="0" marB="0" anchor="ctr">
-                    <a:lnL>
-                      <a:noFill/>
-                    </a:lnL>
-                    <a:lnR w="19050" cap="flat" cmpd="sng" algn="ctr">
-                      <a:solidFill>
-                        <a:srgbClr val="000000"/>
-                      </a:solidFill>
-                      <a:prstDash val="solid"/>
-                      <a:round/>
-                      <a:headEnd type="none" w="med" len="med"/>
-                      <a:tailEnd type="none" w="med" len="med"/>
-                    </a:lnR>
-                    <a:lnT w="19050" cap="flat" cmpd="sng" algn="ctr">
-                      <a:solidFill>
-                        <a:srgbClr val="000000"/>
-                      </a:solidFill>
-                      <a:prstDash val="solid"/>
-                      <a:round/>
-                      <a:headEnd type="none" w="med" len="med"/>
-                      <a:tailEnd type="none" w="med" len="med"/>
-                    </a:lnT>
-                    <a:lnB w="12700" cap="flat" cmpd="sng" algn="ctr">
-                      <a:solidFill>
-                        <a:srgbClr val="000000"/>
-                      </a:solidFill>
-                      <a:prstDash val="solid"/>
-                      <a:round/>
-                      <a:headEnd type="none" w="med" len="med"/>
-                      <a:tailEnd type="none" w="med" len="med"/>
-                    </a:lnB>
-                  </a:tcPr>
-                </a:tc>
-              </a:tr>
-              <a:tr h="361252">
-                <a:tc>
-                  <a:txBody>
-                    <a:bodyPr/>
-                    <a:lstStyle/>
-                    <a:p>
-                      <a:pPr marL="0" marR="0">
-                        <a:spcBef>
-                          <a:spcPts val="0"/>
-                        </a:spcBef>
-                        <a:spcAft>
-                          <a:spcPts val="0"/>
-                        </a:spcAft>
-                      </a:pPr>
-                      <a:r>
-                        <a:rPr lang="en-GB" sz="1600" b="1">
-                          <a:effectLst/>
-                          <a:latin typeface="Times New Roman"/>
-                          <a:ea typeface="Times New Roman"/>
-                        </a:rPr>
-                        <a:t>Transmitter</a:t>
-                      </a:r>
-                      <a:endParaRPr lang="en-US" sz="2400">
-                        <a:effectLst/>
-                        <a:latin typeface="Times New Roman"/>
-                        <a:ea typeface="Times New Roman"/>
-                      </a:endParaRPr>
-                    </a:p>
-                  </a:txBody>
-                  <a:tcPr marL="68580" marR="68580" marT="0" marB="0" anchor="ctr">
-                    <a:lnL w="19050" cap="flat" cmpd="sng" algn="ctr">
-                      <a:solidFill>
-                        <a:srgbClr val="000000"/>
-                      </a:solidFill>
-                      <a:prstDash val="solid"/>
-                      <a:round/>
-                      <a:headEnd type="none" w="med" len="med"/>
-                      <a:tailEnd type="none" w="med" len="med"/>
-                    </a:lnL>
-                    <a:lnR>
-                      <a:noFill/>
-                    </a:lnR>
-                    <a:lnT w="12700" cap="flat" cmpd="sng" algn="ctr">
-                      <a:solidFill>
-                        <a:srgbClr val="000000"/>
-                      </a:solidFill>
-                      <a:prstDash val="solid"/>
-                      <a:round/>
-                      <a:headEnd type="none" w="med" len="med"/>
-                      <a:tailEnd type="none" w="med" len="med"/>
-                    </a:lnT>
-                    <a:lnB w="12700" cap="flat" cmpd="sng" algn="ctr">
-                      <a:solidFill>
-                        <a:srgbClr val="000000"/>
-                      </a:solidFill>
-                      <a:prstDash val="solid"/>
-                      <a:round/>
-                      <a:headEnd type="none" w="med" len="med"/>
-                      <a:tailEnd type="none" w="med" len="med"/>
-                    </a:lnB>
-                  </a:tcPr>
-                </a:tc>
-                <a:tc>
-                  <a:txBody>
-                    <a:bodyPr/>
-                    <a:lstStyle/>
-                    <a:p>
-                      <a:pPr marL="0" marR="0">
-                        <a:spcBef>
-                          <a:spcPts val="0"/>
-                        </a:spcBef>
-                        <a:spcAft>
-                          <a:spcPts val="0"/>
-                        </a:spcAft>
-                      </a:pPr>
-                      <a:r>
-                        <a:rPr lang="en-US" sz="1600" b="1" dirty="0" smtClean="0">
-                          <a:effectLst/>
-                          <a:latin typeface="Times New Roman"/>
-                          <a:ea typeface="Times New Roman"/>
-                        </a:rPr>
-                        <a:t>Cytoskeletal</a:t>
-                      </a:r>
-                      <a:r>
-                        <a:rPr lang="en-US" sz="1600" b="1" baseline="0" dirty="0" smtClean="0">
-                          <a:effectLst/>
-                          <a:latin typeface="Times New Roman"/>
-                          <a:ea typeface="Times New Roman"/>
-                        </a:rPr>
-                        <a:t> system</a:t>
-                      </a:r>
-                      <a:endParaRPr lang="en-US" sz="2400" dirty="0">
-                        <a:effectLst/>
-                        <a:latin typeface="Times New Roman"/>
-                        <a:ea typeface="Times New Roman"/>
-                      </a:endParaRPr>
-                    </a:p>
-                  </a:txBody>
-                  <a:tcPr marL="68580" marR="68580" marT="0" marB="0" anchor="ctr">
-                    <a:lnL>
-                      <a:noFill/>
-                    </a:lnL>
-                    <a:lnR w="19050" cap="flat" cmpd="sng" algn="ctr">
-                      <a:solidFill>
-                        <a:srgbClr val="000000"/>
-                      </a:solidFill>
-                      <a:prstDash val="solid"/>
-                      <a:round/>
-                      <a:headEnd type="none" w="med" len="med"/>
-                      <a:tailEnd type="none" w="med" len="med"/>
-                    </a:lnR>
-                    <a:lnT w="12700" cap="flat" cmpd="sng" algn="ctr">
-                      <a:solidFill>
-                        <a:srgbClr val="000000"/>
-                      </a:solidFill>
-                      <a:prstDash val="solid"/>
-                      <a:round/>
-                      <a:headEnd type="none" w="med" len="med"/>
-                      <a:tailEnd type="none" w="med" len="med"/>
-                    </a:lnT>
-                    <a:lnB w="12700" cap="flat" cmpd="sng" algn="ctr">
-                      <a:solidFill>
-                        <a:srgbClr val="000000"/>
-                      </a:solidFill>
-                      <a:prstDash val="solid"/>
-                      <a:round/>
-                      <a:headEnd type="none" w="med" len="med"/>
-                      <a:tailEnd type="none" w="med" len="med"/>
-                    </a:lnB>
-                  </a:tcPr>
-                </a:tc>
-              </a:tr>
-              <a:tr h="361252">
-                <a:tc>
-                  <a:txBody>
-                    <a:bodyPr/>
-                    <a:lstStyle/>
-                    <a:p>
-                      <a:pPr marL="0" marR="0">
-                        <a:spcBef>
-                          <a:spcPts val="0"/>
-                        </a:spcBef>
-                        <a:spcAft>
-                          <a:spcPts val="0"/>
-                        </a:spcAft>
-                      </a:pPr>
-                      <a:r>
-                        <a:rPr lang="en-GB" sz="1600" b="1">
-                          <a:effectLst/>
-                          <a:latin typeface="Times New Roman"/>
-                          <a:ea typeface="Times New Roman"/>
-                        </a:rPr>
-                        <a:t>Receiver</a:t>
-                      </a:r>
-                      <a:endParaRPr lang="en-US" sz="2400">
-                        <a:effectLst/>
-                        <a:latin typeface="Times New Roman"/>
-                        <a:ea typeface="Times New Roman"/>
-                      </a:endParaRPr>
-                    </a:p>
-                  </a:txBody>
-                  <a:tcPr marL="68580" marR="68580" marT="0" marB="0" anchor="ctr">
-                    <a:lnL w="19050" cap="flat" cmpd="sng" algn="ctr">
-                      <a:solidFill>
-                        <a:srgbClr val="000000"/>
-                      </a:solidFill>
-                      <a:prstDash val="solid"/>
-                      <a:round/>
-                      <a:headEnd type="none" w="med" len="med"/>
-                      <a:tailEnd type="none" w="med" len="med"/>
-                    </a:lnL>
-                    <a:lnR>
-                      <a:noFill/>
-                    </a:lnR>
-                    <a:lnT w="12700" cap="flat" cmpd="sng" algn="ctr">
-                      <a:solidFill>
-                        <a:srgbClr val="000000"/>
-                      </a:solidFill>
-                      <a:prstDash val="solid"/>
-                      <a:round/>
-                      <a:headEnd type="none" w="med" len="med"/>
-                      <a:tailEnd type="none" w="med" len="med"/>
-                    </a:lnT>
-                    <a:lnB w="12700" cap="flat" cmpd="sng" algn="ctr">
-                      <a:solidFill>
-                        <a:srgbClr val="000000"/>
-                      </a:solidFill>
-                      <a:prstDash val="solid"/>
-                      <a:round/>
-                      <a:headEnd type="none" w="med" len="med"/>
-                      <a:tailEnd type="none" w="med" len="med"/>
-                    </a:lnB>
-                  </a:tcPr>
-                </a:tc>
-                <a:tc>
-                  <a:txBody>
-                    <a:bodyPr/>
-                    <a:lstStyle/>
-                    <a:p>
-                      <a:pPr marL="0" marR="0">
-                        <a:spcBef>
-                          <a:spcPts val="0"/>
-                        </a:spcBef>
-                        <a:spcAft>
-                          <a:spcPts val="0"/>
-                        </a:spcAft>
-                      </a:pPr>
-                      <a:r>
-                        <a:rPr lang="en-GB" sz="1600" b="1" dirty="0" smtClean="0">
-                          <a:effectLst/>
-                          <a:latin typeface="Times New Roman"/>
-                          <a:ea typeface="Times New Roman"/>
-                        </a:rPr>
-                        <a:t>Cell (healthy operation)</a:t>
-                      </a:r>
-                      <a:endParaRPr lang="en-US" sz="2400" dirty="0">
-                        <a:effectLst/>
-                        <a:latin typeface="Times New Roman"/>
-                        <a:ea typeface="Times New Roman"/>
-                      </a:endParaRPr>
-                    </a:p>
-                  </a:txBody>
-                  <a:tcPr marL="68580" marR="68580" marT="0" marB="0" anchor="ctr">
-                    <a:lnL>
-                      <a:noFill/>
-                    </a:lnL>
-                    <a:lnR w="19050" cap="flat" cmpd="sng" algn="ctr">
-                      <a:solidFill>
-                        <a:srgbClr val="000000"/>
-                      </a:solidFill>
-                      <a:prstDash val="solid"/>
-                      <a:round/>
-                      <a:headEnd type="none" w="med" len="med"/>
-                      <a:tailEnd type="none" w="med" len="med"/>
-                    </a:lnR>
-                    <a:lnT w="12700" cap="flat" cmpd="sng" algn="ctr">
-                      <a:solidFill>
-                        <a:srgbClr val="000000"/>
-                      </a:solidFill>
-                      <a:prstDash val="solid"/>
-                      <a:round/>
-                      <a:headEnd type="none" w="med" len="med"/>
-                      <a:tailEnd type="none" w="med" len="med"/>
-                    </a:lnT>
-                    <a:lnB w="12700" cap="flat" cmpd="sng" algn="ctr">
-                      <a:solidFill>
-                        <a:srgbClr val="000000"/>
-                      </a:solidFill>
-                      <a:prstDash val="solid"/>
-                      <a:round/>
-                      <a:headEnd type="none" w="med" len="med"/>
-                      <a:tailEnd type="none" w="med" len="med"/>
-                    </a:lnB>
-                  </a:tcPr>
-                </a:tc>
-              </a:tr>
-              <a:tr h="602088">
-                <a:tc>
-                  <a:txBody>
-                    <a:bodyPr/>
-                    <a:lstStyle/>
-                    <a:p>
-                      <a:pPr marL="0" marR="0">
-                        <a:spcBef>
-                          <a:spcPts val="0"/>
-                        </a:spcBef>
-                        <a:spcAft>
-                          <a:spcPts val="0"/>
-                        </a:spcAft>
-                      </a:pPr>
-                      <a:r>
-                        <a:rPr lang="en-GB" sz="1600" b="1">
-                          <a:effectLst/>
-                          <a:latin typeface="Times New Roman"/>
-                          <a:ea typeface="Times New Roman"/>
-                        </a:rPr>
-                        <a:t>Message</a:t>
-                      </a:r>
-                      <a:endParaRPr lang="en-US" sz="2400">
-                        <a:effectLst/>
-                        <a:latin typeface="Times New Roman"/>
-                        <a:ea typeface="Times New Roman"/>
-                      </a:endParaRPr>
-                    </a:p>
-                  </a:txBody>
-                  <a:tcPr marL="68580" marR="68580" marT="0" marB="0" anchor="ctr">
-                    <a:lnL w="19050" cap="flat" cmpd="sng" algn="ctr">
-                      <a:solidFill>
-                        <a:srgbClr val="000000"/>
-                      </a:solidFill>
-                      <a:prstDash val="solid"/>
-                      <a:round/>
-                      <a:headEnd type="none" w="med" len="med"/>
-                      <a:tailEnd type="none" w="med" len="med"/>
-                    </a:lnL>
-                    <a:lnR>
-                      <a:noFill/>
-                    </a:lnR>
-                    <a:lnT w="12700" cap="flat" cmpd="sng" algn="ctr">
-                      <a:solidFill>
-                        <a:srgbClr val="000000"/>
-                      </a:solidFill>
-                      <a:prstDash val="solid"/>
-                      <a:round/>
-                      <a:headEnd type="none" w="med" len="med"/>
-                      <a:tailEnd type="none" w="med" len="med"/>
-                    </a:lnT>
-                    <a:lnB w="12700" cap="flat" cmpd="sng" algn="ctr">
-                      <a:solidFill>
-                        <a:srgbClr val="000000"/>
-                      </a:solidFill>
-                      <a:prstDash val="solid"/>
-                      <a:round/>
-                      <a:headEnd type="none" w="med" len="med"/>
-                      <a:tailEnd type="none" w="med" len="med"/>
-                    </a:lnB>
-                  </a:tcPr>
-                </a:tc>
-                <a:tc>
-                  <a:txBody>
-                    <a:bodyPr/>
-                    <a:lstStyle/>
-                    <a:p>
-                      <a:r>
-                        <a:rPr lang="en-US" sz="1600" b="1" dirty="0" smtClean="0">
-                          <a:latin typeface="Times New Roman" pitchFamily="18" charset="0"/>
-                          <a:cs typeface="Times New Roman" pitchFamily="18" charset="0"/>
-                        </a:rPr>
-                        <a:t>Regulators</a:t>
-                      </a:r>
-                      <a:r>
-                        <a:rPr lang="en-US" sz="1600" b="1" baseline="0" dirty="0" smtClean="0">
-                          <a:latin typeface="Times New Roman" pitchFamily="18" charset="0"/>
-                          <a:cs typeface="Times New Roman" pitchFamily="18" charset="0"/>
-                        </a:rPr>
-                        <a:t> of the cytoskeletal system</a:t>
-                      </a:r>
-                      <a:endParaRPr lang="en-US" sz="1600" b="1" dirty="0">
-                        <a:latin typeface="Times New Roman" pitchFamily="18" charset="0"/>
-                        <a:cs typeface="Times New Roman" pitchFamily="18" charset="0"/>
-                      </a:endParaRPr>
-                    </a:p>
-                  </a:txBody>
-                  <a:tcPr marL="68580" marR="68580" marT="0" marB="0" anchor="ctr">
-                    <a:lnL>
-                      <a:noFill/>
-                    </a:lnL>
-                    <a:lnR w="19050" cap="flat" cmpd="sng" algn="ctr">
-                      <a:solidFill>
-                        <a:srgbClr val="000000"/>
-                      </a:solidFill>
-                      <a:prstDash val="solid"/>
-                      <a:round/>
-                      <a:headEnd type="none" w="med" len="med"/>
-                      <a:tailEnd type="none" w="med" len="med"/>
-                    </a:lnR>
-                    <a:lnT w="12700" cap="flat" cmpd="sng" algn="ctr">
-                      <a:solidFill>
-                        <a:srgbClr val="000000"/>
-                      </a:solidFill>
-                      <a:prstDash val="solid"/>
-                      <a:round/>
-                      <a:headEnd type="none" w="med" len="med"/>
-                      <a:tailEnd type="none" w="med" len="med"/>
-                    </a:lnT>
-                    <a:lnB w="12700" cap="flat" cmpd="sng" algn="ctr">
-                      <a:solidFill>
-                        <a:srgbClr val="000000"/>
-                      </a:solidFill>
-                      <a:prstDash val="solid"/>
-                      <a:round/>
-                      <a:headEnd type="none" w="med" len="med"/>
-                      <a:tailEnd type="none" w="med" len="med"/>
-                    </a:lnB>
-                  </a:tcPr>
-                </a:tc>
-              </a:tr>
-              <a:tr h="361252">
-                <a:tc>
-                  <a:txBody>
-                    <a:bodyPr/>
-                    <a:lstStyle/>
-                    <a:p>
-                      <a:pPr marL="0" marR="0">
-                        <a:spcBef>
-                          <a:spcPts val="0"/>
-                        </a:spcBef>
-                        <a:spcAft>
-                          <a:spcPts val="0"/>
-                        </a:spcAft>
-                      </a:pPr>
-                      <a:r>
-                        <a:rPr lang="en-GB" sz="1600" b="1">
-                          <a:effectLst/>
-                          <a:latin typeface="Times New Roman"/>
-                          <a:ea typeface="Times New Roman"/>
-                        </a:rPr>
-                        <a:t>Medium</a:t>
-                      </a:r>
-                      <a:endParaRPr lang="en-US" sz="2400">
-                        <a:effectLst/>
-                        <a:latin typeface="Times New Roman"/>
-                        <a:ea typeface="Times New Roman"/>
-                      </a:endParaRPr>
-                    </a:p>
-                  </a:txBody>
-                  <a:tcPr marL="68580" marR="68580" marT="0" marB="0" anchor="ctr">
-                    <a:lnL w="19050" cap="flat" cmpd="sng" algn="ctr">
-                      <a:solidFill>
-                        <a:srgbClr val="000000"/>
-                      </a:solidFill>
-                      <a:prstDash val="solid"/>
-                      <a:round/>
-                      <a:headEnd type="none" w="med" len="med"/>
-                      <a:tailEnd type="none" w="med" len="med"/>
-                    </a:lnL>
-                    <a:lnR>
-                      <a:noFill/>
-                    </a:lnR>
-                    <a:lnT w="12700" cap="flat" cmpd="sng" algn="ctr">
-                      <a:solidFill>
-                        <a:srgbClr val="000000"/>
-                      </a:solidFill>
-                      <a:prstDash val="solid"/>
-                      <a:round/>
-                      <a:headEnd type="none" w="med" len="med"/>
-                      <a:tailEnd type="none" w="med" len="med"/>
-                    </a:lnT>
-                    <a:lnB w="12700" cap="flat" cmpd="sng" algn="ctr">
-                      <a:solidFill>
-                        <a:srgbClr val="000000"/>
-                      </a:solidFill>
-                      <a:prstDash val="solid"/>
-                      <a:round/>
-                      <a:headEnd type="none" w="med" len="med"/>
-                      <a:tailEnd type="none" w="med" len="med"/>
-                    </a:lnB>
-                  </a:tcPr>
-                </a:tc>
-                <a:tc>
-                  <a:txBody>
-                    <a:bodyPr/>
-                    <a:lstStyle/>
-                    <a:p>
-                      <a:r>
-                        <a:rPr lang="en-US" sz="1600" b="1" dirty="0" smtClean="0">
-                          <a:latin typeface="Times New Roman" pitchFamily="18" charset="0"/>
-                          <a:cs typeface="Times New Roman" pitchFamily="18" charset="0"/>
-                        </a:rPr>
-                        <a:t>Regulatory</a:t>
-                      </a:r>
-                      <a:r>
-                        <a:rPr lang="en-US" sz="1600" b="1" baseline="0" dirty="0" smtClean="0">
-                          <a:latin typeface="Times New Roman" pitchFamily="18" charset="0"/>
-                          <a:cs typeface="Times New Roman" pitchFamily="18" charset="0"/>
-                        </a:rPr>
-                        <a:t> system</a:t>
-                      </a:r>
-                      <a:r>
-                        <a:rPr lang="en-US" sz="1600" b="1" dirty="0" smtClean="0">
-                          <a:latin typeface="Times New Roman" pitchFamily="18" charset="0"/>
-                          <a:cs typeface="Times New Roman" pitchFamily="18" charset="0"/>
-                        </a:rPr>
-                        <a:t> of cytoskeletal</a:t>
-                      </a:r>
-                      <a:r>
-                        <a:rPr lang="en-US" sz="1600" b="1" baseline="0" dirty="0" smtClean="0">
-                          <a:latin typeface="Times New Roman" pitchFamily="18" charset="0"/>
-                          <a:cs typeface="Times New Roman" pitchFamily="18" charset="0"/>
-                        </a:rPr>
-                        <a:t> structure</a:t>
-                      </a:r>
-                      <a:endParaRPr lang="en-US" sz="1600" b="1" dirty="0">
-                        <a:latin typeface="Times New Roman" pitchFamily="18" charset="0"/>
-                        <a:cs typeface="Times New Roman" pitchFamily="18" charset="0"/>
-                      </a:endParaRPr>
-                    </a:p>
-                  </a:txBody>
-                  <a:tcPr marL="68580" marR="68580" marT="0" marB="0" anchor="ctr">
-                    <a:lnL>
-                      <a:noFill/>
-                    </a:lnL>
-                    <a:lnR w="19050" cap="flat" cmpd="sng" algn="ctr">
-                      <a:solidFill>
-                        <a:srgbClr val="000000"/>
-                      </a:solidFill>
-                      <a:prstDash val="solid"/>
-                      <a:round/>
-                      <a:headEnd type="none" w="med" len="med"/>
-                      <a:tailEnd type="none" w="med" len="med"/>
-                    </a:lnR>
-                    <a:lnT w="12700" cap="flat" cmpd="sng" algn="ctr">
-                      <a:solidFill>
-                        <a:srgbClr val="000000"/>
-                      </a:solidFill>
-                      <a:prstDash val="solid"/>
-                      <a:round/>
-                      <a:headEnd type="none" w="med" len="med"/>
-                      <a:tailEnd type="none" w="med" len="med"/>
-                    </a:lnT>
-                    <a:lnB w="12700" cap="flat" cmpd="sng" algn="ctr">
-                      <a:solidFill>
-                        <a:srgbClr val="000000"/>
-                      </a:solidFill>
-                      <a:prstDash val="solid"/>
-                      <a:round/>
-                      <a:headEnd type="none" w="med" len="med"/>
-                      <a:tailEnd type="none" w="med" len="med"/>
-                    </a:lnB>
-                  </a:tcPr>
-                </a:tc>
-              </a:tr>
-              <a:tr h="361252">
-                <a:tc>
-                  <a:txBody>
-                    <a:bodyPr/>
-                    <a:lstStyle/>
-                    <a:p>
-                      <a:pPr marL="0" marR="0">
-                        <a:spcBef>
-                          <a:spcPts val="0"/>
-                        </a:spcBef>
-                        <a:spcAft>
-                          <a:spcPts val="0"/>
-                        </a:spcAft>
-                      </a:pPr>
-                      <a:r>
-                        <a:rPr lang="en-GB" sz="1600" b="1">
-                          <a:effectLst/>
-                          <a:latin typeface="Times New Roman"/>
-                          <a:ea typeface="Times New Roman"/>
-                        </a:rPr>
-                        <a:t>Message carrier</a:t>
-                      </a:r>
-                      <a:endParaRPr lang="en-US" sz="2400">
-                        <a:effectLst/>
-                        <a:latin typeface="Times New Roman"/>
-                        <a:ea typeface="Times New Roman"/>
-                      </a:endParaRPr>
-                    </a:p>
-                  </a:txBody>
-                  <a:tcPr marL="68580" marR="68580" marT="0" marB="0" anchor="ctr">
-                    <a:lnL w="19050" cap="flat" cmpd="sng" algn="ctr">
-                      <a:solidFill>
-                        <a:srgbClr val="000000"/>
-                      </a:solidFill>
-                      <a:prstDash val="solid"/>
-                      <a:round/>
-                      <a:headEnd type="none" w="med" len="med"/>
-                      <a:tailEnd type="none" w="med" len="med"/>
-                    </a:lnL>
-                    <a:lnR>
-                      <a:noFill/>
-                    </a:lnR>
-                    <a:lnT w="12700" cap="flat" cmpd="sng" algn="ctr">
-                      <a:solidFill>
-                        <a:srgbClr val="000000"/>
-                      </a:solidFill>
-                      <a:prstDash val="solid"/>
-                      <a:round/>
-                      <a:headEnd type="none" w="med" len="med"/>
-                      <a:tailEnd type="none" w="med" len="med"/>
-                    </a:lnT>
-                    <a:lnB w="12700" cap="flat" cmpd="sng" algn="ctr">
-                      <a:solidFill>
-                        <a:srgbClr val="000000"/>
-                      </a:solidFill>
-                      <a:prstDash val="solid"/>
-                      <a:round/>
-                      <a:headEnd type="none" w="med" len="med"/>
-                      <a:tailEnd type="none" w="med" len="med"/>
-                    </a:lnB>
-                  </a:tcPr>
-                </a:tc>
-                <a:tc>
-                  <a:txBody>
-                    <a:bodyPr/>
-                    <a:lstStyle/>
-                    <a:p>
-                      <a:pPr marL="0" marR="0">
-                        <a:spcBef>
-                          <a:spcPts val="0"/>
-                        </a:spcBef>
-                        <a:spcAft>
-                          <a:spcPts val="0"/>
-                        </a:spcAft>
-                      </a:pPr>
-                      <a:r>
-                        <a:rPr lang="en-GB" sz="1600" b="1" dirty="0" smtClean="0">
-                          <a:effectLst/>
-                          <a:latin typeface="Times New Roman" pitchFamily="18" charset="0"/>
-                          <a:ea typeface="Times New Roman"/>
-                          <a:cs typeface="Times New Roman" pitchFamily="18" charset="0"/>
-                        </a:rPr>
-                        <a:t>Regulator</a:t>
-                      </a:r>
-                      <a:endParaRPr lang="en-US" sz="1600" b="1" dirty="0">
-                        <a:effectLst/>
-                        <a:latin typeface="Times New Roman" pitchFamily="18" charset="0"/>
-                        <a:ea typeface="Times New Roman"/>
-                        <a:cs typeface="Times New Roman" pitchFamily="18" charset="0"/>
-                      </a:endParaRPr>
-                    </a:p>
-                  </a:txBody>
-                  <a:tcPr marL="68580" marR="68580" marT="0" marB="0" anchor="ctr">
-                    <a:lnL>
-                      <a:noFill/>
-                    </a:lnL>
-                    <a:lnR w="19050" cap="flat" cmpd="sng" algn="ctr">
-                      <a:solidFill>
-                        <a:srgbClr val="000000"/>
-                      </a:solidFill>
-                      <a:prstDash val="solid"/>
-                      <a:round/>
-                      <a:headEnd type="none" w="med" len="med"/>
-                      <a:tailEnd type="none" w="med" len="med"/>
-                    </a:lnR>
-                    <a:lnT w="12700" cap="flat" cmpd="sng" algn="ctr">
-                      <a:solidFill>
-                        <a:srgbClr val="000000"/>
-                      </a:solidFill>
-                      <a:prstDash val="solid"/>
-                      <a:round/>
-                      <a:headEnd type="none" w="med" len="med"/>
-                      <a:tailEnd type="none" w="med" len="med"/>
-                    </a:lnT>
-                    <a:lnB w="12700" cap="flat" cmpd="sng" algn="ctr">
-                      <a:solidFill>
-                        <a:srgbClr val="000000"/>
-                      </a:solidFill>
-                      <a:prstDash val="solid"/>
-                      <a:round/>
-                      <a:headEnd type="none" w="med" len="med"/>
-                      <a:tailEnd type="none" w="med" len="med"/>
-                    </a:lnB>
-                  </a:tcPr>
-                </a:tc>
-              </a:tr>
-              <a:tr h="361252">
-                <a:tc>
-                  <a:txBody>
-                    <a:bodyPr/>
-                    <a:lstStyle/>
-                    <a:p>
-                      <a:pPr marL="0" marR="0">
-                        <a:spcBef>
-                          <a:spcPts val="0"/>
-                        </a:spcBef>
-                        <a:spcAft>
-                          <a:spcPts val="0"/>
-                        </a:spcAft>
-                      </a:pPr>
-                      <a:r>
-                        <a:rPr lang="en-GB" sz="1600" b="1">
-                          <a:effectLst/>
-                          <a:latin typeface="Times New Roman"/>
-                          <a:ea typeface="Times New Roman"/>
-                        </a:rPr>
-                        <a:t>Component &lt; 100 nm</a:t>
-                      </a:r>
-                      <a:endParaRPr lang="en-US" sz="2400">
-                        <a:effectLst/>
-                        <a:latin typeface="Times New Roman"/>
-                        <a:ea typeface="Times New Roman"/>
-                      </a:endParaRPr>
-                    </a:p>
-                  </a:txBody>
-                  <a:tcPr marL="68580" marR="68580" marT="0" marB="0" anchor="ctr">
-                    <a:lnL w="19050" cap="flat" cmpd="sng" algn="ctr">
-                      <a:solidFill>
-                        <a:srgbClr val="000000"/>
-                      </a:solidFill>
-                      <a:prstDash val="solid"/>
-                      <a:round/>
-                      <a:headEnd type="none" w="med" len="med"/>
-                      <a:tailEnd type="none" w="med" len="med"/>
-                    </a:lnL>
-                    <a:lnR>
-                      <a:noFill/>
-                    </a:lnR>
-                    <a:lnT w="12700" cap="flat" cmpd="sng" algn="ctr">
-                      <a:solidFill>
-                        <a:srgbClr val="000000"/>
-                      </a:solidFill>
-                      <a:prstDash val="solid"/>
-                      <a:round/>
-                      <a:headEnd type="none" w="med" len="med"/>
-                      <a:tailEnd type="none" w="med" len="med"/>
-                    </a:lnT>
-                    <a:lnB w="12700" cap="flat" cmpd="sng" algn="ctr">
-                      <a:solidFill>
-                        <a:srgbClr val="000000"/>
-                      </a:solidFill>
-                      <a:prstDash val="solid"/>
-                      <a:round/>
-                      <a:headEnd type="none" w="med" len="med"/>
-                      <a:tailEnd type="none" w="med" len="med"/>
-                    </a:lnB>
-                  </a:tcPr>
-                </a:tc>
-                <a:tc>
-                  <a:txBody>
-                    <a:bodyPr/>
-                    <a:lstStyle/>
-                    <a:p>
-                      <a:pPr marL="0" marR="0">
-                        <a:spcBef>
-                          <a:spcPts val="0"/>
-                        </a:spcBef>
-                        <a:spcAft>
-                          <a:spcPts val="0"/>
-                        </a:spcAft>
-                      </a:pPr>
-                      <a:r>
-                        <a:rPr lang="en-GB" sz="1600" b="1" dirty="0" smtClean="0">
-                          <a:effectLst/>
-                          <a:latin typeface="Times New Roman" pitchFamily="18" charset="0"/>
-                          <a:ea typeface="Times New Roman"/>
-                          <a:cs typeface="Times New Roman" pitchFamily="18" charset="0"/>
-                        </a:rPr>
-                        <a:t>Regulator</a:t>
-                      </a:r>
-                      <a:endParaRPr lang="en-US" sz="1600" b="1" dirty="0">
-                        <a:effectLst/>
-                        <a:latin typeface="Times New Roman" pitchFamily="18" charset="0"/>
-                        <a:ea typeface="Times New Roman"/>
-                        <a:cs typeface="Times New Roman" pitchFamily="18" charset="0"/>
-                      </a:endParaRPr>
-                    </a:p>
-                  </a:txBody>
-                  <a:tcPr marL="68580" marR="68580" marT="0" marB="0" anchor="ctr">
-                    <a:lnL>
-                      <a:noFill/>
-                    </a:lnL>
-                    <a:lnR w="19050" cap="flat" cmpd="sng" algn="ctr">
-                      <a:solidFill>
-                        <a:srgbClr val="000000"/>
-                      </a:solidFill>
-                      <a:prstDash val="solid"/>
-                      <a:round/>
-                      <a:headEnd type="none" w="med" len="med"/>
-                      <a:tailEnd type="none" w="med" len="med"/>
-                    </a:lnR>
-                    <a:lnT w="12700" cap="flat" cmpd="sng" algn="ctr">
-                      <a:solidFill>
-                        <a:srgbClr val="000000"/>
-                      </a:solidFill>
-                      <a:prstDash val="solid"/>
-                      <a:round/>
-                      <a:headEnd type="none" w="med" len="med"/>
-                      <a:tailEnd type="none" w="med" len="med"/>
-                    </a:lnT>
-                    <a:lnB w="12700" cap="flat" cmpd="sng" algn="ctr">
-                      <a:solidFill>
-                        <a:srgbClr val="000000"/>
-                      </a:solidFill>
-                      <a:prstDash val="solid"/>
-                      <a:round/>
-                      <a:headEnd type="none" w="med" len="med"/>
-                      <a:tailEnd type="none" w="med" len="med"/>
-                    </a:lnB>
-                  </a:tcPr>
-                </a:tc>
-              </a:tr>
-              <a:tr h="361252">
-                <a:tc>
-                  <a:txBody>
-                    <a:bodyPr/>
-                    <a:lstStyle/>
-                    <a:p>
-                      <a:pPr marL="0" marR="0">
-                        <a:spcBef>
-                          <a:spcPts val="0"/>
-                        </a:spcBef>
-                        <a:spcAft>
-                          <a:spcPts val="0"/>
-                        </a:spcAft>
-                      </a:pPr>
-                      <a:r>
-                        <a:rPr lang="en-GB" sz="1600" b="1">
-                          <a:effectLst/>
-                          <a:latin typeface="Times New Roman"/>
-                          <a:ea typeface="Times New Roman"/>
-                        </a:rPr>
-                        <a:t>Non-standard physics</a:t>
-                      </a:r>
-                      <a:endParaRPr lang="en-US" sz="2400">
-                        <a:effectLst/>
-                        <a:latin typeface="Times New Roman"/>
-                        <a:ea typeface="Times New Roman"/>
-                      </a:endParaRPr>
-                    </a:p>
-                  </a:txBody>
-                  <a:tcPr marL="68580" marR="68580" marT="0" marB="0" anchor="ctr">
-                    <a:lnL w="19050" cap="flat" cmpd="sng" algn="ctr">
-                      <a:solidFill>
-                        <a:srgbClr val="000000"/>
-                      </a:solidFill>
-                      <a:prstDash val="solid"/>
-                      <a:round/>
-                      <a:headEnd type="none" w="med" len="med"/>
-                      <a:tailEnd type="none" w="med" len="med"/>
-                    </a:lnL>
-                    <a:lnR>
-                      <a:noFill/>
-                    </a:lnR>
-                    <a:lnT w="12700" cap="flat" cmpd="sng" algn="ctr">
-                      <a:solidFill>
-                        <a:srgbClr val="000000"/>
-                      </a:solidFill>
-                      <a:prstDash val="solid"/>
-                      <a:round/>
-                      <a:headEnd type="none" w="med" len="med"/>
-                      <a:tailEnd type="none" w="med" len="med"/>
-                    </a:lnT>
-                    <a:lnB w="12700" cap="flat" cmpd="sng" algn="ctr">
-                      <a:solidFill>
-                        <a:srgbClr val="000000"/>
-                      </a:solidFill>
-                      <a:prstDash val="solid"/>
-                      <a:round/>
-                      <a:headEnd type="none" w="med" len="med"/>
-                      <a:tailEnd type="none" w="med" len="med"/>
-                    </a:lnB>
-                  </a:tcPr>
-                </a:tc>
-                <a:tc>
-                  <a:txBody>
-                    <a:bodyPr/>
-                    <a:lstStyle/>
-                    <a:p>
-                      <a:pPr marL="0" marR="0">
-                        <a:spcBef>
-                          <a:spcPts val="0"/>
-                        </a:spcBef>
-                        <a:spcAft>
-                          <a:spcPts val="0"/>
-                        </a:spcAft>
-                      </a:pPr>
-                      <a:r>
-                        <a:rPr lang="en-US" sz="1600" b="1" dirty="0" smtClean="0">
-                          <a:effectLst/>
-                          <a:latin typeface="Times New Roman" pitchFamily="18" charset="0"/>
-                          <a:ea typeface="Times New Roman"/>
-                          <a:cs typeface="Times New Roman" pitchFamily="18" charset="0"/>
-                        </a:rPr>
-                        <a:t>Brownian</a:t>
-                      </a:r>
-                      <a:r>
-                        <a:rPr lang="en-US" sz="1600" b="1" baseline="0" dirty="0" smtClean="0">
-                          <a:effectLst/>
-                          <a:latin typeface="Times New Roman" pitchFamily="18" charset="0"/>
-                          <a:ea typeface="Times New Roman"/>
-                          <a:cs typeface="Times New Roman" pitchFamily="18" charset="0"/>
-                        </a:rPr>
-                        <a:t> motion / molecular rail transport</a:t>
-                      </a:r>
-                      <a:endParaRPr lang="en-US" sz="1600" b="1" dirty="0">
-                        <a:effectLst/>
-                        <a:latin typeface="Times New Roman" pitchFamily="18" charset="0"/>
-                        <a:ea typeface="Times New Roman"/>
-                        <a:cs typeface="Times New Roman" pitchFamily="18" charset="0"/>
-                      </a:endParaRPr>
-                    </a:p>
-                  </a:txBody>
-                  <a:tcPr marL="68580" marR="68580" marT="0" marB="0" anchor="ctr">
-                    <a:lnL>
-                      <a:noFill/>
-                    </a:lnL>
-                    <a:lnR w="19050" cap="flat" cmpd="sng" algn="ctr">
-                      <a:solidFill>
-                        <a:srgbClr val="000000"/>
-                      </a:solidFill>
-                      <a:prstDash val="solid"/>
-                      <a:round/>
-                      <a:headEnd type="none" w="med" len="med"/>
-                      <a:tailEnd type="none" w="med" len="med"/>
-                    </a:lnR>
-                    <a:lnT w="12700" cap="flat" cmpd="sng" algn="ctr">
-                      <a:solidFill>
-                        <a:srgbClr val="000000"/>
-                      </a:solidFill>
-                      <a:prstDash val="solid"/>
-                      <a:round/>
-                      <a:headEnd type="none" w="med" len="med"/>
-                      <a:tailEnd type="none" w="med" len="med"/>
-                    </a:lnT>
-                    <a:lnB w="12700" cap="flat" cmpd="sng" algn="ctr">
-                      <a:solidFill>
-                        <a:srgbClr val="000000"/>
-                      </a:solidFill>
-                      <a:prstDash val="solid"/>
-                      <a:round/>
-                      <a:headEnd type="none" w="med" len="med"/>
-                      <a:tailEnd type="none" w="med" len="med"/>
-                    </a:lnB>
-                  </a:tcPr>
-                </a:tc>
-              </a:tr>
-              <a:tr h="602088">
-                <a:tc>
-                  <a:txBody>
-                    <a:bodyPr/>
-                    <a:lstStyle/>
-                    <a:p>
-                      <a:pPr marL="0" marR="0">
-                        <a:spcBef>
-                          <a:spcPts val="0"/>
-                        </a:spcBef>
-                        <a:spcAft>
-                          <a:spcPts val="0"/>
-                        </a:spcAft>
-                      </a:pPr>
-                      <a:r>
-                        <a:rPr lang="en-GB" sz="1600" b="1" dirty="0">
-                          <a:effectLst/>
-                          <a:latin typeface="Times New Roman"/>
-                          <a:ea typeface="Times New Roman"/>
-                        </a:rPr>
-                        <a:t>Motion</a:t>
-                      </a:r>
-                      <a:endParaRPr lang="en-US" sz="2400" dirty="0">
-                        <a:effectLst/>
-                        <a:latin typeface="Times New Roman"/>
-                        <a:ea typeface="Times New Roman"/>
-                      </a:endParaRPr>
-                    </a:p>
-                  </a:txBody>
-                  <a:tcPr marL="68580" marR="68580" marT="0" marB="0" anchor="ctr">
-                    <a:lnL w="19050" cap="flat" cmpd="sng" algn="ctr">
-                      <a:solidFill>
-                        <a:srgbClr val="000000"/>
-                      </a:solidFill>
-                      <a:prstDash val="solid"/>
-                      <a:round/>
-                      <a:headEnd type="none" w="med" len="med"/>
-                      <a:tailEnd type="none" w="med" len="med"/>
-                    </a:lnL>
-                    <a:lnR>
-                      <a:noFill/>
-                    </a:lnR>
-                    <a:lnT w="12700" cap="flat" cmpd="sng" algn="ctr">
-                      <a:solidFill>
-                        <a:srgbClr val="000000"/>
-                      </a:solidFill>
-                      <a:prstDash val="solid"/>
-                      <a:round/>
-                      <a:headEnd type="none" w="med" len="med"/>
-                      <a:tailEnd type="none" w="med" len="med"/>
-                    </a:lnT>
-                    <a:lnB w="12700" cap="flat" cmpd="sng" algn="ctr">
-                      <a:solidFill>
-                        <a:srgbClr val="000000"/>
-                      </a:solidFill>
-                      <a:prstDash val="solid"/>
-                      <a:round/>
-                      <a:headEnd type="none" w="med" len="med"/>
-                      <a:tailEnd type="none" w="med" len="med"/>
-                    </a:lnB>
-                  </a:tcPr>
-                </a:tc>
-                <a:tc>
-                  <a:txBody>
-                    <a:bodyPr/>
-                    <a:lstStyle/>
-                    <a:p>
-                      <a:pPr marL="0" marR="0">
-                        <a:spcBef>
-                          <a:spcPts val="0"/>
-                        </a:spcBef>
-                        <a:spcAft>
-                          <a:spcPts val="0"/>
-                        </a:spcAft>
-                      </a:pPr>
-                      <a:r>
-                        <a:rPr lang="en-US" sz="1600" b="1" dirty="0" smtClean="0">
-                          <a:effectLst/>
-                          <a:latin typeface="Times New Roman" pitchFamily="18" charset="0"/>
-                          <a:ea typeface="Times New Roman"/>
-                          <a:cs typeface="Times New Roman" pitchFamily="18" charset="0"/>
-                        </a:rPr>
-                        <a:t>Diffusion</a:t>
-                      </a:r>
-                      <a:endParaRPr lang="en-US" sz="1600" b="1" dirty="0">
-                        <a:effectLst/>
-                        <a:latin typeface="Times New Roman" pitchFamily="18" charset="0"/>
-                        <a:ea typeface="Times New Roman"/>
-                        <a:cs typeface="Times New Roman" pitchFamily="18" charset="0"/>
-                      </a:endParaRPr>
-                    </a:p>
-                  </a:txBody>
-                  <a:tcPr marL="68580" marR="68580" marT="0" marB="0" anchor="ctr">
-                    <a:lnL>
-                      <a:noFill/>
-                    </a:lnL>
-                    <a:lnR w="19050" cap="flat" cmpd="sng" algn="ctr">
-                      <a:solidFill>
-                        <a:srgbClr val="000000"/>
-                      </a:solidFill>
-                      <a:prstDash val="solid"/>
-                      <a:round/>
-                      <a:headEnd type="none" w="med" len="med"/>
-                      <a:tailEnd type="none" w="med" len="med"/>
-                    </a:lnR>
-                    <a:lnT w="12700" cap="flat" cmpd="sng" algn="ctr">
-                      <a:solidFill>
-                        <a:srgbClr val="000000"/>
-                      </a:solidFill>
-                      <a:prstDash val="solid"/>
-                      <a:round/>
-                      <a:headEnd type="none" w="med" len="med"/>
-                      <a:tailEnd type="none" w="med" len="med"/>
-                    </a:lnT>
-                    <a:lnB w="12700" cap="flat" cmpd="sng" algn="ctr">
-                      <a:solidFill>
-                        <a:srgbClr val="000000"/>
-                      </a:solidFill>
-                      <a:prstDash val="solid"/>
-                      <a:round/>
-                      <a:headEnd type="none" w="med" len="med"/>
-                      <a:tailEnd type="none" w="med" len="med"/>
-                    </a:lnB>
-                  </a:tcPr>
-                </a:tc>
-              </a:tr>
-              <a:tr h="361252">
-                <a:tc>
-                  <a:txBody>
-                    <a:bodyPr/>
-                    <a:lstStyle/>
-                    <a:p>
-                      <a:pPr marL="0" marR="0">
-                        <a:spcBef>
-                          <a:spcPts val="0"/>
-                        </a:spcBef>
-                        <a:spcAft>
-                          <a:spcPts val="0"/>
-                        </a:spcAft>
-                      </a:pPr>
-                      <a:r>
-                        <a:rPr lang="en-GB" sz="1600" b="1">
-                          <a:effectLst/>
-                          <a:latin typeface="Times New Roman"/>
-                          <a:ea typeface="Times New Roman"/>
-                        </a:rPr>
-                        <a:t>Field</a:t>
-                      </a:r>
-                      <a:endParaRPr lang="en-US" sz="2400">
-                        <a:effectLst/>
-                        <a:latin typeface="Times New Roman"/>
-                        <a:ea typeface="Times New Roman"/>
-                      </a:endParaRPr>
-                    </a:p>
-                  </a:txBody>
-                  <a:tcPr marL="68580" marR="68580" marT="0" marB="0" anchor="ctr">
-                    <a:lnL w="19050" cap="flat" cmpd="sng" algn="ctr">
-                      <a:solidFill>
-                        <a:srgbClr val="000000"/>
-                      </a:solidFill>
-                      <a:prstDash val="solid"/>
-                      <a:round/>
-                      <a:headEnd type="none" w="med" len="med"/>
-                      <a:tailEnd type="none" w="med" len="med"/>
-                    </a:lnL>
-                    <a:lnR>
-                      <a:noFill/>
-                    </a:lnR>
-                    <a:lnT w="12700" cap="flat" cmpd="sng" algn="ctr">
-                      <a:solidFill>
-                        <a:srgbClr val="000000"/>
-                      </a:solidFill>
-                      <a:prstDash val="solid"/>
-                      <a:round/>
-                      <a:headEnd type="none" w="med" len="med"/>
-                      <a:tailEnd type="none" w="med" len="med"/>
-                    </a:lnT>
-                    <a:lnB w="12700" cap="flat" cmpd="sng" algn="ctr">
-                      <a:solidFill>
-                        <a:srgbClr val="000000"/>
-                      </a:solidFill>
-                      <a:prstDash val="solid"/>
-                      <a:round/>
-                      <a:headEnd type="none" w="med" len="med"/>
-                      <a:tailEnd type="none" w="med" len="med"/>
-                    </a:lnB>
-                  </a:tcPr>
-                </a:tc>
-                <a:tc>
-                  <a:txBody>
-                    <a:bodyPr/>
-                    <a:lstStyle/>
-                    <a:p>
-                      <a:pPr marL="0" marR="0">
-                        <a:spcBef>
-                          <a:spcPts val="0"/>
-                        </a:spcBef>
-                        <a:spcAft>
-                          <a:spcPts val="0"/>
-                        </a:spcAft>
-                      </a:pPr>
-                      <a:r>
-                        <a:rPr lang="en-GB" sz="1600" b="1" dirty="0" smtClean="0">
-                          <a:effectLst/>
-                          <a:latin typeface="Times New Roman" pitchFamily="18" charset="0"/>
-                          <a:ea typeface="Times New Roman"/>
-                          <a:cs typeface="Times New Roman" pitchFamily="18" charset="0"/>
-                        </a:rPr>
-                        <a:t>Microtubule</a:t>
-                      </a:r>
-                      <a:r>
-                        <a:rPr lang="en-GB" sz="1600" b="1" baseline="0" dirty="0" smtClean="0">
-                          <a:effectLst/>
-                          <a:latin typeface="Times New Roman" pitchFamily="18" charset="0"/>
-                          <a:ea typeface="Times New Roman"/>
-                          <a:cs typeface="Times New Roman" pitchFamily="18" charset="0"/>
-                        </a:rPr>
-                        <a:t> structure</a:t>
-                      </a:r>
-                      <a:endParaRPr lang="en-US" sz="1600" b="1" dirty="0">
-                        <a:effectLst/>
-                        <a:latin typeface="Times New Roman" pitchFamily="18" charset="0"/>
-                        <a:ea typeface="Times New Roman"/>
-                        <a:cs typeface="Times New Roman" pitchFamily="18" charset="0"/>
-                      </a:endParaRPr>
-                    </a:p>
-                  </a:txBody>
-                  <a:tcPr marL="68580" marR="68580" marT="0" marB="0" anchor="ctr">
-                    <a:lnL>
-                      <a:noFill/>
-                    </a:lnL>
-                    <a:lnR w="19050" cap="flat" cmpd="sng" algn="ctr">
-                      <a:solidFill>
-                        <a:srgbClr val="000000"/>
-                      </a:solidFill>
-                      <a:prstDash val="solid"/>
-                      <a:round/>
-                      <a:headEnd type="none" w="med" len="med"/>
-                      <a:tailEnd type="none" w="med" len="med"/>
-                    </a:lnR>
-                    <a:lnT w="12700" cap="flat" cmpd="sng" algn="ctr">
-                      <a:solidFill>
-                        <a:srgbClr val="000000"/>
-                      </a:solidFill>
-                      <a:prstDash val="solid"/>
-                      <a:round/>
-                      <a:headEnd type="none" w="med" len="med"/>
-                      <a:tailEnd type="none" w="med" len="med"/>
-                    </a:lnT>
-                    <a:lnB w="12700" cap="flat" cmpd="sng" algn="ctr">
-                      <a:solidFill>
-                        <a:srgbClr val="000000"/>
-                      </a:solidFill>
-                      <a:prstDash val="solid"/>
-                      <a:round/>
-                      <a:headEnd type="none" w="med" len="med"/>
-                      <a:tailEnd type="none" w="med" len="med"/>
-                    </a:lnB>
-                  </a:tcPr>
-                </a:tc>
-              </a:tr>
-              <a:tr h="361252">
-                <a:tc>
-                  <a:txBody>
-                    <a:bodyPr/>
-                    <a:lstStyle/>
-                    <a:p>
-                      <a:pPr marL="0" marR="0">
-                        <a:spcBef>
-                          <a:spcPts val="0"/>
-                        </a:spcBef>
-                        <a:spcAft>
-                          <a:spcPts val="0"/>
-                        </a:spcAft>
-                      </a:pPr>
-                      <a:r>
-                        <a:rPr lang="en-GB" sz="1600" b="1">
-                          <a:effectLst/>
-                          <a:latin typeface="Times New Roman"/>
-                          <a:ea typeface="Times New Roman"/>
-                        </a:rPr>
-                        <a:t>Perturbation</a:t>
-                      </a:r>
-                      <a:endParaRPr lang="en-US" sz="2400">
-                        <a:effectLst/>
-                        <a:latin typeface="Times New Roman"/>
-                        <a:ea typeface="Times New Roman"/>
-                      </a:endParaRPr>
-                    </a:p>
-                  </a:txBody>
-                  <a:tcPr marL="68580" marR="68580" marT="0" marB="0" anchor="ctr">
-                    <a:lnL w="19050" cap="flat" cmpd="sng" algn="ctr">
-                      <a:solidFill>
-                        <a:srgbClr val="000000"/>
-                      </a:solidFill>
-                      <a:prstDash val="solid"/>
-                      <a:round/>
-                      <a:headEnd type="none" w="med" len="med"/>
-                      <a:tailEnd type="none" w="med" len="med"/>
-                    </a:lnL>
-                    <a:lnR>
-                      <a:noFill/>
-                    </a:lnR>
-                    <a:lnT w="12700" cap="flat" cmpd="sng" algn="ctr">
-                      <a:solidFill>
-                        <a:srgbClr val="000000"/>
-                      </a:solidFill>
-                      <a:prstDash val="solid"/>
-                      <a:round/>
-                      <a:headEnd type="none" w="med" len="med"/>
-                      <a:tailEnd type="none" w="med" len="med"/>
-                    </a:lnT>
-                    <a:lnB w="12700" cap="flat" cmpd="sng" algn="ctr">
-                      <a:solidFill>
-                        <a:srgbClr val="000000"/>
-                      </a:solidFill>
-                      <a:prstDash val="solid"/>
-                      <a:round/>
-                      <a:headEnd type="none" w="med" len="med"/>
-                      <a:tailEnd type="none" w="med" len="med"/>
-                    </a:lnB>
-                  </a:tcPr>
-                </a:tc>
-                <a:tc>
-                  <a:txBody>
-                    <a:bodyPr/>
-                    <a:lstStyle/>
-                    <a:p>
-                      <a:pPr marL="0" marR="0">
-                        <a:spcBef>
-                          <a:spcPts val="0"/>
-                        </a:spcBef>
-                        <a:spcAft>
-                          <a:spcPts val="0"/>
-                        </a:spcAft>
-                      </a:pPr>
-                      <a:r>
-                        <a:rPr lang="en-GB" sz="1600" b="1" dirty="0" smtClean="0">
-                          <a:effectLst/>
-                          <a:latin typeface="Times New Roman" pitchFamily="18" charset="0"/>
-                          <a:ea typeface="Times New Roman"/>
-                          <a:cs typeface="Times New Roman" pitchFamily="18" charset="0"/>
-                        </a:rPr>
-                        <a:t>Changes</a:t>
-                      </a:r>
-                      <a:r>
-                        <a:rPr lang="en-GB" sz="1600" b="1" baseline="0" dirty="0" smtClean="0">
-                          <a:effectLst/>
-                          <a:latin typeface="Times New Roman" pitchFamily="18" charset="0"/>
-                          <a:ea typeface="Times New Roman"/>
-                          <a:cs typeface="Times New Roman" pitchFamily="18" charset="0"/>
-                        </a:rPr>
-                        <a:t> in regulatory messages</a:t>
-                      </a:r>
-                      <a:endParaRPr lang="en-US" sz="1600" b="1" dirty="0">
-                        <a:effectLst/>
-                        <a:latin typeface="Times New Roman" pitchFamily="18" charset="0"/>
-                        <a:ea typeface="Times New Roman"/>
-                        <a:cs typeface="Times New Roman" pitchFamily="18" charset="0"/>
-                      </a:endParaRPr>
-                    </a:p>
-                  </a:txBody>
-                  <a:tcPr marL="68580" marR="68580" marT="0" marB="0" anchor="ctr">
-                    <a:lnL>
-                      <a:noFill/>
-                    </a:lnL>
-                    <a:lnR w="19050" cap="flat" cmpd="sng" algn="ctr">
-                      <a:solidFill>
-                        <a:srgbClr val="000000"/>
-                      </a:solidFill>
-                      <a:prstDash val="solid"/>
-                      <a:round/>
-                      <a:headEnd type="none" w="med" len="med"/>
-                      <a:tailEnd type="none" w="med" len="med"/>
-                    </a:lnR>
-                    <a:lnT w="12700" cap="flat" cmpd="sng" algn="ctr">
-                      <a:solidFill>
-                        <a:srgbClr val="000000"/>
-                      </a:solidFill>
-                      <a:prstDash val="solid"/>
-                      <a:round/>
-                      <a:headEnd type="none" w="med" len="med"/>
-                      <a:tailEnd type="none" w="med" len="med"/>
-                    </a:lnT>
-                    <a:lnB w="12700" cap="flat" cmpd="sng" algn="ctr">
-                      <a:solidFill>
-                        <a:srgbClr val="000000"/>
-                      </a:solidFill>
-                      <a:prstDash val="solid"/>
-                      <a:round/>
-                      <a:headEnd type="none" w="med" len="med"/>
-                      <a:tailEnd type="none" w="med" len="med"/>
-                    </a:lnB>
-                  </a:tcPr>
-                </a:tc>
-              </a:tr>
-              <a:tr h="361252">
-                <a:tc>
-                  <a:txBody>
-                    <a:bodyPr/>
-                    <a:lstStyle/>
-                    <a:p>
-                      <a:pPr marL="0" marR="0">
-                        <a:spcBef>
-                          <a:spcPts val="0"/>
-                        </a:spcBef>
-                        <a:spcAft>
-                          <a:spcPts val="0"/>
-                        </a:spcAft>
-                      </a:pPr>
-                      <a:r>
-                        <a:rPr lang="en-GB" sz="1600" b="1" dirty="0">
-                          <a:effectLst/>
-                          <a:latin typeface="Times New Roman"/>
-                          <a:ea typeface="Times New Roman"/>
-                        </a:rPr>
-                        <a:t>Specificity</a:t>
-                      </a:r>
-                      <a:endParaRPr lang="en-US" sz="2400" dirty="0">
-                        <a:effectLst/>
-                        <a:latin typeface="Times New Roman"/>
-                        <a:ea typeface="Times New Roman"/>
-                      </a:endParaRPr>
-                    </a:p>
-                  </a:txBody>
-                  <a:tcPr marL="68580" marR="68580" marT="0" marB="0" anchor="ctr">
-                    <a:lnL w="19050" cap="flat" cmpd="sng" algn="ctr">
-                      <a:solidFill>
-                        <a:srgbClr val="000000"/>
-                      </a:solidFill>
-                      <a:prstDash val="solid"/>
-                      <a:round/>
-                      <a:headEnd type="none" w="med" len="med"/>
-                      <a:tailEnd type="none" w="med" len="med"/>
-                    </a:lnL>
-                    <a:lnR>
-                      <a:noFill/>
-                    </a:lnR>
-                    <a:lnT w="12700" cap="flat" cmpd="sng" algn="ctr">
-                      <a:solidFill>
-                        <a:srgbClr val="000000"/>
-                      </a:solidFill>
-                      <a:prstDash val="solid"/>
-                      <a:round/>
-                      <a:headEnd type="none" w="med" len="med"/>
-                      <a:tailEnd type="none" w="med" len="med"/>
-                    </a:lnT>
-                    <a:lnB w="19050" cap="flat" cmpd="sng" algn="ctr">
-                      <a:solidFill>
-                        <a:srgbClr val="000000"/>
-                      </a:solidFill>
-                      <a:prstDash val="solid"/>
-                      <a:round/>
-                      <a:headEnd type="none" w="med" len="med"/>
-                      <a:tailEnd type="none" w="med" len="med"/>
-                    </a:lnB>
-                  </a:tcPr>
-                </a:tc>
-                <a:tc>
-                  <a:txBody>
-                    <a:bodyPr/>
-                    <a:lstStyle/>
-                    <a:p>
-                      <a:pPr marL="0" marR="0">
-                        <a:spcBef>
-                          <a:spcPts val="0"/>
-                        </a:spcBef>
-                        <a:spcAft>
-                          <a:spcPts val="0"/>
-                        </a:spcAft>
-                      </a:pPr>
-                      <a:r>
-                        <a:rPr lang="en-GB" sz="1600" b="1" dirty="0" smtClean="0">
-                          <a:effectLst/>
-                          <a:latin typeface="Times New Roman" pitchFamily="18" charset="0"/>
-                          <a:ea typeface="Times New Roman"/>
-                          <a:cs typeface="Times New Roman" pitchFamily="18" charset="0"/>
-                        </a:rPr>
-                        <a:t>TBD</a:t>
-                      </a:r>
-                      <a:endParaRPr lang="en-US" sz="1600" b="1" dirty="0">
-                        <a:effectLst/>
-                        <a:latin typeface="Times New Roman" pitchFamily="18" charset="0"/>
-                        <a:ea typeface="Times New Roman"/>
-                        <a:cs typeface="Times New Roman" pitchFamily="18" charset="0"/>
-                      </a:endParaRPr>
-                    </a:p>
-                  </a:txBody>
-                  <a:tcPr marL="68580" marR="68580" marT="0" marB="0" anchor="ctr">
-                    <a:lnL>
-                      <a:noFill/>
-                    </a:lnL>
-                    <a:lnR w="19050" cap="flat" cmpd="sng" algn="ctr">
-                      <a:solidFill>
-                        <a:srgbClr val="000000"/>
-                      </a:solidFill>
-                      <a:prstDash val="solid"/>
-                      <a:round/>
-                      <a:headEnd type="none" w="med" len="med"/>
-                      <a:tailEnd type="none" w="med" len="med"/>
-                    </a:lnR>
-                    <a:lnT w="12700" cap="flat" cmpd="sng" algn="ctr">
-                      <a:solidFill>
-                        <a:srgbClr val="000000"/>
-                      </a:solidFill>
-                      <a:prstDash val="solid"/>
-                      <a:round/>
-                      <a:headEnd type="none" w="med" len="med"/>
-                      <a:tailEnd type="none" w="med" len="med"/>
-                    </a:lnT>
-                    <a:lnB w="19050" cap="flat" cmpd="sng" algn="ctr">
-                      <a:solidFill>
-                        <a:srgbClr val="000000"/>
-                      </a:solidFill>
-                      <a:prstDash val="solid"/>
-                      <a:round/>
-                      <a:headEnd type="none" w="med" len="med"/>
-                      <a:tailEnd type="none" w="med" len="med"/>
-                    </a:lnB>
-                  </a:tcPr>
-                </a:tc>
-              </a:tr>
-            </a:tbl>
-          </a:graphicData>
-        </a:graphic>
-      </p:graphicFrame>
+        </p:nvSpPr>
+        <p:spPr/>
+        <p:txBody>
+          <a:bodyPr/>
+          <a:lstStyle/>
+          <a:p>
+            <a:r>
+              <a:rPr lang="en-US" sz="2000" dirty="0" smtClean="0"/>
+              <a:t>Motor / Microtubule Extensions:</a:t>
+            </a:r>
+            <a:endParaRPr lang="en-US" sz="2000" dirty="0" smtClean="0">
+              <a:hlinkClick r:id="rId2"/>
+            </a:endParaRPr>
+          </a:p>
+          <a:p>
+            <a:r>
+              <a:rPr lang="en-US" sz="2000" dirty="0" smtClean="0">
+                <a:hlinkClick r:id="rId2"/>
+              </a:rPr>
+              <a:t>https</a:t>
+            </a:r>
+            <a:r>
+              <a:rPr lang="en-US" sz="2000" dirty="0">
+                <a:hlinkClick r:id="rId2"/>
+              </a:rPr>
+              <a:t>://code.google.com/p/ieee-p1906-1-reference-code/source/browse/#</a:t>
+            </a:r>
+            <a:r>
+              <a:rPr lang="en-US" sz="2000" dirty="0" smtClean="0">
+                <a:hlinkClick r:id="rId2"/>
+              </a:rPr>
+              <a:t>svn%2Ftrunk%2Fp1906%2Fextensions</a:t>
+            </a:r>
+            <a:r>
+              <a:rPr lang="en-US" sz="2000" dirty="0" smtClean="0"/>
+              <a:t> </a:t>
+            </a:r>
+            <a:endParaRPr lang="en-US" sz="2000" dirty="0"/>
+          </a:p>
+          <a:p>
+            <a:endParaRPr lang="en-US" sz="2000" dirty="0" smtClean="0"/>
+          </a:p>
+          <a:p>
+            <a:r>
+              <a:rPr lang="en-US" sz="2000" dirty="0" smtClean="0"/>
+              <a:t>Example:</a:t>
+            </a:r>
+          </a:p>
+          <a:p>
+            <a:r>
+              <a:rPr lang="en-US" sz="2000" dirty="0">
+                <a:hlinkClick r:id="rId3"/>
+              </a:rPr>
+              <a:t>https://</a:t>
+            </a:r>
+            <a:r>
+              <a:rPr lang="en-US" sz="2000" dirty="0" smtClean="0">
+                <a:hlinkClick r:id="rId3"/>
+              </a:rPr>
+              <a:t>code.google.com/p/ieee-p1906-1-reference-code/source/browse/trunk/p1906/examples/microtubules-example.cc</a:t>
+            </a:r>
+            <a:endParaRPr lang="en-US" sz="2000" dirty="0"/>
+          </a:p>
+        </p:txBody>
+      </p:sp>
       <p:sp>
         <p:nvSpPr>
           <p:cNvPr id="4" name="TextBox 3"/>
@@ -5352,7 +4242,7 @@
     </p:spTree>
     <p:extLst>
       <p:ext uri="{BB962C8B-B14F-4D97-AF65-F5344CB8AC3E}">
-        <p14:creationId xmlns:p14="http://schemas.microsoft.com/office/powerpoint/2010/main" val="2501922792"/>
+        <p14:creationId xmlns:p14="http://schemas.microsoft.com/office/powerpoint/2010/main" val="2145963596"/>
       </p:ext>
     </p:extLst>
   </p:cSld>
@@ -5363,6 +4253,234 @@
 </file>
 
 <file path=ppt/slides/slide17.xml><?xml version="1.0" encoding="utf-8"?>
+<p:sld xmlns:a="http://schemas.openxmlformats.org/drawingml/2006/main" xmlns:r="http://schemas.openxmlformats.org/officeDocument/2006/relationships" xmlns:p="http://schemas.openxmlformats.org/presentationml/2006/main">
+  <p:cSld>
+    <p:spTree>
+      <p:nvGrpSpPr>
+        <p:cNvPr id="1" name=""/>
+        <p:cNvGrpSpPr/>
+        <p:nvPr/>
+      </p:nvGrpSpPr>
+      <p:grpSpPr>
+        <a:xfrm>
+          <a:off x="0" y="0"/>
+          <a:ext cx="0" cy="0"/>
+          <a:chOff x="0" y="0"/>
+          <a:chExt cx="0" cy="0"/>
+        </a:xfrm>
+      </p:grpSpPr>
+      <p:sp>
+        <p:nvSpPr>
+          <p:cNvPr id="2" name="Title 1"/>
+          <p:cNvSpPr>
+            <a:spLocks noGrp="1"/>
+          </p:cNvSpPr>
+          <p:nvPr>
+            <p:ph type="title"/>
+          </p:nvPr>
+        </p:nvSpPr>
+        <p:spPr/>
+        <p:txBody>
+          <a:bodyPr/>
+          <a:lstStyle/>
+          <a:p>
+            <a:r>
+              <a:rPr lang="en-US" dirty="0" smtClean="0"/>
+              <a:t>INSTALLATION</a:t>
+            </a:r>
+            <a:endParaRPr lang="en-US" dirty="0"/>
+          </a:p>
+        </p:txBody>
+      </p:sp>
+      <p:sp>
+        <p:nvSpPr>
+          <p:cNvPr id="3" name="Text Placeholder 2"/>
+          <p:cNvSpPr>
+            <a:spLocks noGrp="1"/>
+          </p:cNvSpPr>
+          <p:nvPr>
+            <p:ph type="body" idx="1"/>
+          </p:nvPr>
+        </p:nvSpPr>
+        <p:spPr/>
+        <p:txBody>
+          <a:bodyPr/>
+          <a:lstStyle/>
+          <a:p>
+            <a:pPr marL="514350" indent="-514350">
+              <a:buFont typeface="+mj-lt"/>
+              <a:buAutoNum type="arabicPeriod"/>
+            </a:pPr>
+            <a:r>
+              <a:rPr lang="en-US" dirty="0" smtClean="0"/>
+              <a:t>Make sure GSL is installed</a:t>
+            </a:r>
+          </a:p>
+          <a:p>
+            <a:pPr marL="514350" indent="-514350">
+              <a:buFont typeface="+mj-lt"/>
+              <a:buAutoNum type="arabicPeriod"/>
+            </a:pPr>
+            <a:r>
+              <a:rPr lang="en-US" dirty="0" smtClean="0"/>
+              <a:t>Make sure GSL is enabled in ns-3 using </a:t>
+            </a:r>
+            <a:r>
+              <a:rPr lang="en-US" i="1" dirty="0" smtClean="0"/>
+              <a:t>configure</a:t>
+            </a:r>
+          </a:p>
+          <a:p>
+            <a:pPr marL="514350" indent="-514350">
+              <a:buFont typeface="+mj-lt"/>
+              <a:buAutoNum type="arabicPeriod"/>
+            </a:pPr>
+            <a:r>
+              <a:rPr lang="en-US" dirty="0" smtClean="0"/>
+              <a:t>Issue: </a:t>
+            </a:r>
+            <a:r>
+              <a:rPr lang="en-US" i="1" dirty="0" err="1" smtClean="0"/>
+              <a:t>waf</a:t>
+            </a:r>
+            <a:endParaRPr lang="en-US" i="1" dirty="0" smtClean="0"/>
+          </a:p>
+          <a:p>
+            <a:pPr marL="514350" indent="-514350">
+              <a:buFont typeface="+mj-lt"/>
+              <a:buAutoNum type="arabicPeriod"/>
+            </a:pPr>
+            <a:r>
+              <a:rPr lang="en-US" dirty="0" smtClean="0"/>
+              <a:t>Move </a:t>
+            </a:r>
+            <a:r>
+              <a:rPr lang="en-US" i="1" dirty="0"/>
+              <a:t>microtubules-example.cc</a:t>
+            </a:r>
+            <a:r>
+              <a:rPr lang="en-US" dirty="0" smtClean="0"/>
+              <a:t> to </a:t>
+            </a:r>
+            <a:r>
+              <a:rPr lang="en-US" i="1" dirty="0" smtClean="0"/>
+              <a:t>scratch</a:t>
+            </a:r>
+          </a:p>
+          <a:p>
+            <a:pPr marL="514350" indent="-514350">
+              <a:buFont typeface="+mj-lt"/>
+              <a:buAutoNum type="arabicPeriod"/>
+            </a:pPr>
+            <a:r>
+              <a:rPr lang="en-US" dirty="0" smtClean="0"/>
+              <a:t>Issue: </a:t>
+            </a:r>
+            <a:r>
+              <a:rPr lang="en-US" i="1" dirty="0" smtClean="0"/>
+              <a:t>./</a:t>
+            </a:r>
+            <a:r>
+              <a:rPr lang="en-US" i="1" dirty="0" err="1"/>
+              <a:t>waf</a:t>
+            </a:r>
+            <a:r>
+              <a:rPr lang="en-US" i="1" dirty="0"/>
+              <a:t> --run microtubules-example.cc</a:t>
+            </a:r>
+            <a:endParaRPr lang="en-US" i="1" dirty="0" smtClean="0"/>
+          </a:p>
+          <a:p>
+            <a:pPr marL="514350" lvl="1" indent="-514350">
+              <a:buFont typeface="+mj-lt"/>
+              <a:buAutoNum type="arabicPeriod"/>
+            </a:pPr>
+            <a:r>
+              <a:rPr lang="en-US" dirty="0" smtClean="0"/>
+              <a:t>Tests will be run and the results output to standard out</a:t>
+            </a:r>
+          </a:p>
+          <a:p>
+            <a:pPr marL="514350" lvl="1" indent="-514350">
+              <a:buFont typeface="+mj-lt"/>
+              <a:buAutoNum type="arabicPeriod"/>
+            </a:pPr>
+            <a:r>
+              <a:rPr lang="en-US" i="1" dirty="0" smtClean="0"/>
+              <a:t>*.</a:t>
+            </a:r>
+            <a:r>
+              <a:rPr lang="en-US" i="1" dirty="0" err="1" smtClean="0"/>
+              <a:t>mma</a:t>
+            </a:r>
+            <a:r>
+              <a:rPr lang="en-US" dirty="0" smtClean="0"/>
+              <a:t> and </a:t>
+            </a:r>
+            <a:r>
+              <a:rPr lang="en-US" i="1" dirty="0" smtClean="0"/>
+              <a:t>*.</a:t>
+            </a:r>
+            <a:r>
+              <a:rPr lang="en-US" i="1" dirty="0" err="1" smtClean="0"/>
+              <a:t>dat</a:t>
+            </a:r>
+            <a:r>
+              <a:rPr lang="en-US" i="1" dirty="0" smtClean="0"/>
+              <a:t> </a:t>
+            </a:r>
+            <a:r>
+              <a:rPr lang="en-US" dirty="0" smtClean="0"/>
+              <a:t>files will be created to imported into Mathematica and MATLAB</a:t>
+            </a:r>
+            <a:endParaRPr lang="en-US" dirty="0"/>
+          </a:p>
+        </p:txBody>
+      </p:sp>
+      <p:sp>
+        <p:nvSpPr>
+          <p:cNvPr id="4" name="TextBox 3"/>
+          <p:cNvSpPr txBox="1"/>
+          <p:nvPr/>
+        </p:nvSpPr>
+        <p:spPr>
+          <a:xfrm>
+            <a:off x="2631689" y="6302668"/>
+            <a:ext cx="3679212" cy="307777"/>
+          </a:xfrm>
+          <a:prstGeom prst="rect">
+            <a:avLst/>
+          </a:prstGeom>
+          <a:noFill/>
+        </p:spPr>
+        <p:txBody>
+          <a:bodyPr wrap="none" rtlCol="0">
+            <a:spAutoFit/>
+          </a:bodyPr>
+          <a:lstStyle/>
+          <a:p>
+            <a:r>
+              <a:rPr lang="en-US" dirty="0" smtClean="0"/>
+              <a:t>Stephen F Bush (bushsf@research.ge.com)</a:t>
+            </a:r>
+            <a:endParaRPr lang="en-US" dirty="0"/>
+          </a:p>
+        </p:txBody>
+      </p:sp>
+    </p:spTree>
+    <p:extLst>
+      <p:ext uri="{BB962C8B-B14F-4D97-AF65-F5344CB8AC3E}">
+        <p14:creationId xmlns:p14="http://schemas.microsoft.com/office/powerpoint/2010/main" val="1092874177"/>
+      </p:ext>
+    </p:extLst>
+  </p:cSld>
+  <p:clrMapOvr>
+    <a:masterClrMapping/>
+  </p:clrMapOvr>
+</p:sld>
+</file>
+
+<file path=ppt/slides/slide18.xml><?xml version="1.0" encoding="utf-8"?>
 <p:sld xmlns:a="http://schemas.openxmlformats.org/drawingml/2006/main" xmlns:r="http://schemas.openxmlformats.org/officeDocument/2006/relationships" xmlns:p="http://schemas.openxmlformats.org/presentationml/2006/main">
   <p:cSld>
     <p:spTree>
@@ -5411,12 +4529,8 @@
               <a:buNone/>
             </a:pPr>
             <a:r>
-              <a:rPr lang="en" dirty="0"/>
-              <a:t>Components/entities </a:t>
-            </a:r>
-            <a:r>
               <a:rPr lang="en" dirty="0" smtClean="0"/>
-              <a:t>interaction</a:t>
+              <a:t>COMPONENTS/ENTITIES INTERACTION</a:t>
             </a:r>
             <a:endParaRPr lang="en" dirty="0"/>
           </a:p>
@@ -5557,7 +4671,7 @@
 </p:sld>
 </file>
 
-<file path=ppt/slides/slide18.xml><?xml version="1.0" encoding="utf-8"?>
+<file path=ppt/slides/slide19.xml><?xml version="1.0" encoding="utf-8"?>
 <p:sld xmlns:a="http://schemas.openxmlformats.org/drawingml/2006/main" xmlns:r="http://schemas.openxmlformats.org/officeDocument/2006/relationships" xmlns:p="http://schemas.openxmlformats.org/presentationml/2006/main">
   <p:cSld>
     <p:spTree>
@@ -5591,7 +4705,7 @@
           <a:p>
             <a:r>
               <a:rPr lang="en-US" dirty="0" smtClean="0"/>
-              <a:t>1906.1 Reference Code Diagram</a:t>
+              <a:t>1906.1 REFERENCE CODE DIAGRAM</a:t>
             </a:r>
             <a:endParaRPr lang="en-US" dirty="0"/>
           </a:p>
@@ -5694,266 +4808,6 @@
 </p:sld>
 </file>
 
-<file path=ppt/slides/slide19.xml><?xml version="1.0" encoding="utf-8"?>
-<p:sld xmlns:a="http://schemas.openxmlformats.org/drawingml/2006/main" xmlns:r="http://schemas.openxmlformats.org/officeDocument/2006/relationships" xmlns:p="http://schemas.openxmlformats.org/presentationml/2006/main">
-  <p:cSld>
-    <p:spTree>
-      <p:nvGrpSpPr>
-        <p:cNvPr id="1" name=""/>
-        <p:cNvGrpSpPr/>
-        <p:nvPr/>
-      </p:nvGrpSpPr>
-      <p:grpSpPr>
-        <a:xfrm>
-          <a:off x="0" y="0"/>
-          <a:ext cx="0" cy="0"/>
-          <a:chOff x="0" y="0"/>
-          <a:chExt cx="0" cy="0"/>
-        </a:xfrm>
-      </p:grpSpPr>
-      <p:sp>
-        <p:nvSpPr>
-          <p:cNvPr id="2" name="Title 1"/>
-          <p:cNvSpPr>
-            <a:spLocks noGrp="1"/>
-          </p:cNvSpPr>
-          <p:nvPr>
-            <p:ph type="title"/>
-          </p:nvPr>
-        </p:nvSpPr>
-        <p:spPr/>
-        <p:txBody>
-          <a:bodyPr/>
-          <a:lstStyle/>
-          <a:p>
-            <a:r>
-              <a:rPr lang="en-US" dirty="0" smtClean="0"/>
-              <a:t>Next Steps (Comments Welcome)</a:t>
-            </a:r>
-            <a:endParaRPr lang="en-US" dirty="0"/>
-          </a:p>
-        </p:txBody>
-      </p:sp>
-      <p:sp>
-        <p:nvSpPr>
-          <p:cNvPr id="3" name="Text Placeholder 2"/>
-          <p:cNvSpPr>
-            <a:spLocks noGrp="1"/>
-          </p:cNvSpPr>
-          <p:nvPr>
-            <p:ph type="body" idx="1"/>
-          </p:nvPr>
-        </p:nvSpPr>
-        <p:spPr/>
-        <p:txBody>
-          <a:bodyPr/>
-          <a:lstStyle/>
-          <a:p>
-            <a:r>
-              <a:rPr lang="en-US" sz="2800" dirty="0" smtClean="0"/>
-              <a:t>See </a:t>
-            </a:r>
-          </a:p>
-          <a:p>
-            <a:r>
-              <a:rPr lang="en-US" sz="2800" dirty="0"/>
-              <a:t>	</a:t>
-            </a:r>
-            <a:r>
-              <a:rPr lang="en-US" sz="1800" dirty="0" smtClean="0"/>
-              <a:t>mol-example.cc</a:t>
-            </a:r>
-          </a:p>
-          <a:p>
-            <a:r>
-              <a:rPr lang="en-US" sz="1800" dirty="0" smtClean="0"/>
-              <a:t>	_</a:t>
-            </a:r>
-            <a:r>
-              <a:rPr lang="en-US" sz="1800" dirty="0"/>
-              <a:t>RUN_MOL_CHANNEL_CAPACITY_.</a:t>
-            </a:r>
-            <a:r>
-              <a:rPr lang="en-US" sz="1800" dirty="0" smtClean="0"/>
-              <a:t>sh</a:t>
-            </a:r>
-          </a:p>
-          <a:p>
-            <a:r>
-              <a:rPr lang="en-US" sz="2800" dirty="0" smtClean="0"/>
-              <a:t>Notice that </a:t>
-            </a:r>
-            <a:r>
-              <a:rPr lang="en-US" sz="2800" dirty="0" err="1" smtClean="0"/>
-              <a:t>nodeDistance</a:t>
-            </a:r>
-            <a:r>
-              <a:rPr lang="en-US" sz="2800" dirty="0" smtClean="0"/>
-              <a:t> can be passed </a:t>
-            </a:r>
-          </a:p>
-          <a:p>
-            <a:r>
-              <a:rPr lang="en-US" sz="1600" dirty="0"/>
-              <a:t>	 ./</a:t>
-            </a:r>
-            <a:r>
-              <a:rPr lang="en-US" sz="1600" dirty="0" err="1"/>
-              <a:t>waf</a:t>
-            </a:r>
-            <a:r>
-              <a:rPr lang="en-US" sz="1600" dirty="0"/>
-              <a:t> --run "scratch/</a:t>
-            </a:r>
-            <a:r>
-              <a:rPr lang="en-US" sz="1600" dirty="0" err="1"/>
-              <a:t>mol</a:t>
-            </a:r>
-            <a:r>
-              <a:rPr lang="en-US" sz="1600" dirty="0"/>
-              <a:t>-example --</a:t>
-            </a:r>
-            <a:r>
-              <a:rPr lang="en-US" sz="1600" dirty="0" err="1"/>
-              <a:t>nodeDistance</a:t>
-            </a:r>
-            <a:r>
-              <a:rPr lang="en-US" sz="1600" dirty="0"/>
-              <a:t>=${</a:t>
-            </a:r>
-            <a:r>
-              <a:rPr lang="en-US" sz="1600" dirty="0" err="1"/>
-              <a:t>nodeDistance</a:t>
-            </a:r>
-            <a:r>
-              <a:rPr lang="en-US" sz="1600" dirty="0" smtClean="0"/>
-              <a:t>}“</a:t>
-            </a:r>
-          </a:p>
-          <a:p>
-            <a:r>
-              <a:rPr lang="en-US" sz="2800" dirty="0" smtClean="0"/>
-              <a:t>Perhaps </a:t>
-            </a:r>
-            <a:r>
-              <a:rPr lang="en-US" sz="2800" dirty="0" err="1" smtClean="0"/>
-              <a:t>nodePosition</a:t>
-            </a:r>
-            <a:r>
-              <a:rPr lang="en-US" sz="2800" dirty="0" smtClean="0"/>
-              <a:t> could be passed</a:t>
-            </a:r>
-          </a:p>
-          <a:p>
-            <a:r>
-              <a:rPr lang="en-US" sz="2800" dirty="0" smtClean="0"/>
-              <a:t>For Mobility, see </a:t>
-            </a:r>
-          </a:p>
-          <a:p>
-            <a:r>
-              <a:rPr lang="en-US" sz="1600" dirty="0" smtClean="0"/>
-              <a:t>	</a:t>
-            </a:r>
-            <a:r>
-              <a:rPr lang="en-US" sz="1600" dirty="0" err="1" smtClean="0"/>
-              <a:t>mobility.SetMobilityModel</a:t>
-            </a:r>
-            <a:r>
-              <a:rPr lang="en-US" sz="1600" dirty="0"/>
-              <a:t>("ns3::</a:t>
-            </a:r>
-            <a:r>
-              <a:rPr lang="en-US" sz="1600" dirty="0" err="1"/>
-              <a:t>ConstantPositionMobilityModel</a:t>
-            </a:r>
-            <a:r>
-              <a:rPr lang="en-US" sz="1600" dirty="0" smtClean="0"/>
-              <a:t>");</a:t>
-            </a:r>
-          </a:p>
-          <a:p>
-            <a:r>
-              <a:rPr lang="en-US" sz="2400" dirty="0" smtClean="0"/>
-              <a:t>The question is how to integrate into ns-3</a:t>
-            </a:r>
-          </a:p>
-          <a:p>
-            <a:r>
-              <a:rPr lang="en-US" sz="2400" dirty="0"/>
-              <a:t>	</a:t>
-            </a:r>
-            <a:r>
-              <a:rPr lang="en-US" sz="2400" dirty="0" smtClean="0"/>
-              <a:t>microtubule as ns-3 node?</a:t>
-            </a:r>
-          </a:p>
-          <a:p>
-            <a:r>
-              <a:rPr lang="en-US" sz="2400" dirty="0"/>
-              <a:t>	</a:t>
-            </a:r>
-            <a:r>
-              <a:rPr lang="en-US" sz="2400" dirty="0" smtClean="0"/>
-              <a:t>vector field in Field Component?</a:t>
-            </a:r>
-          </a:p>
-          <a:p>
-            <a:r>
-              <a:rPr lang="en-US" sz="2400" dirty="0"/>
-              <a:t>	</a:t>
-            </a:r>
-            <a:r>
-              <a:rPr lang="en-US" sz="2400" dirty="0" smtClean="0"/>
-              <a:t>Brownian and walking in Motion?</a:t>
-            </a:r>
-            <a:endParaRPr lang="en-US" sz="2400" dirty="0"/>
-          </a:p>
-        </p:txBody>
-      </p:sp>
-      <p:sp>
-        <p:nvSpPr>
-          <p:cNvPr id="4" name="TextBox 3"/>
-          <p:cNvSpPr txBox="1"/>
-          <p:nvPr/>
-        </p:nvSpPr>
-        <p:spPr>
-          <a:xfrm>
-            <a:off x="2631689" y="6302668"/>
-            <a:ext cx="3679212" cy="307777"/>
-          </a:xfrm>
-          <a:prstGeom prst="rect">
-            <a:avLst/>
-          </a:prstGeom>
-          <a:noFill/>
-        </p:spPr>
-        <p:txBody>
-          <a:bodyPr wrap="none" rtlCol="0">
-            <a:spAutoFit/>
-          </a:bodyPr>
-          <a:lstStyle/>
-          <a:p>
-            <a:r>
-              <a:rPr lang="en-US" dirty="0" smtClean="0"/>
-              <a:t>Stephen F Bush (bushsf@research.ge.com)</a:t>
-            </a:r>
-            <a:endParaRPr lang="en-US" dirty="0"/>
-          </a:p>
-        </p:txBody>
-      </p:sp>
-    </p:spTree>
-    <p:extLst>
-      <p:ext uri="{BB962C8B-B14F-4D97-AF65-F5344CB8AC3E}">
-        <p14:creationId xmlns:p14="http://schemas.microsoft.com/office/powerpoint/2010/main" val="3640143468"/>
-      </p:ext>
-    </p:extLst>
-  </p:cSld>
-  <p:clrMapOvr>
-    <a:masterClrMapping/>
-  </p:clrMapOvr>
-</p:sld>
-</file>
-
 <file path=ppt/slides/slide2.xml><?xml version="1.0" encoding="utf-8"?>
 <p:sld xmlns:a="http://schemas.openxmlformats.org/drawingml/2006/main" xmlns:r="http://schemas.openxmlformats.org/officeDocument/2006/relationships" xmlns:p="http://schemas.openxmlformats.org/presentationml/2006/main">
   <p:cSld>
@@ -5973,7 +4827,7 @@
       </p:grpSpPr>
       <p:sp>
         <p:nvSpPr>
-          <p:cNvPr id="2" name="Title 1"/>
+          <p:cNvPr id="6" name="Title 5"/>
           <p:cNvSpPr>
             <a:spLocks noGrp="1"/>
           </p:cNvSpPr>
@@ -5988,7 +4842,7 @@
           <a:p>
             <a:r>
               <a:rPr lang="en-US" dirty="0" smtClean="0"/>
-              <a:t>SVN Update Information</a:t>
+              <a:t>IEEE 1906 NS-3 REFERENCE MODEL</a:t>
             </a:r>
             <a:endParaRPr lang="en-US" dirty="0"/>
           </a:p>
@@ -5996,7 +4850,7 @@
       </p:sp>
       <p:sp>
         <p:nvSpPr>
-          <p:cNvPr id="3" name="Text Placeholder 2"/>
+          <p:cNvPr id="7" name="Text Placeholder 6"/>
           <p:cNvSpPr>
             <a:spLocks noGrp="1"/>
           </p:cNvSpPr>
@@ -6004,89 +4858,88 @@
             <p:ph type="body" idx="1"/>
           </p:nvPr>
         </p:nvSpPr>
-        <p:spPr/>
+        <p:spPr>
+          <a:xfrm>
+            <a:off x="448955" y="1508161"/>
+            <a:ext cx="8229600" cy="4967700"/>
+          </a:xfrm>
+        </p:spPr>
         <p:txBody>
           <a:bodyPr/>
           <a:lstStyle/>
           <a:p>
-            <a:r>
-              <a:rPr lang="en-US" dirty="0">
-                <a:hlinkClick r:id="rId2"/>
+            <a:pPr marL="457200" lvl="2" indent="-457200">
+              <a:buFont typeface="Arial" pitchFamily="34" charset="0"/>
+              <a:buChar char="•"/>
+            </a:pPr>
+            <a:r>
+              <a:rPr lang="en-US" sz="3200" dirty="0" smtClean="0"/>
+              <a:t>Exercises definitions</a:t>
+            </a:r>
+            <a:r>
+              <a:rPr lang="en-US" sz="3200" dirty="0"/>
+              <a:t>, framework, metrics, and use-cases</a:t>
+            </a:r>
+          </a:p>
+          <a:p>
+            <a:pPr marL="457200" lvl="2" indent="-457200">
+              <a:buFont typeface="Arial" pitchFamily="34" charset="0"/>
+              <a:buChar char="•"/>
+            </a:pPr>
+            <a:r>
+              <a:rPr lang="en-US" sz="3200" dirty="0" smtClean="0"/>
+              <a:t>Provides base </a:t>
+            </a:r>
+            <a:r>
+              <a:rPr lang="en-US" sz="3200" dirty="0"/>
+              <a:t>for higher-level nanoscale communication protocols, applications, and </a:t>
+            </a:r>
+            <a:r>
+              <a:rPr lang="en-US" sz="3200" dirty="0" smtClean="0"/>
+              <a:t>standards</a:t>
+            </a:r>
+          </a:p>
+          <a:p>
+            <a:pPr marL="457200" lvl="2" indent="-457200">
+              <a:buFont typeface="Arial" pitchFamily="34" charset="0"/>
+              <a:buChar char="•"/>
+            </a:pPr>
+            <a:r>
+              <a:rPr lang="en-US" sz="3200" dirty="0" smtClean="0">
+                <a:solidFill>
+                  <a:srgbClr val="FF0000"/>
+                </a:solidFill>
               </a:rPr>
-              <a:t>https://</a:t>
-            </a:r>
-            <a:r>
-              <a:rPr lang="en-US" dirty="0" smtClean="0">
-                <a:hlinkClick r:id="rId2"/>
+              <a:t>Entertain motion </a:t>
+            </a:r>
+            <a:r>
+              <a:rPr lang="en-US" sz="3200" dirty="0">
+                <a:solidFill>
+                  <a:srgbClr val="FF0000"/>
+                </a:solidFill>
               </a:rPr>
-              <a:t>ieee-p1906-1-reference-code.googlecode.com/svn/trunk/p1906/model-mol/p1906-mol-field.cc</a:t>
-            </a:r>
-            <a:endParaRPr lang="en-US" dirty="0" smtClean="0"/>
-          </a:p>
-          <a:p>
-            <a:endParaRPr lang="en-US" dirty="0"/>
-          </a:p>
-          <a:p>
-            <a:r>
-              <a:rPr lang="en-US" dirty="0">
-                <a:hlinkClick r:id="rId3"/>
+              <a:t>to adopt molecular motor extension into standards </a:t>
+            </a:r>
+            <a:r>
+              <a:rPr lang="en-US" sz="3200" dirty="0" smtClean="0">
+                <a:solidFill>
+                  <a:srgbClr val="FF0000"/>
+                </a:solidFill>
               </a:rPr>
-              <a:t>https://</a:t>
-            </a:r>
-            <a:r>
-              <a:rPr lang="en-US" dirty="0" smtClean="0">
-                <a:hlinkClick r:id="rId3"/>
-              </a:rPr>
-              <a:t>ieee-p1906-1-reference-code.googlecode.com/svn/trunk/p1906/model-mol/p1906-mol-field.h</a:t>
-            </a:r>
-            <a:endParaRPr lang="en-US" dirty="0" smtClean="0"/>
-          </a:p>
-          <a:p>
-            <a:endParaRPr lang="en-US" dirty="0"/>
-          </a:p>
-          <a:p>
-            <a:r>
-              <a:rPr lang="en-US" dirty="0" smtClean="0"/>
-              <a:t>Both at Revision 16</a:t>
-            </a:r>
-            <a:endParaRPr lang="en-US" dirty="0"/>
-          </a:p>
-        </p:txBody>
-      </p:sp>
-      <p:sp>
-        <p:nvSpPr>
-          <p:cNvPr id="4" name="TextBox 3"/>
-          <p:cNvSpPr txBox="1"/>
-          <p:nvPr/>
-        </p:nvSpPr>
-        <p:spPr>
-          <a:xfrm>
-            <a:off x="2631689" y="6302668"/>
-            <a:ext cx="3679212" cy="307777"/>
-          </a:xfrm>
-          <a:prstGeom prst="rect">
-            <a:avLst/>
-          </a:prstGeom>
-          <a:noFill/>
-        </p:spPr>
-        <p:txBody>
-          <a:bodyPr wrap="none" rtlCol="0">
-            <a:spAutoFit/>
-          </a:bodyPr>
-          <a:lstStyle/>
-          <a:p>
-            <a:r>
-              <a:rPr lang="en-US" dirty="0" smtClean="0"/>
-              <a:t>Stephen F Bush (bushsf@research.ge.com)</a:t>
-            </a:r>
-            <a:endParaRPr lang="en-US" dirty="0"/>
+              <a:t>repository</a:t>
+            </a:r>
+            <a:endParaRPr lang="en-US" sz="3200" dirty="0">
+              <a:solidFill>
+                <a:srgbClr val="FF0000"/>
+              </a:solidFill>
+            </a:endParaRPr>
           </a:p>
         </p:txBody>
       </p:sp>
     </p:spTree>
     <p:extLst>
       <p:ext uri="{BB962C8B-B14F-4D97-AF65-F5344CB8AC3E}">
-        <p14:creationId xmlns:p14="http://schemas.microsoft.com/office/powerpoint/2010/main" val="2101539847"/>
+        <p14:creationId xmlns:p14="http://schemas.microsoft.com/office/powerpoint/2010/main" val="788580368"/>
       </p:ext>
     </p:extLst>
   </p:cSld>
@@ -6115,7 +4968,56 @@
       </p:grpSpPr>
       <p:sp>
         <p:nvSpPr>
-          <p:cNvPr id="2" name="Title 1"/>
+          <p:cNvPr id="18" name="Cube 17"/>
+          <p:cNvSpPr/>
+          <p:nvPr/>
+        </p:nvSpPr>
+        <p:spPr>
+          <a:xfrm>
+            <a:off x="225574" y="4076505"/>
+            <a:ext cx="1589322" cy="1615199"/>
+          </a:xfrm>
+          <a:prstGeom prst="cube">
+            <a:avLst/>
+          </a:prstGeom>
+          <a:ln>
+            <a:noFill/>
+          </a:ln>
+        </p:spPr>
+        <p:style>
+          <a:lnRef idx="2">
+            <a:schemeClr val="accent1">
+              <a:shade val="50000"/>
+            </a:schemeClr>
+          </a:lnRef>
+          <a:fillRef idx="1">
+            <a:schemeClr val="accent1"/>
+          </a:fillRef>
+          <a:effectRef idx="0">
+            <a:schemeClr val="accent1"/>
+          </a:effectRef>
+          <a:fontRef idx="minor">
+            <a:schemeClr val="lt1"/>
+          </a:fontRef>
+        </p:style>
+        <p:txBody>
+          <a:bodyPr rtlCol="0" anchor="ctr">
+            <a:noAutofit/>
+          </a:bodyPr>
+          <a:lstStyle/>
+          <a:p>
+            <a:pPr algn="ctr"/>
+            <a:r>
+              <a:rPr lang="en-US" dirty="0" smtClean="0"/>
+              <a:t>1906 Framework</a:t>
+            </a:r>
+            <a:endParaRPr lang="en-US" dirty="0"/>
+          </a:p>
+        </p:txBody>
+      </p:sp>
+      <p:sp>
+        <p:nvSpPr>
+          <p:cNvPr id="4" name="Title 3"/>
           <p:cNvSpPr>
             <a:spLocks noGrp="1"/>
           </p:cNvSpPr>
@@ -6130,7 +5032,7 @@
           <a:p>
             <a:r>
               <a:rPr lang="en-US" dirty="0" smtClean="0"/>
-              <a:t>INSTALLATION</a:t>
+              <a:t>NS-3: THE BIG PICTURE</a:t>
             </a:r>
             <a:endParaRPr lang="en-US" dirty="0"/>
           </a:p>
@@ -6138,203 +5040,722 @@
       </p:sp>
       <p:sp>
         <p:nvSpPr>
-          <p:cNvPr id="3" name="Text Placeholder 2"/>
-          <p:cNvSpPr>
-            <a:spLocks noGrp="1"/>
-          </p:cNvSpPr>
-          <p:nvPr>
-            <p:ph type="body" idx="1"/>
-          </p:nvPr>
-        </p:nvSpPr>
-        <p:spPr/>
-        <p:txBody>
-          <a:bodyPr/>
-          <a:lstStyle/>
-          <a:p>
-            <a:pPr marL="514350" indent="-514350">
-              <a:buFont typeface="+mj-lt"/>
-              <a:buAutoNum type="arabicPeriod"/>
-            </a:pPr>
-            <a:r>
-              <a:rPr lang="en-US" dirty="0" smtClean="0"/>
-              <a:t>Make sure GSL is installed</a:t>
-            </a:r>
-          </a:p>
-          <a:p>
-            <a:pPr marL="514350" indent="-514350">
-              <a:buFont typeface="+mj-lt"/>
-              <a:buAutoNum type="arabicPeriod"/>
-            </a:pPr>
-            <a:r>
-              <a:rPr lang="en-US" dirty="0" smtClean="0"/>
-              <a:t>Make sure GSL is enabled in ns-3 using </a:t>
-            </a:r>
-            <a:r>
-              <a:rPr lang="en-US" i="1" dirty="0" smtClean="0"/>
-              <a:t>configure</a:t>
-            </a:r>
-          </a:p>
-          <a:p>
-            <a:pPr marL="514350" indent="-514350">
-              <a:buFont typeface="+mj-lt"/>
-              <a:buAutoNum type="arabicPeriod"/>
-            </a:pPr>
-            <a:r>
-              <a:rPr lang="en-US" dirty="0" smtClean="0"/>
-              <a:t>Issue: </a:t>
-            </a:r>
-            <a:r>
-              <a:rPr lang="en-US" i="1" dirty="0" err="1" smtClean="0"/>
-              <a:t>waf</a:t>
-            </a:r>
-            <a:endParaRPr lang="en-US" i="1" dirty="0" smtClean="0"/>
-          </a:p>
-          <a:p>
-            <a:pPr marL="514350" indent="-514350">
-              <a:buFont typeface="+mj-lt"/>
-              <a:buAutoNum type="arabicPeriod"/>
-            </a:pPr>
-            <a:r>
-              <a:rPr lang="en-US" dirty="0" smtClean="0"/>
-              <a:t>Move </a:t>
-            </a:r>
-            <a:r>
-              <a:rPr lang="en-US" i="1" dirty="0" smtClean="0"/>
-              <a:t>mol-example.cc</a:t>
-            </a:r>
-            <a:r>
-              <a:rPr lang="en-US" dirty="0" smtClean="0"/>
-              <a:t> to </a:t>
-            </a:r>
-            <a:r>
-              <a:rPr lang="en-US" i="1" dirty="0" smtClean="0"/>
-              <a:t>scratch</a:t>
-            </a:r>
-          </a:p>
-          <a:p>
-            <a:pPr marL="514350" indent="-514350">
-              <a:buFont typeface="+mj-lt"/>
-              <a:buAutoNum type="arabicPeriod"/>
-            </a:pPr>
-            <a:r>
-              <a:rPr lang="en-US" dirty="0" smtClean="0"/>
-              <a:t>Issue: </a:t>
-            </a:r>
-            <a:r>
-              <a:rPr lang="en-US" i="1" dirty="0" smtClean="0"/>
-              <a:t>./</a:t>
-            </a:r>
-            <a:r>
-              <a:rPr lang="en-US" i="1" dirty="0" err="1"/>
-              <a:t>waf</a:t>
-            </a:r>
-            <a:r>
-              <a:rPr lang="en-US" i="1" dirty="0"/>
-              <a:t> --run </a:t>
-            </a:r>
-            <a:r>
-              <a:rPr lang="en-US" i="1" dirty="0" smtClean="0"/>
-              <a:t>scratch/</a:t>
-            </a:r>
-            <a:r>
-              <a:rPr lang="en-US" i="1" dirty="0" err="1" smtClean="0"/>
-              <a:t>mol</a:t>
-            </a:r>
-            <a:r>
-              <a:rPr lang="en-US" i="1" dirty="0" smtClean="0"/>
-              <a:t>-example</a:t>
-            </a:r>
-          </a:p>
-          <a:p>
-            <a:pPr marL="514350" lvl="1" indent="-514350">
-              <a:buFont typeface="+mj-lt"/>
-              <a:buAutoNum type="arabicPeriod"/>
-            </a:pPr>
-            <a:r>
-              <a:rPr lang="en-US" dirty="0" smtClean="0"/>
-              <a:t>Tests will be run and the results output to standard out</a:t>
-            </a:r>
-          </a:p>
-          <a:p>
-            <a:pPr marL="514350" lvl="1" indent="-514350">
-              <a:buFont typeface="+mj-lt"/>
-              <a:buAutoNum type="arabicPeriod"/>
-            </a:pPr>
-            <a:r>
-              <a:rPr lang="en-US" i="1" dirty="0" smtClean="0"/>
-              <a:t>*.</a:t>
-            </a:r>
-            <a:r>
-              <a:rPr lang="en-US" i="1" dirty="0" err="1" smtClean="0"/>
-              <a:t>mma</a:t>
-            </a:r>
-            <a:r>
-              <a:rPr lang="en-US" dirty="0" smtClean="0"/>
-              <a:t> and </a:t>
-            </a:r>
-            <a:r>
-              <a:rPr lang="en-US" i="1" dirty="0" smtClean="0"/>
-              <a:t>*.</a:t>
-            </a:r>
-            <a:r>
-              <a:rPr lang="en-US" i="1" dirty="0" err="1" smtClean="0"/>
-              <a:t>dat</a:t>
-            </a:r>
-            <a:r>
-              <a:rPr lang="en-US" i="1" dirty="0" smtClean="0"/>
-              <a:t> </a:t>
-            </a:r>
-            <a:r>
-              <a:rPr lang="en-US" dirty="0" smtClean="0"/>
-              <a:t>files will be created to imported into Mathematica and </a:t>
-            </a:r>
-            <a:r>
-              <a:rPr lang="en-US" dirty="0" smtClean="0"/>
-              <a:t>MATLAB</a:t>
-            </a:r>
-          </a:p>
-          <a:p>
-            <a:pPr marL="514350" indent="-514350">
-              <a:buFont typeface="+mj-lt"/>
-              <a:buAutoNum type="arabicPeriod"/>
-            </a:pPr>
-            <a:r>
-              <a:rPr lang="en-US" dirty="0"/>
-              <a:t>See documentation in </a:t>
-            </a:r>
-            <a:r>
-              <a:rPr lang="en-US" u="sng" dirty="0"/>
-              <a:t>p1906/html/index.html</a:t>
-            </a:r>
-            <a:endParaRPr lang="en-US" u="sng" dirty="0"/>
-          </a:p>
-        </p:txBody>
-      </p:sp>
-      <p:sp>
-        <p:nvSpPr>
-          <p:cNvPr id="4" name="TextBox 3"/>
-          <p:cNvSpPr txBox="1"/>
+          <p:cNvPr id="5" name="Cube 4"/>
+          <p:cNvSpPr/>
           <p:nvPr/>
         </p:nvSpPr>
         <p:spPr>
           <a:xfrm>
-            <a:off x="2631689" y="6302668"/>
-            <a:ext cx="3679212" cy="307777"/>
+            <a:off x="1763064" y="4684400"/>
+            <a:ext cx="1403331" cy="981551"/>
           </a:xfrm>
-          <a:prstGeom prst="rect">
+          <a:prstGeom prst="cube">
             <a:avLst/>
           </a:prstGeom>
-          <a:noFill/>
+          <a:ln>
+            <a:noFill/>
+          </a:ln>
         </p:spPr>
-        <p:txBody>
-          <a:bodyPr wrap="none" rtlCol="0">
+        <p:style>
+          <a:lnRef idx="2">
+            <a:schemeClr val="accent1">
+              <a:shade val="50000"/>
+            </a:schemeClr>
+          </a:lnRef>
+          <a:fillRef idx="1">
+            <a:schemeClr val="accent1"/>
+          </a:fillRef>
+          <a:effectRef idx="0">
+            <a:schemeClr val="accent1"/>
+          </a:effectRef>
+          <a:fontRef idx="minor">
+            <a:schemeClr val="lt1"/>
+          </a:fontRef>
+        </p:style>
+        <p:txBody>
+          <a:bodyPr rtlCol="0" anchor="ctr">
             <a:spAutoFit/>
           </a:bodyPr>
           <a:lstStyle/>
           <a:p>
+            <a:pPr algn="ctr"/>
             <a:r>
               <a:rPr lang="en-US" dirty="0" smtClean="0"/>
-              <a:t>Stephen F Bush (bushsf@research.ge.com)</a:t>
+              <a:t>1906 Message Carrier</a:t>
+            </a:r>
+            <a:endParaRPr lang="en-US" dirty="0"/>
+          </a:p>
+        </p:txBody>
+      </p:sp>
+      <p:sp>
+        <p:nvSpPr>
+          <p:cNvPr id="6" name="Cube 5"/>
+          <p:cNvSpPr/>
+          <p:nvPr/>
+        </p:nvSpPr>
+        <p:spPr>
+          <a:xfrm>
+            <a:off x="221884" y="1728431"/>
+            <a:ext cx="1596702" cy="2189889"/>
+          </a:xfrm>
+          <a:prstGeom prst="cube">
+            <a:avLst/>
+          </a:prstGeom>
+          <a:solidFill>
+            <a:srgbClr val="00B050"/>
+          </a:solidFill>
+          <a:ln>
+            <a:noFill/>
+          </a:ln>
+        </p:spPr>
+        <p:style>
+          <a:lnRef idx="2">
+            <a:schemeClr val="accent1">
+              <a:shade val="50000"/>
+            </a:schemeClr>
+          </a:lnRef>
+          <a:fillRef idx="1">
+            <a:schemeClr val="accent1"/>
+          </a:fillRef>
+          <a:effectRef idx="0">
+            <a:schemeClr val="accent1"/>
+          </a:effectRef>
+          <a:fontRef idx="minor">
+            <a:schemeClr val="lt1"/>
+          </a:fontRef>
+        </p:style>
+        <p:txBody>
+          <a:bodyPr rtlCol="0" anchor="ctr">
+            <a:noAutofit/>
+          </a:bodyPr>
+          <a:lstStyle/>
+          <a:p>
+            <a:pPr algn="ctr"/>
+            <a:r>
+              <a:rPr lang="en-US" dirty="0" smtClean="0"/>
+              <a:t>ns-3</a:t>
+            </a:r>
+            <a:endParaRPr lang="en-US" dirty="0"/>
+          </a:p>
+        </p:txBody>
+      </p:sp>
+      <p:sp>
+        <p:nvSpPr>
+          <p:cNvPr id="7" name="Cube 6"/>
+          <p:cNvSpPr/>
+          <p:nvPr/>
+        </p:nvSpPr>
+        <p:spPr>
+          <a:xfrm>
+            <a:off x="1862530" y="3214982"/>
+            <a:ext cx="1772203" cy="695266"/>
+          </a:xfrm>
+          <a:prstGeom prst="cube">
+            <a:avLst/>
+          </a:prstGeom>
+          <a:solidFill>
+            <a:srgbClr val="00B050"/>
+          </a:solidFill>
+          <a:ln>
+            <a:noFill/>
+          </a:ln>
+        </p:spPr>
+        <p:style>
+          <a:lnRef idx="2">
+            <a:schemeClr val="accent1">
+              <a:shade val="50000"/>
+            </a:schemeClr>
+          </a:lnRef>
+          <a:fillRef idx="1">
+            <a:schemeClr val="accent1"/>
+          </a:fillRef>
+          <a:effectRef idx="0">
+            <a:schemeClr val="accent1"/>
+          </a:effectRef>
+          <a:fontRef idx="minor">
+            <a:schemeClr val="lt1"/>
+          </a:fontRef>
+        </p:style>
+        <p:txBody>
+          <a:bodyPr rtlCol="0" anchor="ctr">
+            <a:noAutofit/>
+          </a:bodyPr>
+          <a:lstStyle/>
+          <a:p>
+            <a:pPr algn="ctr"/>
+            <a:r>
+              <a:rPr lang="en-US" dirty="0" smtClean="0"/>
+              <a:t>EM model</a:t>
+            </a:r>
+            <a:endParaRPr lang="en-US" dirty="0"/>
+          </a:p>
+        </p:txBody>
+      </p:sp>
+      <p:sp>
+        <p:nvSpPr>
+          <p:cNvPr id="8" name="Cube 7"/>
+          <p:cNvSpPr/>
+          <p:nvPr/>
+        </p:nvSpPr>
+        <p:spPr>
+          <a:xfrm>
+            <a:off x="3636988" y="3214983"/>
+            <a:ext cx="1980908" cy="695265"/>
+          </a:xfrm>
+          <a:prstGeom prst="cube">
+            <a:avLst/>
+          </a:prstGeom>
+          <a:solidFill>
+            <a:srgbClr val="00B050"/>
+          </a:solidFill>
+          <a:ln>
+            <a:noFill/>
+          </a:ln>
+        </p:spPr>
+        <p:style>
+          <a:lnRef idx="2">
+            <a:schemeClr val="accent1">
+              <a:shade val="50000"/>
+            </a:schemeClr>
+          </a:lnRef>
+          <a:fillRef idx="1">
+            <a:schemeClr val="accent1"/>
+          </a:fillRef>
+          <a:effectRef idx="0">
+            <a:schemeClr val="accent1"/>
+          </a:effectRef>
+          <a:fontRef idx="minor">
+            <a:schemeClr val="lt1"/>
+          </a:fontRef>
+        </p:style>
+        <p:txBody>
+          <a:bodyPr rtlCol="0" anchor="ctr">
+            <a:noAutofit/>
+          </a:bodyPr>
+          <a:lstStyle/>
+          <a:p>
+            <a:pPr algn="ctr"/>
+            <a:r>
+              <a:rPr lang="en-US" dirty="0" smtClean="0"/>
+              <a:t>Diffusion model</a:t>
+            </a:r>
+            <a:endParaRPr lang="en-US" dirty="0"/>
+          </a:p>
+        </p:txBody>
+      </p:sp>
+      <p:sp>
+        <p:nvSpPr>
+          <p:cNvPr id="9" name="Cube 8"/>
+          <p:cNvSpPr/>
+          <p:nvPr/>
+        </p:nvSpPr>
+        <p:spPr>
+          <a:xfrm>
+            <a:off x="5617896" y="3214983"/>
+            <a:ext cx="3388071" cy="695265"/>
+          </a:xfrm>
+          <a:prstGeom prst="cube">
+            <a:avLst/>
+          </a:prstGeom>
+          <a:solidFill>
+            <a:srgbClr val="00B050"/>
+          </a:solidFill>
+          <a:ln>
+            <a:noFill/>
+          </a:ln>
+        </p:spPr>
+        <p:style>
+          <a:lnRef idx="2">
+            <a:schemeClr val="accent1">
+              <a:shade val="50000"/>
+            </a:schemeClr>
+          </a:lnRef>
+          <a:fillRef idx="1">
+            <a:schemeClr val="accent1"/>
+          </a:fillRef>
+          <a:effectRef idx="0">
+            <a:schemeClr val="accent1"/>
+          </a:effectRef>
+          <a:fontRef idx="minor">
+            <a:schemeClr val="lt1"/>
+          </a:fontRef>
+        </p:style>
+        <p:txBody>
+          <a:bodyPr rtlCol="0" anchor="ctr">
+            <a:noAutofit/>
+          </a:bodyPr>
+          <a:lstStyle/>
+          <a:p>
+            <a:pPr algn="ctr"/>
+            <a:r>
+              <a:rPr lang="en-US" dirty="0" smtClean="0"/>
+              <a:t>Motor</a:t>
+            </a:r>
+          </a:p>
+          <a:p>
+            <a:pPr algn="ctr"/>
+            <a:r>
+              <a:rPr lang="en-US" dirty="0" smtClean="0"/>
+              <a:t>model</a:t>
+            </a:r>
+            <a:endParaRPr lang="en-US" dirty="0"/>
+          </a:p>
+        </p:txBody>
+      </p:sp>
+      <p:sp>
+        <p:nvSpPr>
+          <p:cNvPr id="10" name="Cube 9"/>
+          <p:cNvSpPr/>
+          <p:nvPr/>
+        </p:nvSpPr>
+        <p:spPr>
+          <a:xfrm>
+            <a:off x="1937873" y="2755841"/>
+            <a:ext cx="7068093" cy="408980"/>
+          </a:xfrm>
+          <a:prstGeom prst="cube">
+            <a:avLst/>
+          </a:prstGeom>
+          <a:solidFill>
+            <a:schemeClr val="bg2">
+              <a:lumMod val="60000"/>
+              <a:lumOff val="40000"/>
+            </a:schemeClr>
+          </a:solidFill>
+          <a:ln>
+            <a:noFill/>
+          </a:ln>
+        </p:spPr>
+        <p:style>
+          <a:lnRef idx="2">
+            <a:schemeClr val="accent1">
+              <a:shade val="50000"/>
+            </a:schemeClr>
+          </a:lnRef>
+          <a:fillRef idx="1">
+            <a:schemeClr val="accent1"/>
+          </a:fillRef>
+          <a:effectRef idx="0">
+            <a:schemeClr val="accent1"/>
+          </a:effectRef>
+          <a:fontRef idx="minor">
+            <a:schemeClr val="lt1"/>
+          </a:fontRef>
+        </p:style>
+        <p:txBody>
+          <a:bodyPr rtlCol="0" anchor="ctr">
+            <a:spAutoFit/>
+          </a:bodyPr>
+          <a:lstStyle/>
+          <a:p>
+            <a:pPr algn="ctr"/>
+            <a:r>
+              <a:rPr lang="en-US" dirty="0" smtClean="0"/>
+              <a:t>Nanoscale Network Protocol Layers</a:t>
+            </a:r>
+            <a:endParaRPr lang="en-US" dirty="0"/>
+          </a:p>
+        </p:txBody>
+      </p:sp>
+      <p:sp>
+        <p:nvSpPr>
+          <p:cNvPr id="11" name="Cube 10"/>
+          <p:cNvSpPr/>
+          <p:nvPr/>
+        </p:nvSpPr>
+        <p:spPr>
+          <a:xfrm>
+            <a:off x="1937873" y="2247101"/>
+            <a:ext cx="7052725" cy="408980"/>
+          </a:xfrm>
+          <a:prstGeom prst="cube">
+            <a:avLst/>
+          </a:prstGeom>
+          <a:solidFill>
+            <a:schemeClr val="bg2">
+              <a:lumMod val="60000"/>
+              <a:lumOff val="40000"/>
+            </a:schemeClr>
+          </a:solidFill>
+          <a:ln>
+            <a:noFill/>
+          </a:ln>
+        </p:spPr>
+        <p:style>
+          <a:lnRef idx="2">
+            <a:schemeClr val="accent1">
+              <a:shade val="50000"/>
+            </a:schemeClr>
+          </a:lnRef>
+          <a:fillRef idx="1">
+            <a:schemeClr val="accent1"/>
+          </a:fillRef>
+          <a:effectRef idx="0">
+            <a:schemeClr val="accent1"/>
+          </a:effectRef>
+          <a:fontRef idx="minor">
+            <a:schemeClr val="lt1"/>
+          </a:fontRef>
+        </p:style>
+        <p:txBody>
+          <a:bodyPr rtlCol="0" anchor="ctr">
+            <a:spAutoFit/>
+          </a:bodyPr>
+          <a:lstStyle/>
+          <a:p>
+            <a:pPr algn="ctr"/>
+            <a:r>
+              <a:rPr lang="en-US" dirty="0" smtClean="0"/>
+              <a:t>Nanoscale Network Applications</a:t>
+            </a:r>
+            <a:endParaRPr lang="en-US" dirty="0"/>
+          </a:p>
+        </p:txBody>
+      </p:sp>
+      <p:sp>
+        <p:nvSpPr>
+          <p:cNvPr id="12" name="Cube 11"/>
+          <p:cNvSpPr/>
+          <p:nvPr/>
+        </p:nvSpPr>
+        <p:spPr>
+          <a:xfrm>
+            <a:off x="1937873" y="1728431"/>
+            <a:ext cx="7068093" cy="408980"/>
+          </a:xfrm>
+          <a:prstGeom prst="cube">
+            <a:avLst/>
+          </a:prstGeom>
+          <a:solidFill>
+            <a:schemeClr val="bg2">
+              <a:lumMod val="60000"/>
+              <a:lumOff val="40000"/>
+            </a:schemeClr>
+          </a:solidFill>
+          <a:ln>
+            <a:noFill/>
+          </a:ln>
+        </p:spPr>
+        <p:style>
+          <a:lnRef idx="2">
+            <a:schemeClr val="accent1">
+              <a:shade val="50000"/>
+            </a:schemeClr>
+          </a:lnRef>
+          <a:fillRef idx="1">
+            <a:schemeClr val="accent1"/>
+          </a:fillRef>
+          <a:effectRef idx="0">
+            <a:schemeClr val="accent1"/>
+          </a:effectRef>
+          <a:fontRef idx="minor">
+            <a:schemeClr val="lt1"/>
+          </a:fontRef>
+        </p:style>
+        <p:txBody>
+          <a:bodyPr rtlCol="0" anchor="ctr">
+            <a:spAutoFit/>
+          </a:bodyPr>
+          <a:lstStyle/>
+          <a:p>
+            <a:pPr algn="ctr"/>
+            <a:r>
+              <a:rPr lang="en-US" dirty="0" smtClean="0"/>
+              <a:t>Nanoscale Network Systems Scalability and Performance Tests</a:t>
+            </a:r>
+            <a:endParaRPr lang="en-US" dirty="0"/>
+          </a:p>
+        </p:txBody>
+      </p:sp>
+      <p:sp>
+        <p:nvSpPr>
+          <p:cNvPr id="13" name="Cube 12"/>
+          <p:cNvSpPr/>
+          <p:nvPr/>
+        </p:nvSpPr>
+        <p:spPr>
+          <a:xfrm>
+            <a:off x="1765163" y="4095356"/>
+            <a:ext cx="1399133" cy="695265"/>
+          </a:xfrm>
+          <a:prstGeom prst="cube">
+            <a:avLst/>
+          </a:prstGeom>
+          <a:ln>
+            <a:noFill/>
+          </a:ln>
+        </p:spPr>
+        <p:style>
+          <a:lnRef idx="2">
+            <a:schemeClr val="accent1">
+              <a:shade val="50000"/>
+            </a:schemeClr>
+          </a:lnRef>
+          <a:fillRef idx="1">
+            <a:schemeClr val="accent1"/>
+          </a:fillRef>
+          <a:effectRef idx="0">
+            <a:schemeClr val="accent1"/>
+          </a:effectRef>
+          <a:fontRef idx="minor">
+            <a:schemeClr val="lt1"/>
+          </a:fontRef>
+        </p:style>
+        <p:txBody>
+          <a:bodyPr rtlCol="0" anchor="ctr">
+            <a:spAutoFit/>
+          </a:bodyPr>
+          <a:lstStyle/>
+          <a:p>
+            <a:pPr algn="ctr"/>
+            <a:r>
+              <a:rPr lang="en-US" dirty="0" smtClean="0"/>
+              <a:t>1906 Message</a:t>
+            </a:r>
+            <a:endParaRPr lang="en-US" dirty="0"/>
+          </a:p>
+        </p:txBody>
+      </p:sp>
+      <p:sp>
+        <p:nvSpPr>
+          <p:cNvPr id="14" name="Cube 13"/>
+          <p:cNvSpPr/>
+          <p:nvPr/>
+        </p:nvSpPr>
+        <p:spPr>
+          <a:xfrm>
+            <a:off x="4284495" y="4095356"/>
+            <a:ext cx="962591" cy="695265"/>
+          </a:xfrm>
+          <a:prstGeom prst="cube">
+            <a:avLst/>
+          </a:prstGeom>
+          <a:ln>
+            <a:noFill/>
+          </a:ln>
+        </p:spPr>
+        <p:style>
+          <a:lnRef idx="2">
+            <a:schemeClr val="accent1">
+              <a:shade val="50000"/>
+            </a:schemeClr>
+          </a:lnRef>
+          <a:fillRef idx="1">
+            <a:schemeClr val="accent1"/>
+          </a:fillRef>
+          <a:effectRef idx="0">
+            <a:schemeClr val="accent1"/>
+          </a:effectRef>
+          <a:fontRef idx="minor">
+            <a:schemeClr val="lt1"/>
+          </a:fontRef>
+        </p:style>
+        <p:txBody>
+          <a:bodyPr rtlCol="0" anchor="ctr">
+            <a:spAutoFit/>
+          </a:bodyPr>
+          <a:lstStyle/>
+          <a:p>
+            <a:pPr algn="ctr"/>
+            <a:r>
+              <a:rPr lang="en-US" dirty="0" smtClean="0"/>
+              <a:t>1906 Motion</a:t>
+            </a:r>
+            <a:endParaRPr lang="en-US" dirty="0"/>
+          </a:p>
+        </p:txBody>
+      </p:sp>
+      <p:sp>
+        <p:nvSpPr>
+          <p:cNvPr id="15" name="Cube 14"/>
+          <p:cNvSpPr/>
+          <p:nvPr/>
+        </p:nvSpPr>
+        <p:spPr>
+          <a:xfrm>
+            <a:off x="5246916" y="4095356"/>
+            <a:ext cx="941361" cy="695265"/>
+          </a:xfrm>
+          <a:prstGeom prst="cube">
+            <a:avLst/>
+          </a:prstGeom>
+          <a:ln>
+            <a:noFill/>
+          </a:ln>
+        </p:spPr>
+        <p:style>
+          <a:lnRef idx="2">
+            <a:schemeClr val="accent1">
+              <a:shade val="50000"/>
+            </a:schemeClr>
+          </a:lnRef>
+          <a:fillRef idx="1">
+            <a:schemeClr val="accent1"/>
+          </a:fillRef>
+          <a:effectRef idx="0">
+            <a:schemeClr val="accent1"/>
+          </a:effectRef>
+          <a:fontRef idx="minor">
+            <a:schemeClr val="lt1"/>
+          </a:fontRef>
+        </p:style>
+        <p:txBody>
+          <a:bodyPr rtlCol="0" anchor="ctr">
+            <a:spAutoFit/>
+          </a:bodyPr>
+          <a:lstStyle/>
+          <a:p>
+            <a:pPr algn="ctr"/>
+            <a:r>
+              <a:rPr lang="en-US" dirty="0" smtClean="0"/>
+              <a:t>1906 Field</a:t>
+            </a:r>
+            <a:endParaRPr lang="en-US" dirty="0"/>
+          </a:p>
+        </p:txBody>
+      </p:sp>
+      <p:sp>
+        <p:nvSpPr>
+          <p:cNvPr id="16" name="Cube 15"/>
+          <p:cNvSpPr/>
+          <p:nvPr/>
+        </p:nvSpPr>
+        <p:spPr>
+          <a:xfrm>
+            <a:off x="6122317" y="4095356"/>
+            <a:ext cx="1473857" cy="695265"/>
+          </a:xfrm>
+          <a:prstGeom prst="cube">
+            <a:avLst/>
+          </a:prstGeom>
+          <a:ln>
+            <a:noFill/>
+          </a:ln>
+        </p:spPr>
+        <p:style>
+          <a:lnRef idx="2">
+            <a:schemeClr val="accent1">
+              <a:shade val="50000"/>
+            </a:schemeClr>
+          </a:lnRef>
+          <a:fillRef idx="1">
+            <a:schemeClr val="accent1"/>
+          </a:fillRef>
+          <a:effectRef idx="0">
+            <a:schemeClr val="accent1"/>
+          </a:effectRef>
+          <a:fontRef idx="minor">
+            <a:schemeClr val="lt1"/>
+          </a:fontRef>
+        </p:style>
+        <p:txBody>
+          <a:bodyPr rtlCol="0" anchor="ctr">
+            <a:spAutoFit/>
+          </a:bodyPr>
+          <a:lstStyle/>
+          <a:p>
+            <a:pPr algn="ctr"/>
+            <a:r>
+              <a:rPr lang="en-US" dirty="0" smtClean="0"/>
+              <a:t>1906 Perturbation</a:t>
+            </a:r>
+            <a:endParaRPr lang="en-US" dirty="0"/>
+          </a:p>
+        </p:txBody>
+      </p:sp>
+      <p:sp>
+        <p:nvSpPr>
+          <p:cNvPr id="17" name="Cube 16"/>
+          <p:cNvSpPr/>
+          <p:nvPr/>
+        </p:nvSpPr>
+        <p:spPr>
+          <a:xfrm>
+            <a:off x="7532110" y="4095356"/>
+            <a:ext cx="1473857" cy="695265"/>
+          </a:xfrm>
+          <a:prstGeom prst="cube">
+            <a:avLst/>
+          </a:prstGeom>
+          <a:ln>
+            <a:noFill/>
+          </a:ln>
+        </p:spPr>
+        <p:style>
+          <a:lnRef idx="2">
+            <a:schemeClr val="accent1">
+              <a:shade val="50000"/>
+            </a:schemeClr>
+          </a:lnRef>
+          <a:fillRef idx="1">
+            <a:schemeClr val="accent1"/>
+          </a:fillRef>
+          <a:effectRef idx="0">
+            <a:schemeClr val="accent1"/>
+          </a:effectRef>
+          <a:fontRef idx="minor">
+            <a:schemeClr val="lt1"/>
+          </a:fontRef>
+        </p:style>
+        <p:txBody>
+          <a:bodyPr rtlCol="0" anchor="ctr">
+            <a:spAutoFit/>
+          </a:bodyPr>
+          <a:lstStyle/>
+          <a:p>
+            <a:pPr algn="ctr"/>
+            <a:r>
+              <a:rPr lang="en-US" dirty="0" smtClean="0"/>
+              <a:t>1906 Specificity</a:t>
+            </a:r>
+            <a:endParaRPr lang="en-US" dirty="0"/>
+          </a:p>
+        </p:txBody>
+      </p:sp>
+      <p:sp>
+        <p:nvSpPr>
+          <p:cNvPr id="19" name="Cube 18"/>
+          <p:cNvSpPr/>
+          <p:nvPr/>
+        </p:nvSpPr>
+        <p:spPr>
+          <a:xfrm>
+            <a:off x="3166395" y="4098072"/>
+            <a:ext cx="1118100" cy="692549"/>
+          </a:xfrm>
+          <a:prstGeom prst="cube">
+            <a:avLst/>
+          </a:prstGeom>
+          <a:ln>
+            <a:noFill/>
+          </a:ln>
+        </p:spPr>
+        <p:style>
+          <a:lnRef idx="2">
+            <a:schemeClr val="accent1">
+              <a:shade val="50000"/>
+            </a:schemeClr>
+          </a:lnRef>
+          <a:fillRef idx="1">
+            <a:schemeClr val="accent1"/>
+          </a:fillRef>
+          <a:effectRef idx="0">
+            <a:schemeClr val="accent1"/>
+          </a:effectRef>
+          <a:fontRef idx="minor">
+            <a:schemeClr val="lt1"/>
+          </a:fontRef>
+        </p:style>
+        <p:txBody>
+          <a:bodyPr rtlCol="0" anchor="ctr">
+            <a:spAutoFit/>
+          </a:bodyPr>
+          <a:lstStyle/>
+          <a:p>
+            <a:pPr algn="ctr"/>
+            <a:r>
+              <a:rPr lang="en-US" dirty="0" smtClean="0"/>
+              <a:t>1906 Medium</a:t>
             </a:r>
             <a:endParaRPr lang="en-US" dirty="0"/>
           </a:p>
@@ -6343,7 +5764,7 @@
     </p:spTree>
     <p:extLst>
       <p:ext uri="{BB962C8B-B14F-4D97-AF65-F5344CB8AC3E}">
-        <p14:creationId xmlns:p14="http://schemas.microsoft.com/office/powerpoint/2010/main" val="1079015106"/>
+        <p14:creationId xmlns:p14="http://schemas.microsoft.com/office/powerpoint/2010/main" val="1407469876"/>
       </p:ext>
     </p:extLst>
   </p:cSld>
@@ -6386,115 +5807,84 @@
           <a:lstStyle/>
           <a:p>
             <a:r>
+              <a:rPr lang="en-US" dirty="0" smtClean="0"/>
+              <a:t>MOLECULAR MOTOR EXTENSION</a:t>
+            </a:r>
+            <a:endParaRPr lang="en-US" dirty="0"/>
+          </a:p>
+        </p:txBody>
+      </p:sp>
+      <p:sp>
+        <p:nvSpPr>
+          <p:cNvPr id="3" name="Text Placeholder 2"/>
+          <p:cNvSpPr>
+            <a:spLocks noGrp="1"/>
+          </p:cNvSpPr>
+          <p:nvPr>
+            <p:ph type="body" idx="1"/>
+          </p:nvPr>
+        </p:nvSpPr>
+        <p:spPr/>
+        <p:txBody>
+          <a:bodyPr/>
+          <a:lstStyle/>
+          <a:p>
+            <a:pPr marL="457200" lvl="1" indent="-457200">
+              <a:buFont typeface="Arial" pitchFamily="34" charset="0"/>
+              <a:buChar char="•"/>
+            </a:pPr>
+            <a:r>
               <a:rPr lang="en-US" sz="3200" dirty="0" smtClean="0"/>
-              <a:t>3D Tube Structure Output (</a:t>
-            </a:r>
-            <a:r>
-              <a:rPr lang="en-US" sz="3200" dirty="0" err="1" smtClean="0"/>
-              <a:t>tubes.mma</a:t>
-            </a:r>
-            <a:r>
-              <a:rPr lang="en-US" sz="3200" dirty="0" smtClean="0"/>
-              <a:t>)</a:t>
-            </a:r>
-            <a:endParaRPr lang="en-US" sz="3200" dirty="0"/>
-          </a:p>
-        </p:txBody>
-      </p:sp>
-      <p:pic>
-        <p:nvPicPr>
-          <p:cNvPr id="3" name="Picture 2"/>
-          <p:cNvPicPr>
-            <a:picLocks noChangeAspect="1"/>
-          </p:cNvPicPr>
-          <p:nvPr/>
-        </p:nvPicPr>
-        <p:blipFill>
-          <a:blip r:embed="rId2">
-            <a:extLst>
-              <a:ext uri="{28A0092B-C50C-407E-A947-70E740481C1C}">
-                <a14:useLocalDpi xmlns:a14="http://schemas.microsoft.com/office/drawing/2010/main" val="0"/>
-              </a:ext>
-            </a:extLst>
-          </a:blip>
-          <a:stretch>
-            <a:fillRect/>
-          </a:stretch>
-        </p:blipFill>
-        <p:spPr>
-          <a:xfrm>
-            <a:off x="2284943" y="1367017"/>
-            <a:ext cx="4311405" cy="5490983"/>
-          </a:xfrm>
-          <a:prstGeom prst="rect">
-            <a:avLst/>
-          </a:prstGeom>
-        </p:spPr>
-      </p:pic>
-      <p:sp>
-        <p:nvSpPr>
-          <p:cNvPr id="4" name="TextBox 3"/>
-          <p:cNvSpPr txBox="1"/>
-          <p:nvPr/>
-        </p:nvSpPr>
-        <p:spPr>
-          <a:xfrm>
-            <a:off x="1085576" y="3958619"/>
-            <a:ext cx="1199367" cy="307777"/>
-          </a:xfrm>
-          <a:prstGeom prst="rect">
-            <a:avLst/>
-          </a:prstGeom>
-          <a:noFill/>
-        </p:spPr>
-        <p:txBody>
-          <a:bodyPr wrap="none" rtlCol="0">
-            <a:spAutoFit/>
-          </a:bodyPr>
-          <a:lstStyle/>
-          <a:p>
-            <a:r>
-              <a:rPr lang="en-US" dirty="0" smtClean="0"/>
-              <a:t>microtubules</a:t>
-            </a:r>
-            <a:endParaRPr lang="en-US" dirty="0"/>
-          </a:p>
-        </p:txBody>
-      </p:sp>
-      <p:sp>
-        <p:nvSpPr>
-          <p:cNvPr id="5" name="TextBox 4"/>
-          <p:cNvSpPr txBox="1"/>
-          <p:nvPr/>
-        </p:nvSpPr>
-        <p:spPr>
-          <a:xfrm>
-            <a:off x="2631689" y="6302668"/>
-            <a:ext cx="3679212" cy="307777"/>
-          </a:xfrm>
-          <a:prstGeom prst="rect">
-            <a:avLst/>
-          </a:prstGeom>
-          <a:noFill/>
-        </p:spPr>
-        <p:txBody>
-          <a:bodyPr wrap="none" rtlCol="0">
-            <a:spAutoFit/>
-          </a:bodyPr>
-          <a:lstStyle/>
-          <a:p>
-            <a:r>
-              <a:rPr lang="en-US" dirty="0" smtClean="0"/>
-              <a:t>Stephen F Bush (bushsf@research.ge.com)</a:t>
-            </a:r>
-            <a:endParaRPr lang="en-US" dirty="0"/>
+              <a:t>Implements </a:t>
+            </a:r>
+            <a:r>
+              <a:rPr lang="en-US" sz="3200" dirty="0"/>
+              <a:t>another use-case for the reference model</a:t>
+            </a:r>
+          </a:p>
+          <a:p>
+            <a:pPr marL="457200" lvl="1" indent="-457200">
+              <a:buFont typeface="Arial" pitchFamily="34" charset="0"/>
+              <a:buChar char="•"/>
+            </a:pPr>
+            <a:r>
+              <a:rPr lang="en-US" sz="3200" dirty="0">
+                <a:solidFill>
+                  <a:srgbClr val="FF0000"/>
+                </a:solidFill>
+              </a:rPr>
+              <a:t>Briefly summarize the component class </a:t>
+            </a:r>
+            <a:r>
+              <a:rPr lang="en-US" sz="3200" dirty="0" smtClean="0">
+                <a:solidFill>
+                  <a:srgbClr val="FF0000"/>
+                </a:solidFill>
+              </a:rPr>
+              <a:t>enhancements</a:t>
+            </a:r>
+          </a:p>
+          <a:p>
+            <a:pPr marL="457200" lvl="1" indent="-457200">
+              <a:buFont typeface="Arial" pitchFamily="34" charset="0"/>
+              <a:buChar char="•"/>
+            </a:pPr>
+            <a:r>
+              <a:rPr lang="en-US" sz="3200">
+                <a:solidFill>
+                  <a:srgbClr val="FF0000"/>
+                </a:solidFill>
+              </a:rPr>
+              <a:t>See ../html/classns3_1_1_p1906_m_o_l___microtubules_field.html</a:t>
+            </a:r>
+            <a:endParaRPr lang="en-US" sz="4000" dirty="0"/>
           </a:p>
         </p:txBody>
       </p:sp>
     </p:spTree>
     <p:extLst>
       <p:ext uri="{BB962C8B-B14F-4D97-AF65-F5344CB8AC3E}">
-        <p14:creationId xmlns:p14="http://schemas.microsoft.com/office/powerpoint/2010/main" val="974534190"/>
+        <p14:creationId xmlns:p14="http://schemas.microsoft.com/office/powerpoint/2010/main" val="395092283"/>
       </p:ext>
     </p:extLst>
   </p:cSld>
@@ -6538,83 +5928,1423 @@
           <a:p>
             <a:r>
               <a:rPr lang="en-US" dirty="0" smtClean="0"/>
-              <a:t>3D Tube Intersection Points (</a:t>
-            </a:r>
-            <a:r>
-              <a:rPr lang="en-US" dirty="0" err="1" smtClean="0"/>
-              <a:t>pfile.mma</a:t>
-            </a:r>
-            <a:r>
-              <a:rPr lang="en-US" dirty="0" smtClean="0"/>
-              <a:t>)</a:t>
+              <a:t>MOLECULAR MOTOR TO 1906 MAP</a:t>
             </a:r>
             <a:endParaRPr lang="en-US" dirty="0"/>
           </a:p>
         </p:txBody>
       </p:sp>
-      <p:pic>
-        <p:nvPicPr>
-          <p:cNvPr id="3" name="Picture 2"/>
-          <p:cNvPicPr>
-            <a:picLocks noChangeAspect="1"/>
-          </p:cNvPicPr>
-          <p:nvPr/>
-        </p:nvPicPr>
-        <p:blipFill>
-          <a:blip r:embed="rId2">
-            <a:extLst>
-              <a:ext uri="{28A0092B-C50C-407E-A947-70E740481C1C}">
-                <a14:useLocalDpi xmlns:a14="http://schemas.microsoft.com/office/drawing/2010/main" val="0"/>
-              </a:ext>
-            </a:extLst>
-          </a:blip>
-          <a:stretch>
-            <a:fillRect/>
-          </a:stretch>
-        </p:blipFill>
-        <p:spPr>
-          <a:xfrm>
-            <a:off x="2795246" y="1367017"/>
-            <a:ext cx="4425705" cy="5490983"/>
-          </a:xfrm>
-          <a:prstGeom prst="rect">
-            <a:avLst/>
-          </a:prstGeom>
-        </p:spPr>
-      </p:pic>
+      <p:graphicFrame>
+        <p:nvGraphicFramePr>
+          <p:cNvPr id="5" name="Table 4"/>
+          <p:cNvGraphicFramePr>
+            <a:graphicFrameLocks noGrp="1"/>
+          </p:cNvGraphicFramePr>
+          <p:nvPr>
+            <p:extLst>
+              <p:ext uri="{D42A27DB-BD31-4B8C-83A1-F6EECF244321}">
+                <p14:modId xmlns:p14="http://schemas.microsoft.com/office/powerpoint/2010/main" val="898066175"/>
+              </p:ext>
+            </p:extLst>
+          </p:nvPr>
+        </p:nvGraphicFramePr>
+        <p:xfrm>
+          <a:off x="706030" y="1680065"/>
+          <a:ext cx="7530529" cy="4252413"/>
+        </p:xfrm>
+        <a:graphic>
+          <a:graphicData uri="http://schemas.openxmlformats.org/drawingml/2006/table">
+            <a:tbl>
+              <a:tblPr/>
+              <a:tblGrid>
+                <a:gridCol w="2939962"/>
+                <a:gridCol w="4590567"/>
+              </a:tblGrid>
+              <a:tr h="302887">
+                <a:tc>
+                  <a:txBody>
+                    <a:bodyPr/>
+                    <a:lstStyle/>
+                    <a:p>
+                      <a:pPr marL="0" marR="0">
+                        <a:spcBef>
+                          <a:spcPts val="0"/>
+                        </a:spcBef>
+                        <a:spcAft>
+                          <a:spcPts val="0"/>
+                        </a:spcAft>
+                      </a:pPr>
+                      <a:r>
+                        <a:rPr lang="en-GB" sz="2000" b="1" dirty="0">
+                          <a:effectLst/>
+                          <a:latin typeface="Times New Roman"/>
+                          <a:ea typeface="Times New Roman"/>
+                        </a:rPr>
+                        <a:t>P1906.1 Component</a:t>
+                      </a:r>
+                      <a:endParaRPr lang="en-US" sz="3200" b="1" dirty="0">
+                        <a:effectLst/>
+                        <a:latin typeface="Times New Roman"/>
+                        <a:ea typeface="Times New Roman"/>
+                      </a:endParaRPr>
+                    </a:p>
+                  </a:txBody>
+                  <a:tcPr marL="68580" marR="68580" marT="0" marB="0" anchor="ctr">
+                    <a:lnL w="19050" cap="flat" cmpd="sng" algn="ctr">
+                      <a:solidFill>
+                        <a:srgbClr val="000000"/>
+                      </a:solidFill>
+                      <a:prstDash val="solid"/>
+                      <a:round/>
+                      <a:headEnd type="none" w="med" len="med"/>
+                      <a:tailEnd type="none" w="med" len="med"/>
+                    </a:lnL>
+                    <a:lnR>
+                      <a:noFill/>
+                    </a:lnR>
+                    <a:lnT w="19050" cap="flat" cmpd="sng" algn="ctr">
+                      <a:solidFill>
+                        <a:srgbClr val="000000"/>
+                      </a:solidFill>
+                      <a:prstDash val="solid"/>
+                      <a:round/>
+                      <a:headEnd type="none" w="med" len="med"/>
+                      <a:tailEnd type="none" w="med" len="med"/>
+                    </a:lnT>
+                    <a:lnB w="12700" cap="flat" cmpd="sng" algn="ctr">
+                      <a:solidFill>
+                        <a:srgbClr val="000000"/>
+                      </a:solidFill>
+                      <a:prstDash val="solid"/>
+                      <a:round/>
+                      <a:headEnd type="none" w="med" len="med"/>
+                      <a:tailEnd type="none" w="med" len="med"/>
+                    </a:lnB>
+                  </a:tcPr>
+                </a:tc>
+                <a:tc>
+                  <a:txBody>
+                    <a:bodyPr/>
+                    <a:lstStyle/>
+                    <a:p>
+                      <a:pPr marL="0" marR="0">
+                        <a:spcBef>
+                          <a:spcPts val="0"/>
+                        </a:spcBef>
+                        <a:spcAft>
+                          <a:spcPts val="0"/>
+                        </a:spcAft>
+                      </a:pPr>
+                      <a:r>
+                        <a:rPr lang="en-GB" sz="2000" b="1" dirty="0" smtClean="0">
+                          <a:effectLst/>
+                          <a:latin typeface="Times New Roman"/>
+                          <a:ea typeface="Times New Roman"/>
+                        </a:rPr>
+                        <a:t>Molecular Motor</a:t>
+                      </a:r>
+                      <a:endParaRPr lang="en-US" sz="3200" b="1" dirty="0">
+                        <a:effectLst/>
+                        <a:latin typeface="Times New Roman"/>
+                        <a:ea typeface="Times New Roman"/>
+                      </a:endParaRPr>
+                    </a:p>
+                  </a:txBody>
+                  <a:tcPr marL="68580" marR="68580" marT="0" marB="0" anchor="ctr">
+                    <a:lnL>
+                      <a:noFill/>
+                    </a:lnL>
+                    <a:lnR w="19050" cap="flat" cmpd="sng" algn="ctr">
+                      <a:solidFill>
+                        <a:srgbClr val="000000"/>
+                      </a:solidFill>
+                      <a:prstDash val="solid"/>
+                      <a:round/>
+                      <a:headEnd type="none" w="med" len="med"/>
+                      <a:tailEnd type="none" w="med" len="med"/>
+                    </a:lnR>
+                    <a:lnT w="19050" cap="flat" cmpd="sng" algn="ctr">
+                      <a:solidFill>
+                        <a:srgbClr val="000000"/>
+                      </a:solidFill>
+                      <a:prstDash val="solid"/>
+                      <a:round/>
+                      <a:headEnd type="none" w="med" len="med"/>
+                      <a:tailEnd type="none" w="med" len="med"/>
+                    </a:lnT>
+                    <a:lnB w="12700" cap="flat" cmpd="sng" algn="ctr">
+                      <a:solidFill>
+                        <a:srgbClr val="000000"/>
+                      </a:solidFill>
+                      <a:prstDash val="solid"/>
+                      <a:round/>
+                      <a:headEnd type="none" w="med" len="med"/>
+                      <a:tailEnd type="none" w="med" len="med"/>
+                    </a:lnB>
+                  </a:tcPr>
+                </a:tc>
+              </a:tr>
+              <a:tr h="302887">
+                <a:tc>
+                  <a:txBody>
+                    <a:bodyPr/>
+                    <a:lstStyle/>
+                    <a:p>
+                      <a:pPr marL="0" marR="0" algn="l">
+                        <a:spcBef>
+                          <a:spcPts val="0"/>
+                        </a:spcBef>
+                        <a:spcAft>
+                          <a:spcPts val="0"/>
+                        </a:spcAft>
+                      </a:pPr>
+                      <a:r>
+                        <a:rPr lang="en-US" sz="1400" dirty="0">
+                          <a:effectLst/>
+                          <a:latin typeface="Times New Roman"/>
+                          <a:ea typeface="Times New Roman"/>
+                        </a:rPr>
+                        <a:t>Message Carrier</a:t>
+                      </a:r>
+                    </a:p>
+                  </a:txBody>
+                  <a:tcPr marL="68580" marR="68580" marT="0" marB="0" anchor="ctr">
+                    <a:lnL w="19050" cap="flat" cmpd="sng" algn="ctr">
+                      <a:solidFill>
+                        <a:srgbClr val="000000"/>
+                      </a:solidFill>
+                      <a:prstDash val="solid"/>
+                      <a:round/>
+                      <a:headEnd type="none" w="med" len="med"/>
+                      <a:tailEnd type="none" w="med" len="med"/>
+                    </a:lnL>
+                    <a:lnR>
+                      <a:noFill/>
+                    </a:lnR>
+                    <a:lnT w="12700" cap="flat" cmpd="sng" algn="ctr">
+                      <a:solidFill>
+                        <a:srgbClr val="000000"/>
+                      </a:solidFill>
+                      <a:prstDash val="solid"/>
+                      <a:round/>
+                      <a:headEnd type="none" w="med" len="med"/>
+                      <a:tailEnd type="none" w="med" len="med"/>
+                    </a:lnT>
+                    <a:lnB w="12700" cap="flat" cmpd="sng" algn="ctr">
+                      <a:solidFill>
+                        <a:srgbClr val="000000"/>
+                      </a:solidFill>
+                      <a:prstDash val="solid"/>
+                      <a:round/>
+                      <a:headEnd type="none" w="med" len="med"/>
+                      <a:tailEnd type="none" w="med" len="med"/>
+                    </a:lnB>
+                  </a:tcPr>
+                </a:tc>
+                <a:tc>
+                  <a:txBody>
+                    <a:bodyPr/>
+                    <a:lstStyle/>
+                    <a:p>
+                      <a:pPr marL="0" marR="0" algn="l">
+                        <a:spcBef>
+                          <a:spcPts val="0"/>
+                        </a:spcBef>
+                        <a:spcAft>
+                          <a:spcPts val="0"/>
+                        </a:spcAft>
+                      </a:pPr>
+                      <a:r>
+                        <a:rPr lang="en-US" sz="1400">
+                          <a:effectLst/>
+                          <a:latin typeface="Times New Roman"/>
+                          <a:ea typeface="Times New Roman"/>
+                        </a:rPr>
+                        <a:t>Molecular Motor + cargo</a:t>
+                      </a:r>
+                    </a:p>
+                  </a:txBody>
+                  <a:tcPr marL="68580" marR="68580" marT="0" marB="0" anchor="ctr">
+                    <a:lnL>
+                      <a:noFill/>
+                    </a:lnL>
+                    <a:lnR w="19050" cap="flat" cmpd="sng" algn="ctr">
+                      <a:solidFill>
+                        <a:srgbClr val="000000"/>
+                      </a:solidFill>
+                      <a:prstDash val="solid"/>
+                      <a:round/>
+                      <a:headEnd type="none" w="med" len="med"/>
+                      <a:tailEnd type="none" w="med" len="med"/>
+                    </a:lnR>
+                    <a:lnT w="12700" cap="flat" cmpd="sng" algn="ctr">
+                      <a:solidFill>
+                        <a:srgbClr val="000000"/>
+                      </a:solidFill>
+                      <a:prstDash val="solid"/>
+                      <a:round/>
+                      <a:headEnd type="none" w="med" len="med"/>
+                      <a:tailEnd type="none" w="med" len="med"/>
+                    </a:lnT>
+                    <a:lnB w="12700" cap="flat" cmpd="sng" algn="ctr">
+                      <a:solidFill>
+                        <a:srgbClr val="000000"/>
+                      </a:solidFill>
+                      <a:prstDash val="solid"/>
+                      <a:round/>
+                      <a:headEnd type="none" w="med" len="med"/>
+                      <a:tailEnd type="none" w="med" len="med"/>
+                    </a:lnB>
+                  </a:tcPr>
+                </a:tc>
+              </a:tr>
+              <a:tr h="302887">
+                <a:tc>
+                  <a:txBody>
+                    <a:bodyPr/>
+                    <a:lstStyle/>
+                    <a:p>
+                      <a:pPr marL="0" marR="0" algn="l">
+                        <a:spcBef>
+                          <a:spcPts val="0"/>
+                        </a:spcBef>
+                        <a:spcAft>
+                          <a:spcPts val="0"/>
+                        </a:spcAft>
+                      </a:pPr>
+                      <a:r>
+                        <a:rPr lang="en-US" sz="1400" dirty="0">
+                          <a:effectLst/>
+                          <a:latin typeface="Times New Roman"/>
+                          <a:ea typeface="Times New Roman"/>
+                        </a:rPr>
+                        <a:t>Motion/Flow/Thrust Potential</a:t>
+                      </a:r>
+                    </a:p>
+                  </a:txBody>
+                  <a:tcPr marL="68580" marR="68580" marT="0" marB="0" anchor="ctr">
+                    <a:lnL w="19050" cap="flat" cmpd="sng" algn="ctr">
+                      <a:solidFill>
+                        <a:srgbClr val="000000"/>
+                      </a:solidFill>
+                      <a:prstDash val="solid"/>
+                      <a:round/>
+                      <a:headEnd type="none" w="med" len="med"/>
+                      <a:tailEnd type="none" w="med" len="med"/>
+                    </a:lnL>
+                    <a:lnR>
+                      <a:noFill/>
+                    </a:lnR>
+                    <a:lnT w="12700" cap="flat" cmpd="sng" algn="ctr">
+                      <a:solidFill>
+                        <a:srgbClr val="000000"/>
+                      </a:solidFill>
+                      <a:prstDash val="solid"/>
+                      <a:round/>
+                      <a:headEnd type="none" w="med" len="med"/>
+                      <a:tailEnd type="none" w="med" len="med"/>
+                    </a:lnT>
+                    <a:lnB w="12700" cap="flat" cmpd="sng" algn="ctr">
+                      <a:solidFill>
+                        <a:srgbClr val="000000"/>
+                      </a:solidFill>
+                      <a:prstDash val="solid"/>
+                      <a:round/>
+                      <a:headEnd type="none" w="med" len="med"/>
+                      <a:tailEnd type="none" w="med" len="med"/>
+                    </a:lnB>
+                  </a:tcPr>
+                </a:tc>
+                <a:tc>
+                  <a:txBody>
+                    <a:bodyPr/>
+                    <a:lstStyle/>
+                    <a:p>
+                      <a:pPr marL="0" marR="0" algn="l">
+                        <a:spcBef>
+                          <a:spcPts val="0"/>
+                        </a:spcBef>
+                        <a:spcAft>
+                          <a:spcPts val="0"/>
+                        </a:spcAft>
+                      </a:pPr>
+                      <a:r>
+                        <a:rPr lang="en-US" sz="1400" dirty="0">
+                          <a:effectLst/>
+                          <a:latin typeface="Times New Roman"/>
+                          <a:ea typeface="Times New Roman"/>
+                        </a:rPr>
+                        <a:t>Walking + directed diffusion</a:t>
+                      </a:r>
+                    </a:p>
+                  </a:txBody>
+                  <a:tcPr marL="68580" marR="68580" marT="0" marB="0" anchor="ctr">
+                    <a:lnL>
+                      <a:noFill/>
+                    </a:lnL>
+                    <a:lnR w="19050" cap="flat" cmpd="sng" algn="ctr">
+                      <a:solidFill>
+                        <a:srgbClr val="000000"/>
+                      </a:solidFill>
+                      <a:prstDash val="solid"/>
+                      <a:round/>
+                      <a:headEnd type="none" w="med" len="med"/>
+                      <a:tailEnd type="none" w="med" len="med"/>
+                    </a:lnR>
+                    <a:lnT w="12700" cap="flat" cmpd="sng" algn="ctr">
+                      <a:solidFill>
+                        <a:srgbClr val="000000"/>
+                      </a:solidFill>
+                      <a:prstDash val="solid"/>
+                      <a:round/>
+                      <a:headEnd type="none" w="med" len="med"/>
+                      <a:tailEnd type="none" w="med" len="med"/>
+                    </a:lnT>
+                    <a:lnB w="12700" cap="flat" cmpd="sng" algn="ctr">
+                      <a:solidFill>
+                        <a:srgbClr val="000000"/>
+                      </a:solidFill>
+                      <a:prstDash val="solid"/>
+                      <a:round/>
+                      <a:headEnd type="none" w="med" len="med"/>
+                      <a:tailEnd type="none" w="med" len="med"/>
+                    </a:lnB>
+                  </a:tcPr>
+                </a:tc>
+              </a:tr>
+              <a:tr h="504813">
+                <a:tc>
+                  <a:txBody>
+                    <a:bodyPr/>
+                    <a:lstStyle/>
+                    <a:p>
+                      <a:pPr marL="0" marR="0" algn="l">
+                        <a:spcBef>
+                          <a:spcPts val="0"/>
+                        </a:spcBef>
+                        <a:spcAft>
+                          <a:spcPts val="0"/>
+                        </a:spcAft>
+                      </a:pPr>
+                      <a:r>
+                        <a:rPr lang="en-US" sz="1400">
+                          <a:effectLst/>
+                          <a:latin typeface="Times New Roman"/>
+                          <a:ea typeface="Times New Roman"/>
+                        </a:rPr>
+                        <a:t>Field</a:t>
+                      </a:r>
+                    </a:p>
+                  </a:txBody>
+                  <a:tcPr marL="68580" marR="68580" marT="0" marB="0" anchor="ctr">
+                    <a:lnL w="19050" cap="flat" cmpd="sng" algn="ctr">
+                      <a:solidFill>
+                        <a:srgbClr val="000000"/>
+                      </a:solidFill>
+                      <a:prstDash val="solid"/>
+                      <a:round/>
+                      <a:headEnd type="none" w="med" len="med"/>
+                      <a:tailEnd type="none" w="med" len="med"/>
+                    </a:lnL>
+                    <a:lnR>
+                      <a:noFill/>
+                    </a:lnR>
+                    <a:lnT w="12700" cap="flat" cmpd="sng" algn="ctr">
+                      <a:solidFill>
+                        <a:srgbClr val="000000"/>
+                      </a:solidFill>
+                      <a:prstDash val="solid"/>
+                      <a:round/>
+                      <a:headEnd type="none" w="med" len="med"/>
+                      <a:tailEnd type="none" w="med" len="med"/>
+                    </a:lnT>
+                    <a:lnB w="12700" cap="flat" cmpd="sng" algn="ctr">
+                      <a:solidFill>
+                        <a:srgbClr val="000000"/>
+                      </a:solidFill>
+                      <a:prstDash val="solid"/>
+                      <a:round/>
+                      <a:headEnd type="none" w="med" len="med"/>
+                      <a:tailEnd type="none" w="med" len="med"/>
+                    </a:lnB>
+                  </a:tcPr>
+                </a:tc>
+                <a:tc>
+                  <a:txBody>
+                    <a:bodyPr/>
+                    <a:lstStyle/>
+                    <a:p>
+                      <a:pPr marL="0" marR="0" algn="l">
+                        <a:spcBef>
+                          <a:spcPts val="0"/>
+                        </a:spcBef>
+                        <a:spcAft>
+                          <a:spcPts val="0"/>
+                        </a:spcAft>
+                      </a:pPr>
+                      <a:r>
+                        <a:rPr lang="en-US" sz="1400" dirty="0">
+                          <a:effectLst/>
+                          <a:latin typeface="Times New Roman"/>
+                          <a:ea typeface="Times New Roman"/>
+                        </a:rPr>
+                        <a:t>Microtubule  polarity and connectivity</a:t>
+                      </a:r>
+                    </a:p>
+                  </a:txBody>
+                  <a:tcPr marL="68580" marR="68580" marT="0" marB="0" anchor="ctr">
+                    <a:lnL>
+                      <a:noFill/>
+                    </a:lnL>
+                    <a:lnR w="19050" cap="flat" cmpd="sng" algn="ctr">
+                      <a:solidFill>
+                        <a:srgbClr val="000000"/>
+                      </a:solidFill>
+                      <a:prstDash val="solid"/>
+                      <a:round/>
+                      <a:headEnd type="none" w="med" len="med"/>
+                      <a:tailEnd type="none" w="med" len="med"/>
+                    </a:lnR>
+                    <a:lnT w="12700" cap="flat" cmpd="sng" algn="ctr">
+                      <a:solidFill>
+                        <a:srgbClr val="000000"/>
+                      </a:solidFill>
+                      <a:prstDash val="solid"/>
+                      <a:round/>
+                      <a:headEnd type="none" w="med" len="med"/>
+                      <a:tailEnd type="none" w="med" len="med"/>
+                    </a:lnT>
+                    <a:lnB w="12700" cap="flat" cmpd="sng" algn="ctr">
+                      <a:solidFill>
+                        <a:srgbClr val="000000"/>
+                      </a:solidFill>
+                      <a:prstDash val="solid"/>
+                      <a:round/>
+                      <a:headEnd type="none" w="med" len="med"/>
+                      <a:tailEnd type="none" w="med" len="med"/>
+                    </a:lnB>
+                  </a:tcPr>
+                </a:tc>
+              </a:tr>
+              <a:tr h="408889">
+                <a:tc>
+                  <a:txBody>
+                    <a:bodyPr/>
+                    <a:lstStyle/>
+                    <a:p>
+                      <a:pPr marL="0" marR="0" algn="l">
+                        <a:spcBef>
+                          <a:spcPts val="0"/>
+                        </a:spcBef>
+                        <a:spcAft>
+                          <a:spcPts val="0"/>
+                        </a:spcAft>
+                      </a:pPr>
+                      <a:r>
+                        <a:rPr lang="en-US" sz="1400">
+                          <a:effectLst/>
+                          <a:latin typeface="Times New Roman"/>
+                          <a:ea typeface="Times New Roman"/>
+                        </a:rPr>
+                        <a:t>Perturbation</a:t>
+                      </a:r>
+                    </a:p>
+                  </a:txBody>
+                  <a:tcPr marL="68580" marR="68580" marT="0" marB="0" anchor="ctr">
+                    <a:lnL w="19050" cap="flat" cmpd="sng" algn="ctr">
+                      <a:solidFill>
+                        <a:srgbClr val="000000"/>
+                      </a:solidFill>
+                      <a:prstDash val="solid"/>
+                      <a:round/>
+                      <a:headEnd type="none" w="med" len="med"/>
+                      <a:tailEnd type="none" w="med" len="med"/>
+                    </a:lnL>
+                    <a:lnR>
+                      <a:noFill/>
+                    </a:lnR>
+                    <a:lnT w="12700" cap="flat" cmpd="sng" algn="ctr">
+                      <a:solidFill>
+                        <a:srgbClr val="000000"/>
+                      </a:solidFill>
+                      <a:prstDash val="solid"/>
+                      <a:round/>
+                      <a:headEnd type="none" w="med" len="med"/>
+                      <a:tailEnd type="none" w="med" len="med"/>
+                    </a:lnT>
+                    <a:lnB w="12700" cap="flat" cmpd="sng" algn="ctr">
+                      <a:solidFill>
+                        <a:srgbClr val="000000"/>
+                      </a:solidFill>
+                      <a:prstDash val="solid"/>
+                      <a:round/>
+                      <a:headEnd type="none" w="med" len="med"/>
+                      <a:tailEnd type="none" w="med" len="med"/>
+                    </a:lnB>
+                  </a:tcPr>
+                </a:tc>
+                <a:tc>
+                  <a:txBody>
+                    <a:bodyPr/>
+                    <a:lstStyle/>
+                    <a:p>
+                      <a:pPr marL="0" marR="0" algn="l">
+                        <a:spcBef>
+                          <a:spcPts val="0"/>
+                        </a:spcBef>
+                        <a:spcAft>
+                          <a:spcPts val="0"/>
+                        </a:spcAft>
+                      </a:pPr>
+                      <a:r>
+                        <a:rPr lang="en-US" sz="1400" dirty="0">
+                          <a:effectLst/>
+                          <a:latin typeface="Times New Roman"/>
+                          <a:ea typeface="Times New Roman"/>
+                        </a:rPr>
+                        <a:t>Change in number and types of molecules inside the cargo</a:t>
+                      </a:r>
+                    </a:p>
+                  </a:txBody>
+                  <a:tcPr marL="68580" marR="68580" marT="0" marB="0" anchor="ctr">
+                    <a:lnL>
+                      <a:noFill/>
+                    </a:lnL>
+                    <a:lnR w="19050" cap="flat" cmpd="sng" algn="ctr">
+                      <a:solidFill>
+                        <a:srgbClr val="000000"/>
+                      </a:solidFill>
+                      <a:prstDash val="solid"/>
+                      <a:round/>
+                      <a:headEnd type="none" w="med" len="med"/>
+                      <a:tailEnd type="none" w="med" len="med"/>
+                    </a:lnR>
+                    <a:lnT w="12700" cap="flat" cmpd="sng" algn="ctr">
+                      <a:solidFill>
+                        <a:srgbClr val="000000"/>
+                      </a:solidFill>
+                      <a:prstDash val="solid"/>
+                      <a:round/>
+                      <a:headEnd type="none" w="med" len="med"/>
+                      <a:tailEnd type="none" w="med" len="med"/>
+                    </a:lnT>
+                    <a:lnB w="12700" cap="flat" cmpd="sng" algn="ctr">
+                      <a:solidFill>
+                        <a:srgbClr val="000000"/>
+                      </a:solidFill>
+                      <a:prstDash val="solid"/>
+                      <a:round/>
+                      <a:headEnd type="none" w="med" len="med"/>
+                      <a:tailEnd type="none" w="med" len="med"/>
+                    </a:lnB>
+                  </a:tcPr>
+                </a:tc>
+              </a:tr>
+              <a:tr h="302887">
+                <a:tc>
+                  <a:txBody>
+                    <a:bodyPr/>
+                    <a:lstStyle/>
+                    <a:p>
+                      <a:pPr marL="0" marR="0" algn="l">
+                        <a:spcBef>
+                          <a:spcPts val="0"/>
+                        </a:spcBef>
+                        <a:spcAft>
+                          <a:spcPts val="0"/>
+                        </a:spcAft>
+                      </a:pPr>
+                      <a:r>
+                        <a:rPr lang="en-US" sz="1400">
+                          <a:effectLst/>
+                          <a:latin typeface="Times New Roman"/>
+                          <a:ea typeface="Times New Roman"/>
+                        </a:rPr>
+                        <a:t>Specificity</a:t>
+                      </a:r>
+                    </a:p>
+                  </a:txBody>
+                  <a:tcPr marL="68580" marR="68580" marT="0" marB="0" anchor="ctr">
+                    <a:lnL w="19050" cap="flat" cmpd="sng" algn="ctr">
+                      <a:solidFill>
+                        <a:srgbClr val="000000"/>
+                      </a:solidFill>
+                      <a:prstDash val="solid"/>
+                      <a:round/>
+                      <a:headEnd type="none" w="med" len="med"/>
+                      <a:tailEnd type="none" w="med" len="med"/>
+                    </a:lnL>
+                    <a:lnR>
+                      <a:noFill/>
+                    </a:lnR>
+                    <a:lnT w="12700" cap="flat" cmpd="sng" algn="ctr">
+                      <a:solidFill>
+                        <a:srgbClr val="000000"/>
+                      </a:solidFill>
+                      <a:prstDash val="solid"/>
+                      <a:round/>
+                      <a:headEnd type="none" w="med" len="med"/>
+                      <a:tailEnd type="none" w="med" len="med"/>
+                    </a:lnT>
+                    <a:lnB w="12700" cap="flat" cmpd="sng" algn="ctr">
+                      <a:solidFill>
+                        <a:srgbClr val="000000"/>
+                      </a:solidFill>
+                      <a:prstDash val="solid"/>
+                      <a:round/>
+                      <a:headEnd type="none" w="med" len="med"/>
+                      <a:tailEnd type="none" w="med" len="med"/>
+                    </a:lnB>
+                  </a:tcPr>
+                </a:tc>
+                <a:tc>
+                  <a:txBody>
+                    <a:bodyPr/>
+                    <a:lstStyle/>
+                    <a:p>
+                      <a:pPr marL="0" marR="0" algn="l">
+                        <a:spcBef>
+                          <a:spcPts val="0"/>
+                        </a:spcBef>
+                        <a:spcAft>
+                          <a:spcPts val="0"/>
+                        </a:spcAft>
+                      </a:pPr>
+                      <a:r>
+                        <a:rPr lang="en-US" sz="1400" dirty="0">
+                          <a:effectLst/>
+                          <a:latin typeface="Times New Roman"/>
+                          <a:ea typeface="Times New Roman"/>
+                        </a:rPr>
+                        <a:t>Receptor sensitivity to cargo</a:t>
+                      </a:r>
+                    </a:p>
+                  </a:txBody>
+                  <a:tcPr marL="68580" marR="68580" marT="0" marB="0" anchor="ctr">
+                    <a:lnL>
+                      <a:noFill/>
+                    </a:lnL>
+                    <a:lnR w="19050" cap="flat" cmpd="sng" algn="ctr">
+                      <a:solidFill>
+                        <a:srgbClr val="000000"/>
+                      </a:solidFill>
+                      <a:prstDash val="solid"/>
+                      <a:round/>
+                      <a:headEnd type="none" w="med" len="med"/>
+                      <a:tailEnd type="none" w="med" len="med"/>
+                    </a:lnR>
+                    <a:lnT w="12700" cap="flat" cmpd="sng" algn="ctr">
+                      <a:solidFill>
+                        <a:srgbClr val="000000"/>
+                      </a:solidFill>
+                      <a:prstDash val="solid"/>
+                      <a:round/>
+                      <a:headEnd type="none" w="med" len="med"/>
+                      <a:tailEnd type="none" w="med" len="med"/>
+                    </a:lnT>
+                    <a:lnB w="12700" cap="flat" cmpd="sng" algn="ctr">
+                      <a:solidFill>
+                        <a:srgbClr val="000000"/>
+                      </a:solidFill>
+                      <a:prstDash val="solid"/>
+                      <a:round/>
+                      <a:headEnd type="none" w="med" len="med"/>
+                      <a:tailEnd type="none" w="med" len="med"/>
+                    </a:lnB>
+                  </a:tcPr>
+                </a:tc>
+              </a:tr>
+              <a:tr h="302887">
+                <a:tc>
+                  <a:txBody>
+                    <a:bodyPr/>
+                    <a:lstStyle/>
+                    <a:p>
+                      <a:pPr marL="0" marR="0" algn="l">
+                        <a:spcBef>
+                          <a:spcPts val="0"/>
+                        </a:spcBef>
+                        <a:spcAft>
+                          <a:spcPts val="0"/>
+                        </a:spcAft>
+                      </a:pPr>
+                      <a:r>
+                        <a:rPr lang="en-US" sz="1400">
+                          <a:effectLst/>
+                          <a:latin typeface="Times New Roman"/>
+                          <a:ea typeface="Times New Roman"/>
+                        </a:rPr>
+                        <a:t>Message Carrier</a:t>
+                      </a:r>
+                    </a:p>
+                  </a:txBody>
+                  <a:tcPr marL="68580" marR="68580" marT="0" marB="0" anchor="ctr">
+                    <a:lnL w="19050" cap="flat" cmpd="sng" algn="ctr">
+                      <a:solidFill>
+                        <a:srgbClr val="000000"/>
+                      </a:solidFill>
+                      <a:prstDash val="solid"/>
+                      <a:round/>
+                      <a:headEnd type="none" w="med" len="med"/>
+                      <a:tailEnd type="none" w="med" len="med"/>
+                    </a:lnL>
+                    <a:lnR>
+                      <a:noFill/>
+                    </a:lnR>
+                    <a:lnT w="12700" cap="flat" cmpd="sng" algn="ctr">
+                      <a:solidFill>
+                        <a:srgbClr val="000000"/>
+                      </a:solidFill>
+                      <a:prstDash val="solid"/>
+                      <a:round/>
+                      <a:headEnd type="none" w="med" len="med"/>
+                      <a:tailEnd type="none" w="med" len="med"/>
+                    </a:lnT>
+                    <a:lnB w="12700" cap="flat" cmpd="sng" algn="ctr">
+                      <a:solidFill>
+                        <a:srgbClr val="000000"/>
+                      </a:solidFill>
+                      <a:prstDash val="solid"/>
+                      <a:round/>
+                      <a:headEnd type="none" w="med" len="med"/>
+                      <a:tailEnd type="none" w="med" len="med"/>
+                    </a:lnB>
+                  </a:tcPr>
+                </a:tc>
+                <a:tc>
+                  <a:txBody>
+                    <a:bodyPr/>
+                    <a:lstStyle/>
+                    <a:p>
+                      <a:pPr marL="0" marR="0" algn="l">
+                        <a:spcBef>
+                          <a:spcPts val="0"/>
+                        </a:spcBef>
+                        <a:spcAft>
+                          <a:spcPts val="0"/>
+                        </a:spcAft>
+                      </a:pPr>
+                      <a:r>
+                        <a:rPr lang="en-US" sz="1400" dirty="0">
+                          <a:effectLst/>
+                          <a:latin typeface="Times New Roman"/>
+                          <a:ea typeface="Times New Roman"/>
+                        </a:rPr>
+                        <a:t>Molecular Motor + cargo</a:t>
+                      </a:r>
+                    </a:p>
+                  </a:txBody>
+                  <a:tcPr marL="68580" marR="68580" marT="0" marB="0" anchor="ctr">
+                    <a:lnL>
+                      <a:noFill/>
+                    </a:lnL>
+                    <a:lnR w="19050" cap="flat" cmpd="sng" algn="ctr">
+                      <a:solidFill>
+                        <a:srgbClr val="000000"/>
+                      </a:solidFill>
+                      <a:prstDash val="solid"/>
+                      <a:round/>
+                      <a:headEnd type="none" w="med" len="med"/>
+                      <a:tailEnd type="none" w="med" len="med"/>
+                    </a:lnR>
+                    <a:lnT w="12700" cap="flat" cmpd="sng" algn="ctr">
+                      <a:solidFill>
+                        <a:srgbClr val="000000"/>
+                      </a:solidFill>
+                      <a:prstDash val="solid"/>
+                      <a:round/>
+                      <a:headEnd type="none" w="med" len="med"/>
+                      <a:tailEnd type="none" w="med" len="med"/>
+                    </a:lnT>
+                    <a:lnB w="12700" cap="flat" cmpd="sng" algn="ctr">
+                      <a:solidFill>
+                        <a:srgbClr val="000000"/>
+                      </a:solidFill>
+                      <a:prstDash val="solid"/>
+                      <a:round/>
+                      <a:headEnd type="none" w="med" len="med"/>
+                      <a:tailEnd type="none" w="med" len="med"/>
+                    </a:lnB>
+                  </a:tcPr>
+                </a:tc>
+              </a:tr>
+              <a:tr h="408889">
+                <a:tc>
+                  <a:txBody>
+                    <a:bodyPr/>
+                    <a:lstStyle/>
+                    <a:p>
+                      <a:pPr marL="0" marR="0" algn="l">
+                        <a:spcBef>
+                          <a:spcPts val="0"/>
+                        </a:spcBef>
+                        <a:spcAft>
+                          <a:spcPts val="0"/>
+                        </a:spcAft>
+                      </a:pPr>
+                      <a:r>
+                        <a:rPr lang="en-US" sz="1400">
+                          <a:effectLst/>
+                          <a:latin typeface="Times New Roman"/>
+                          <a:ea typeface="Times New Roman"/>
+                        </a:rPr>
+                        <a:t>Motion/Flow/Thrust Potential</a:t>
+                      </a:r>
+                    </a:p>
+                  </a:txBody>
+                  <a:tcPr marL="68580" marR="68580" marT="0" marB="0" anchor="ctr">
+                    <a:lnL w="19050" cap="flat" cmpd="sng" algn="ctr">
+                      <a:solidFill>
+                        <a:srgbClr val="000000"/>
+                      </a:solidFill>
+                      <a:prstDash val="solid"/>
+                      <a:round/>
+                      <a:headEnd type="none" w="med" len="med"/>
+                      <a:tailEnd type="none" w="med" len="med"/>
+                    </a:lnL>
+                    <a:lnR>
+                      <a:noFill/>
+                    </a:lnR>
+                    <a:lnT w="12700" cap="flat" cmpd="sng" algn="ctr">
+                      <a:solidFill>
+                        <a:srgbClr val="000000"/>
+                      </a:solidFill>
+                      <a:prstDash val="solid"/>
+                      <a:round/>
+                      <a:headEnd type="none" w="med" len="med"/>
+                      <a:tailEnd type="none" w="med" len="med"/>
+                    </a:lnT>
+                    <a:lnB w="12700" cap="flat" cmpd="sng" algn="ctr">
+                      <a:solidFill>
+                        <a:srgbClr val="000000"/>
+                      </a:solidFill>
+                      <a:prstDash val="solid"/>
+                      <a:round/>
+                      <a:headEnd type="none" w="med" len="med"/>
+                      <a:tailEnd type="none" w="med" len="med"/>
+                    </a:lnB>
+                  </a:tcPr>
+                </a:tc>
+                <a:tc>
+                  <a:txBody>
+                    <a:bodyPr/>
+                    <a:lstStyle/>
+                    <a:p>
+                      <a:pPr marL="0" marR="0" algn="l">
+                        <a:spcBef>
+                          <a:spcPts val="0"/>
+                        </a:spcBef>
+                        <a:spcAft>
+                          <a:spcPts val="0"/>
+                        </a:spcAft>
+                      </a:pPr>
+                      <a:r>
+                        <a:rPr lang="en-US" sz="1400" dirty="0">
+                          <a:effectLst/>
+                          <a:latin typeface="Times New Roman"/>
+                          <a:ea typeface="Times New Roman"/>
+                        </a:rPr>
+                        <a:t>Walking + directed diffusion</a:t>
+                      </a:r>
+                    </a:p>
+                  </a:txBody>
+                  <a:tcPr marL="68580" marR="68580" marT="0" marB="0" anchor="ctr">
+                    <a:lnL>
+                      <a:noFill/>
+                    </a:lnL>
+                    <a:lnR w="19050" cap="flat" cmpd="sng" algn="ctr">
+                      <a:solidFill>
+                        <a:srgbClr val="000000"/>
+                      </a:solidFill>
+                      <a:prstDash val="solid"/>
+                      <a:round/>
+                      <a:headEnd type="none" w="med" len="med"/>
+                      <a:tailEnd type="none" w="med" len="med"/>
+                    </a:lnR>
+                    <a:lnT w="12700" cap="flat" cmpd="sng" algn="ctr">
+                      <a:solidFill>
+                        <a:srgbClr val="000000"/>
+                      </a:solidFill>
+                      <a:prstDash val="solid"/>
+                      <a:round/>
+                      <a:headEnd type="none" w="med" len="med"/>
+                      <a:tailEnd type="none" w="med" len="med"/>
+                    </a:lnT>
+                    <a:lnB w="12700" cap="flat" cmpd="sng" algn="ctr">
+                      <a:solidFill>
+                        <a:srgbClr val="000000"/>
+                      </a:solidFill>
+                      <a:prstDash val="solid"/>
+                      <a:round/>
+                      <a:headEnd type="none" w="med" len="med"/>
+                      <a:tailEnd type="none" w="med" len="med"/>
+                    </a:lnB>
+                  </a:tcPr>
+                </a:tc>
+              </a:tr>
+              <a:tr h="504813">
+                <a:tc>
+                  <a:txBody>
+                    <a:bodyPr/>
+                    <a:lstStyle/>
+                    <a:p>
+                      <a:pPr marL="0" marR="0" algn="l">
+                        <a:spcBef>
+                          <a:spcPts val="0"/>
+                        </a:spcBef>
+                        <a:spcAft>
+                          <a:spcPts val="0"/>
+                        </a:spcAft>
+                      </a:pPr>
+                      <a:r>
+                        <a:rPr lang="en-US" sz="1400">
+                          <a:effectLst/>
+                          <a:latin typeface="Times New Roman"/>
+                          <a:ea typeface="Times New Roman"/>
+                        </a:rPr>
+                        <a:t>Field</a:t>
+                      </a:r>
+                    </a:p>
+                  </a:txBody>
+                  <a:tcPr marL="68580" marR="68580" marT="0" marB="0" anchor="ctr">
+                    <a:lnL w="19050" cap="flat" cmpd="sng" algn="ctr">
+                      <a:solidFill>
+                        <a:srgbClr val="000000"/>
+                      </a:solidFill>
+                      <a:prstDash val="solid"/>
+                      <a:round/>
+                      <a:headEnd type="none" w="med" len="med"/>
+                      <a:tailEnd type="none" w="med" len="med"/>
+                    </a:lnL>
+                    <a:lnR>
+                      <a:noFill/>
+                    </a:lnR>
+                    <a:lnT w="12700" cap="flat" cmpd="sng" algn="ctr">
+                      <a:solidFill>
+                        <a:srgbClr val="000000"/>
+                      </a:solidFill>
+                      <a:prstDash val="solid"/>
+                      <a:round/>
+                      <a:headEnd type="none" w="med" len="med"/>
+                      <a:tailEnd type="none" w="med" len="med"/>
+                    </a:lnT>
+                    <a:lnB w="12700" cap="flat" cmpd="sng" algn="ctr">
+                      <a:solidFill>
+                        <a:srgbClr val="000000"/>
+                      </a:solidFill>
+                      <a:prstDash val="solid"/>
+                      <a:round/>
+                      <a:headEnd type="none" w="med" len="med"/>
+                      <a:tailEnd type="none" w="med" len="med"/>
+                    </a:lnB>
+                  </a:tcPr>
+                </a:tc>
+                <a:tc>
+                  <a:txBody>
+                    <a:bodyPr/>
+                    <a:lstStyle/>
+                    <a:p>
+                      <a:pPr marL="0" marR="0" algn="l">
+                        <a:spcBef>
+                          <a:spcPts val="0"/>
+                        </a:spcBef>
+                        <a:spcAft>
+                          <a:spcPts val="0"/>
+                        </a:spcAft>
+                      </a:pPr>
+                      <a:r>
+                        <a:rPr lang="en-US" sz="1400" dirty="0">
+                          <a:effectLst/>
+                          <a:latin typeface="Times New Roman"/>
+                          <a:ea typeface="Times New Roman"/>
+                        </a:rPr>
+                        <a:t>Microtubule  polarity and connectivity</a:t>
+                      </a:r>
+                    </a:p>
+                  </a:txBody>
+                  <a:tcPr marL="68580" marR="68580" marT="0" marB="0" anchor="ctr">
+                    <a:lnL>
+                      <a:noFill/>
+                    </a:lnL>
+                    <a:lnR w="19050" cap="flat" cmpd="sng" algn="ctr">
+                      <a:solidFill>
+                        <a:srgbClr val="000000"/>
+                      </a:solidFill>
+                      <a:prstDash val="solid"/>
+                      <a:round/>
+                      <a:headEnd type="none" w="med" len="med"/>
+                      <a:tailEnd type="none" w="med" len="med"/>
+                    </a:lnR>
+                    <a:lnT w="12700" cap="flat" cmpd="sng" algn="ctr">
+                      <a:solidFill>
+                        <a:srgbClr val="000000"/>
+                      </a:solidFill>
+                      <a:prstDash val="solid"/>
+                      <a:round/>
+                      <a:headEnd type="none" w="med" len="med"/>
+                      <a:tailEnd type="none" w="med" len="med"/>
+                    </a:lnT>
+                    <a:lnB w="12700" cap="flat" cmpd="sng" algn="ctr">
+                      <a:solidFill>
+                        <a:srgbClr val="000000"/>
+                      </a:solidFill>
+                      <a:prstDash val="solid"/>
+                      <a:round/>
+                      <a:headEnd type="none" w="med" len="med"/>
+                      <a:tailEnd type="none" w="med" len="med"/>
+                    </a:lnB>
+                  </a:tcPr>
+                </a:tc>
+              </a:tr>
+              <a:tr h="302887">
+                <a:tc>
+                  <a:txBody>
+                    <a:bodyPr/>
+                    <a:lstStyle/>
+                    <a:p>
+                      <a:pPr marL="0" marR="0" algn="l">
+                        <a:spcBef>
+                          <a:spcPts val="0"/>
+                        </a:spcBef>
+                        <a:spcAft>
+                          <a:spcPts val="0"/>
+                        </a:spcAft>
+                      </a:pPr>
+                      <a:r>
+                        <a:rPr lang="en-US" sz="1400">
+                          <a:effectLst/>
+                          <a:latin typeface="Times New Roman"/>
+                          <a:ea typeface="Times New Roman"/>
+                        </a:rPr>
+                        <a:t>Perturbation</a:t>
+                      </a:r>
+                    </a:p>
+                  </a:txBody>
+                  <a:tcPr marL="68580" marR="68580" marT="0" marB="0" anchor="ctr">
+                    <a:lnL w="19050" cap="flat" cmpd="sng" algn="ctr">
+                      <a:solidFill>
+                        <a:srgbClr val="000000"/>
+                      </a:solidFill>
+                      <a:prstDash val="solid"/>
+                      <a:round/>
+                      <a:headEnd type="none" w="med" len="med"/>
+                      <a:tailEnd type="none" w="med" len="med"/>
+                    </a:lnL>
+                    <a:lnR>
+                      <a:noFill/>
+                    </a:lnR>
+                    <a:lnT w="12700" cap="flat" cmpd="sng" algn="ctr">
+                      <a:solidFill>
+                        <a:srgbClr val="000000"/>
+                      </a:solidFill>
+                      <a:prstDash val="solid"/>
+                      <a:round/>
+                      <a:headEnd type="none" w="med" len="med"/>
+                      <a:tailEnd type="none" w="med" len="med"/>
+                    </a:lnT>
+                    <a:lnB w="12700" cap="flat" cmpd="sng" algn="ctr">
+                      <a:solidFill>
+                        <a:srgbClr val="000000"/>
+                      </a:solidFill>
+                      <a:prstDash val="solid"/>
+                      <a:round/>
+                      <a:headEnd type="none" w="med" len="med"/>
+                      <a:tailEnd type="none" w="med" len="med"/>
+                    </a:lnB>
+                  </a:tcPr>
+                </a:tc>
+                <a:tc>
+                  <a:txBody>
+                    <a:bodyPr/>
+                    <a:lstStyle/>
+                    <a:p>
+                      <a:pPr marL="0" marR="0" algn="l">
+                        <a:spcBef>
+                          <a:spcPts val="0"/>
+                        </a:spcBef>
+                        <a:spcAft>
+                          <a:spcPts val="0"/>
+                        </a:spcAft>
+                      </a:pPr>
+                      <a:r>
+                        <a:rPr lang="en-US" sz="1400" dirty="0">
+                          <a:effectLst/>
+                          <a:latin typeface="Times New Roman"/>
+                          <a:ea typeface="Times New Roman"/>
+                        </a:rPr>
+                        <a:t>Change in number and types of molecules inside the cargo</a:t>
+                      </a:r>
+                    </a:p>
+                  </a:txBody>
+                  <a:tcPr marL="68580" marR="68580" marT="0" marB="0" anchor="ctr">
+                    <a:lnL>
+                      <a:noFill/>
+                    </a:lnL>
+                    <a:lnR w="19050" cap="flat" cmpd="sng" algn="ctr">
+                      <a:solidFill>
+                        <a:srgbClr val="000000"/>
+                      </a:solidFill>
+                      <a:prstDash val="solid"/>
+                      <a:round/>
+                      <a:headEnd type="none" w="med" len="med"/>
+                      <a:tailEnd type="none" w="med" len="med"/>
+                    </a:lnR>
+                    <a:lnT w="12700" cap="flat" cmpd="sng" algn="ctr">
+                      <a:solidFill>
+                        <a:srgbClr val="000000"/>
+                      </a:solidFill>
+                      <a:prstDash val="solid"/>
+                      <a:round/>
+                      <a:headEnd type="none" w="med" len="med"/>
+                      <a:tailEnd type="none" w="med" len="med"/>
+                    </a:lnT>
+                    <a:lnB w="12700" cap="flat" cmpd="sng" algn="ctr">
+                      <a:solidFill>
+                        <a:srgbClr val="000000"/>
+                      </a:solidFill>
+                      <a:prstDash val="solid"/>
+                      <a:round/>
+                      <a:headEnd type="none" w="med" len="med"/>
+                      <a:tailEnd type="none" w="med" len="med"/>
+                    </a:lnB>
+                  </a:tcPr>
+                </a:tc>
+              </a:tr>
+              <a:tr h="302887">
+                <a:tc>
+                  <a:txBody>
+                    <a:bodyPr/>
+                    <a:lstStyle/>
+                    <a:p>
+                      <a:pPr marL="0" marR="0" algn="l">
+                        <a:spcBef>
+                          <a:spcPts val="0"/>
+                        </a:spcBef>
+                        <a:spcAft>
+                          <a:spcPts val="0"/>
+                        </a:spcAft>
+                      </a:pPr>
+                      <a:r>
+                        <a:rPr lang="en-US" sz="1400">
+                          <a:effectLst/>
+                          <a:latin typeface="Times New Roman"/>
+                          <a:ea typeface="Times New Roman"/>
+                        </a:rPr>
+                        <a:t>Specificity</a:t>
+                      </a:r>
+                    </a:p>
+                  </a:txBody>
+                  <a:tcPr marL="68580" marR="68580" marT="0" marB="0" anchor="ctr">
+                    <a:lnL w="19050" cap="flat" cmpd="sng" algn="ctr">
+                      <a:solidFill>
+                        <a:srgbClr val="000000"/>
+                      </a:solidFill>
+                      <a:prstDash val="solid"/>
+                      <a:round/>
+                      <a:headEnd type="none" w="med" len="med"/>
+                      <a:tailEnd type="none" w="med" len="med"/>
+                    </a:lnL>
+                    <a:lnR>
+                      <a:noFill/>
+                    </a:lnR>
+                    <a:lnT w="12700" cap="flat" cmpd="sng" algn="ctr">
+                      <a:solidFill>
+                        <a:srgbClr val="000000"/>
+                      </a:solidFill>
+                      <a:prstDash val="solid"/>
+                      <a:round/>
+                      <a:headEnd type="none" w="med" len="med"/>
+                      <a:tailEnd type="none" w="med" len="med"/>
+                    </a:lnT>
+                    <a:lnB w="12700" cap="flat" cmpd="sng" algn="ctr">
+                      <a:solidFill>
+                        <a:srgbClr val="000000"/>
+                      </a:solidFill>
+                      <a:prstDash val="solid"/>
+                      <a:round/>
+                      <a:headEnd type="none" w="med" len="med"/>
+                      <a:tailEnd type="none" w="med" len="med"/>
+                    </a:lnB>
+                  </a:tcPr>
+                </a:tc>
+                <a:tc>
+                  <a:txBody>
+                    <a:bodyPr/>
+                    <a:lstStyle/>
+                    <a:p>
+                      <a:pPr marL="0" marR="0" algn="l">
+                        <a:spcBef>
+                          <a:spcPts val="0"/>
+                        </a:spcBef>
+                        <a:spcAft>
+                          <a:spcPts val="0"/>
+                        </a:spcAft>
+                      </a:pPr>
+                      <a:r>
+                        <a:rPr lang="en-US" sz="1400" dirty="0">
+                          <a:effectLst/>
+                          <a:latin typeface="Times New Roman"/>
+                          <a:ea typeface="Times New Roman"/>
+                        </a:rPr>
+                        <a:t>Receptor sensitivity to cargo</a:t>
+                      </a:r>
+                    </a:p>
+                  </a:txBody>
+                  <a:tcPr marL="68580" marR="68580" marT="0" marB="0" anchor="ctr">
+                    <a:lnL>
+                      <a:noFill/>
+                    </a:lnL>
+                    <a:lnR w="19050" cap="flat" cmpd="sng" algn="ctr">
+                      <a:solidFill>
+                        <a:srgbClr val="000000"/>
+                      </a:solidFill>
+                      <a:prstDash val="solid"/>
+                      <a:round/>
+                      <a:headEnd type="none" w="med" len="med"/>
+                      <a:tailEnd type="none" w="med" len="med"/>
+                    </a:lnR>
+                    <a:lnT w="12700" cap="flat" cmpd="sng" algn="ctr">
+                      <a:solidFill>
+                        <a:srgbClr val="000000"/>
+                      </a:solidFill>
+                      <a:prstDash val="solid"/>
+                      <a:round/>
+                      <a:headEnd type="none" w="med" len="med"/>
+                      <a:tailEnd type="none" w="med" len="med"/>
+                    </a:lnT>
+                    <a:lnB w="12700" cap="flat" cmpd="sng" algn="ctr">
+                      <a:solidFill>
+                        <a:srgbClr val="000000"/>
+                      </a:solidFill>
+                      <a:prstDash val="solid"/>
+                      <a:round/>
+                      <a:headEnd type="none" w="med" len="med"/>
+                      <a:tailEnd type="none" w="med" len="med"/>
+                    </a:lnB>
+                  </a:tcPr>
+                </a:tc>
+              </a:tr>
+              <a:tr h="302887">
+                <a:tc>
+                  <a:txBody>
+                    <a:bodyPr/>
+                    <a:lstStyle/>
+                    <a:p>
+                      <a:pPr marL="0" marR="0" algn="l">
+                        <a:spcBef>
+                          <a:spcPts val="0"/>
+                        </a:spcBef>
+                        <a:spcAft>
+                          <a:spcPts val="0"/>
+                        </a:spcAft>
+                      </a:pPr>
+                      <a:r>
+                        <a:rPr lang="en-US" sz="1400">
+                          <a:effectLst/>
+                          <a:latin typeface="Times New Roman"/>
+                          <a:ea typeface="Times New Roman"/>
+                        </a:rPr>
+                        <a:t>Message Carrier</a:t>
+                      </a:r>
+                    </a:p>
+                  </a:txBody>
+                  <a:tcPr marL="68580" marR="68580" marT="0" marB="0" anchor="ctr">
+                    <a:lnL w="19050" cap="flat" cmpd="sng" algn="ctr">
+                      <a:solidFill>
+                        <a:srgbClr val="000000"/>
+                      </a:solidFill>
+                      <a:prstDash val="solid"/>
+                      <a:round/>
+                      <a:headEnd type="none" w="med" len="med"/>
+                      <a:tailEnd type="none" w="med" len="med"/>
+                    </a:lnL>
+                    <a:lnR>
+                      <a:noFill/>
+                    </a:lnR>
+                    <a:lnT w="12700" cap="flat" cmpd="sng" algn="ctr">
+                      <a:solidFill>
+                        <a:srgbClr val="000000"/>
+                      </a:solidFill>
+                      <a:prstDash val="solid"/>
+                      <a:round/>
+                      <a:headEnd type="none" w="med" len="med"/>
+                      <a:tailEnd type="none" w="med" len="med"/>
+                    </a:lnT>
+                    <a:lnB w="19050" cap="flat" cmpd="sng" algn="ctr">
+                      <a:solidFill>
+                        <a:srgbClr val="000000"/>
+                      </a:solidFill>
+                      <a:prstDash val="solid"/>
+                      <a:round/>
+                      <a:headEnd type="none" w="med" len="med"/>
+                      <a:tailEnd type="none" w="med" len="med"/>
+                    </a:lnB>
+                  </a:tcPr>
+                </a:tc>
+                <a:tc>
+                  <a:txBody>
+                    <a:bodyPr/>
+                    <a:lstStyle/>
+                    <a:p>
+                      <a:pPr marL="0" marR="0" algn="l">
+                        <a:spcBef>
+                          <a:spcPts val="0"/>
+                        </a:spcBef>
+                        <a:spcAft>
+                          <a:spcPts val="0"/>
+                        </a:spcAft>
+                      </a:pPr>
+                      <a:r>
+                        <a:rPr lang="en-US" sz="1400" dirty="0">
+                          <a:effectLst/>
+                          <a:latin typeface="Times New Roman"/>
+                          <a:ea typeface="Times New Roman"/>
+                        </a:rPr>
+                        <a:t>Molecular Motor + cargo</a:t>
+                      </a:r>
+                    </a:p>
+                  </a:txBody>
+                  <a:tcPr marL="68580" marR="68580" marT="0" marB="0" anchor="ctr">
+                    <a:lnL>
+                      <a:noFill/>
+                    </a:lnL>
+                    <a:lnR w="19050" cap="flat" cmpd="sng" algn="ctr">
+                      <a:solidFill>
+                        <a:srgbClr val="000000"/>
+                      </a:solidFill>
+                      <a:prstDash val="solid"/>
+                      <a:round/>
+                      <a:headEnd type="none" w="med" len="med"/>
+                      <a:tailEnd type="none" w="med" len="med"/>
+                    </a:lnR>
+                    <a:lnT w="12700" cap="flat" cmpd="sng" algn="ctr">
+                      <a:solidFill>
+                        <a:srgbClr val="000000"/>
+                      </a:solidFill>
+                      <a:prstDash val="solid"/>
+                      <a:round/>
+                      <a:headEnd type="none" w="med" len="med"/>
+                      <a:tailEnd type="none" w="med" len="med"/>
+                    </a:lnT>
+                    <a:lnB w="19050" cap="flat" cmpd="sng" algn="ctr">
+                      <a:solidFill>
+                        <a:srgbClr val="000000"/>
+                      </a:solidFill>
+                      <a:prstDash val="solid"/>
+                      <a:round/>
+                      <a:headEnd type="none" w="med" len="med"/>
+                      <a:tailEnd type="none" w="med" len="med"/>
+                    </a:lnB>
+                  </a:tcPr>
+                </a:tc>
+              </a:tr>
+            </a:tbl>
+          </a:graphicData>
+        </a:graphic>
+      </p:graphicFrame>
       <p:sp>
         <p:nvSpPr>
           <p:cNvPr id="4" name="TextBox 3"/>
-          <p:cNvSpPr txBox="1"/>
-          <p:nvPr/>
-        </p:nvSpPr>
-        <p:spPr>
-          <a:xfrm>
-            <a:off x="621949" y="3996574"/>
-            <a:ext cx="2393604" cy="307777"/>
-          </a:xfrm>
-          <a:prstGeom prst="rect">
-            <a:avLst/>
-          </a:prstGeom>
-          <a:noFill/>
-        </p:spPr>
-        <p:txBody>
-          <a:bodyPr wrap="none" rtlCol="0">
-            <a:spAutoFit/>
-          </a:bodyPr>
-          <a:lstStyle/>
-          <a:p>
-            <a:r>
-              <a:rPr lang="en-US" dirty="0" smtClean="0"/>
-              <a:t>Points where tubes overlap</a:t>
-            </a:r>
-            <a:endParaRPr lang="en-US" dirty="0"/>
-          </a:p>
-        </p:txBody>
-      </p:sp>
-      <p:sp>
-        <p:nvSpPr>
-          <p:cNvPr id="5" name="TextBox 4"/>
           <p:cNvSpPr txBox="1"/>
           <p:nvPr/>
         </p:nvSpPr>
@@ -6645,7 +7375,7 @@
     </p:spTree>
     <p:extLst>
       <p:ext uri="{BB962C8B-B14F-4D97-AF65-F5344CB8AC3E}">
-        <p14:creationId xmlns:p14="http://schemas.microsoft.com/office/powerpoint/2010/main" val="2398824180"/>
+        <p14:creationId xmlns:p14="http://schemas.microsoft.com/office/powerpoint/2010/main" val="741700797"/>
       </p:ext>
     </p:extLst>
   </p:cSld>
@@ -6689,75 +7419,100 @@
           <a:p>
             <a:r>
               <a:rPr lang="en-US" dirty="0" smtClean="0"/>
-              <a:t>3D Tubes &amp; Intersection Points (superposition of images)</a:t>
+              <a:t>GOALS</a:t>
             </a:r>
             <a:endParaRPr lang="en-US" dirty="0"/>
           </a:p>
         </p:txBody>
       </p:sp>
-      <p:pic>
-        <p:nvPicPr>
-          <p:cNvPr id="3" name="Picture 2"/>
-          <p:cNvPicPr>
-            <a:picLocks noChangeAspect="1"/>
-          </p:cNvPicPr>
-          <p:nvPr/>
-        </p:nvPicPr>
-        <p:blipFill>
-          <a:blip r:embed="rId2">
-            <a:extLst>
-              <a:ext uri="{28A0092B-C50C-407E-A947-70E740481C1C}">
-                <a14:useLocalDpi xmlns:a14="http://schemas.microsoft.com/office/drawing/2010/main" val="0"/>
-              </a:ext>
-            </a:extLst>
-          </a:blip>
-          <a:stretch>
-            <a:fillRect/>
-          </a:stretch>
-        </p:blipFill>
-        <p:spPr>
-          <a:xfrm>
-            <a:off x="4057189" y="1832552"/>
-            <a:ext cx="3492186" cy="4447630"/>
-          </a:xfrm>
-          <a:prstGeom prst="rect">
-            <a:avLst/>
-          </a:prstGeom>
-        </p:spPr>
-      </p:pic>
+      <p:sp>
+        <p:nvSpPr>
+          <p:cNvPr id="3" name="Text Placeholder 2"/>
+          <p:cNvSpPr>
+            <a:spLocks noGrp="1"/>
+          </p:cNvSpPr>
+          <p:nvPr>
+            <p:ph type="body" idx="1"/>
+          </p:nvPr>
+        </p:nvSpPr>
+        <p:spPr/>
+        <p:txBody>
+          <a:bodyPr/>
+          <a:lstStyle/>
+          <a:p>
+            <a:pPr marL="514350" indent="-514350">
+              <a:buFont typeface="Arial" pitchFamily="34" charset="0"/>
+              <a:buChar char="•"/>
+            </a:pPr>
+            <a:r>
+              <a:rPr lang="en-US" dirty="0" smtClean="0"/>
+              <a:t>Extend IEEE 1906 Field component to enable nanoscale structural modeling</a:t>
+            </a:r>
+          </a:p>
+          <a:p>
+            <a:pPr marL="514350" indent="-514350">
+              <a:buFont typeface="Arial" pitchFamily="34" charset="0"/>
+              <a:buChar char="•"/>
+            </a:pPr>
+            <a:r>
+              <a:rPr lang="en-US" dirty="0" smtClean="0"/>
+              <a:t>Simple </a:t>
+            </a:r>
+            <a:r>
+              <a:rPr lang="en-US" dirty="0"/>
+              <a:t>c</a:t>
+            </a:r>
+            <a:r>
+              <a:rPr lang="en-US" dirty="0" smtClean="0"/>
+              <a:t>ytoskeletal modeling as an infrastructure for nanoscale communication</a:t>
+            </a:r>
+          </a:p>
+          <a:p>
+            <a:pPr marL="457200" indent="-457200">
+              <a:buFont typeface="Arial" pitchFamily="34" charset="0"/>
+              <a:buChar char="•"/>
+            </a:pPr>
+            <a:r>
+              <a:rPr lang="en-US" dirty="0" smtClean="0"/>
+              <a:t>Explore </a:t>
+            </a:r>
+            <a:r>
+              <a:rPr lang="en-US" dirty="0"/>
+              <a:t>entropy of microtubule structure</a:t>
+            </a:r>
+          </a:p>
+          <a:p>
+            <a:pPr marL="457200" indent="-457200">
+              <a:buFont typeface="Arial" pitchFamily="34" charset="0"/>
+              <a:buChar char="•"/>
+            </a:pPr>
+            <a:r>
+              <a:rPr lang="en-US" dirty="0" smtClean="0"/>
+              <a:t>Explore motor </a:t>
+            </a:r>
+            <a:r>
+              <a:rPr lang="en-US" dirty="0"/>
+              <a:t>propagation delay </a:t>
+            </a:r>
+            <a:r>
+              <a:rPr lang="en-US" dirty="0" smtClean="0"/>
+              <a:t>to </a:t>
+            </a:r>
+            <a:r>
+              <a:rPr lang="en-US" dirty="0"/>
+              <a:t>infer information about the </a:t>
+            </a:r>
+            <a:r>
+              <a:rPr lang="en-US" dirty="0" smtClean="0"/>
+              <a:t>structure</a:t>
+            </a:r>
+            <a:endParaRPr lang="en-US" dirty="0"/>
+          </a:p>
+        </p:txBody>
+      </p:sp>
       <p:sp>
         <p:nvSpPr>
           <p:cNvPr id="4" name="TextBox 3"/>
-          <p:cNvSpPr txBox="1"/>
-          <p:nvPr/>
-        </p:nvSpPr>
-        <p:spPr>
-          <a:xfrm>
-            <a:off x="621949" y="3996574"/>
-            <a:ext cx="3417923" cy="307777"/>
-          </a:xfrm>
-          <a:prstGeom prst="rect">
-            <a:avLst/>
-          </a:prstGeom>
-          <a:noFill/>
-        </p:spPr>
-        <p:txBody>
-          <a:bodyPr wrap="none" rtlCol="0">
-            <a:spAutoFit/>
-          </a:bodyPr>
-          <a:lstStyle/>
-          <a:p>
-            <a:r>
-              <a:rPr lang="en-US" dirty="0" smtClean="0"/>
-              <a:t>Tubes with intersection points laid on top</a:t>
-            </a:r>
-            <a:endParaRPr lang="en-US" dirty="0"/>
-          </a:p>
-        </p:txBody>
-      </p:sp>
-      <p:sp>
-        <p:nvSpPr>
-          <p:cNvPr id="5" name="TextBox 4"/>
           <p:cNvSpPr txBox="1"/>
           <p:nvPr/>
         </p:nvSpPr>
@@ -6788,7 +7543,7 @@
     </p:spTree>
     <p:extLst>
       <p:ext uri="{BB962C8B-B14F-4D97-AF65-F5344CB8AC3E}">
-        <p14:creationId xmlns:p14="http://schemas.microsoft.com/office/powerpoint/2010/main" val="3275583914"/>
+        <p14:creationId xmlns:p14="http://schemas.microsoft.com/office/powerpoint/2010/main" val="3957161973"/>
       </p:ext>
     </p:extLst>
   </p:cSld>
@@ -6817,7 +7572,7 @@
       </p:grpSpPr>
       <p:sp>
         <p:nvSpPr>
-          <p:cNvPr id="4" name="Title 3"/>
+          <p:cNvPr id="2" name="Title 1"/>
           <p:cNvSpPr>
             <a:spLocks noGrp="1"/>
           </p:cNvSpPr>
@@ -6832,151 +7587,126 @@
           <a:p>
             <a:r>
               <a:rPr lang="en-US" dirty="0" smtClean="0"/>
-              <a:t>3D Brownian Motion Trajectory (</a:t>
-            </a:r>
-            <a:r>
-              <a:rPr lang="en-US" dirty="0" err="1" smtClean="0"/>
-              <a:t>motion.mma</a:t>
-            </a:r>
+              <a:t>EXPLORING STRUCTURAL ENTROPY AND MOTOR LATENCY</a:t>
+            </a:r>
+            <a:endParaRPr lang="en-US" dirty="0"/>
+          </a:p>
+        </p:txBody>
+      </p:sp>
+      <p:sp>
+        <p:nvSpPr>
+          <p:cNvPr id="3" name="Text Placeholder 2"/>
+          <p:cNvSpPr>
+            <a:spLocks noGrp="1"/>
+          </p:cNvSpPr>
+          <p:nvPr>
+            <p:ph type="body" idx="1"/>
+          </p:nvPr>
+        </p:nvSpPr>
+        <p:spPr/>
+        <p:txBody>
+          <a:bodyPr/>
+          <a:lstStyle/>
+          <a:p>
+            <a:pPr marL="457200" indent="-457200">
+              <a:buFont typeface="Arial" pitchFamily="34" charset="0"/>
+              <a:buChar char="•"/>
+            </a:pPr>
+            <a:r>
+              <a:rPr lang="en-US" sz="2400" dirty="0"/>
+              <a:t>Can structural entropy be used to characterize </a:t>
+            </a:r>
+            <a:r>
+              <a:rPr lang="en-US" sz="2400" dirty="0" smtClean="0"/>
+              <a:t>channel?</a:t>
+            </a:r>
+            <a:endParaRPr lang="en-US" sz="2400" dirty="0"/>
+          </a:p>
+          <a:p>
+            <a:pPr marL="457200" indent="-457200">
+              <a:buFont typeface="Arial" pitchFamily="34" charset="0"/>
+              <a:buChar char="•"/>
+            </a:pPr>
+            <a:r>
+              <a:rPr lang="en-US" sz="2400" dirty="0" smtClean="0"/>
+              <a:t>Use </a:t>
+            </a:r>
+            <a:r>
+              <a:rPr lang="en-US" sz="2400" dirty="0"/>
+              <a:t>graph spectra to estimate propagation delay (</a:t>
+            </a:r>
+            <a:r>
+              <a:rPr lang="en-US" sz="2400" dirty="0" smtClean="0"/>
+              <a:t>Field)</a:t>
+            </a:r>
+          </a:p>
+          <a:p>
+            <a:pPr marL="457200" indent="-457200">
+              <a:buFont typeface="Arial" pitchFamily="34" charset="0"/>
+              <a:buChar char="•"/>
+            </a:pPr>
+            <a:r>
+              <a:rPr lang="en-US" sz="2400" dirty="0"/>
+              <a:t>P</a:t>
+            </a:r>
+            <a:r>
+              <a:rPr lang="en-US" sz="2400" dirty="0" smtClean="0"/>
+              <a:t>ersistence </a:t>
+            </a:r>
+            <a:r>
+              <a:rPr lang="en-US" sz="2400" dirty="0"/>
+              <a:t>length </a:t>
+            </a:r>
+            <a:r>
+              <a:rPr lang="en-US" sz="2400" dirty="0" smtClean="0"/>
+              <a:t>as mathematical field</a:t>
+            </a:r>
+            <a:endParaRPr lang="en-US" sz="2400" dirty="0"/>
+          </a:p>
+          <a:p>
+            <a:pPr marL="457200" lvl="1" indent="-457200">
+              <a:buFont typeface="Arial" pitchFamily="34" charset="0"/>
+              <a:buChar char="•"/>
+            </a:pPr>
             <a:r>
               <a:rPr lang="en-US" dirty="0" smtClean="0"/>
-              <a:t> and </a:t>
-            </a:r>
-            <a:r>
-              <a:rPr lang="en-US" dirty="0" err="1" smtClean="0"/>
-              <a:t>tubewalk.mma</a:t>
+              <a:t>Persistence </a:t>
+            </a:r>
+            <a:r>
+              <a:rPr lang="en-US" dirty="0"/>
+              <a:t>length is precisely the expected change in the tangent field lines with distance from one </a:t>
             </a:r>
             <a:r>
               <a:rPr lang="en-US" dirty="0" smtClean="0"/>
-              <a:t>)</a:t>
+              <a:t>another.</a:t>
             </a:r>
             <a:endParaRPr lang="en-US" dirty="0"/>
           </a:p>
-        </p:txBody>
-      </p:sp>
-      <p:pic>
-        <p:nvPicPr>
-          <p:cNvPr id="5" name="Picture 4"/>
-          <p:cNvPicPr>
-            <a:picLocks noChangeAspect="1"/>
-          </p:cNvPicPr>
-          <p:nvPr/>
-        </p:nvPicPr>
-        <p:blipFill>
-          <a:blip r:embed="rId2">
-            <a:extLst>
-              <a:ext uri="{28A0092B-C50C-407E-A947-70E740481C1C}">
-                <a14:useLocalDpi xmlns:a14="http://schemas.microsoft.com/office/drawing/2010/main" val="0"/>
-              </a:ext>
-            </a:extLst>
-          </a:blip>
-          <a:stretch>
-            <a:fillRect/>
-          </a:stretch>
-        </p:blipFill>
-        <p:spPr>
-          <a:xfrm>
-            <a:off x="949181" y="1404169"/>
-            <a:ext cx="4572009" cy="4864618"/>
-          </a:xfrm>
-          <a:prstGeom prst="rect">
-            <a:avLst/>
-          </a:prstGeom>
-        </p:spPr>
-      </p:pic>
-      <p:pic>
-        <p:nvPicPr>
-          <p:cNvPr id="6" name="Picture 5"/>
-          <p:cNvPicPr>
-            <a:picLocks noChangeAspect="1"/>
-          </p:cNvPicPr>
-          <p:nvPr/>
-        </p:nvPicPr>
-        <p:blipFill>
-          <a:blip r:embed="rId3">
-            <a:extLst>
-              <a:ext uri="{28A0092B-C50C-407E-A947-70E740481C1C}">
-                <a14:useLocalDpi xmlns:a14="http://schemas.microsoft.com/office/drawing/2010/main" val="0"/>
-              </a:ext>
-            </a:extLst>
-          </a:blip>
-          <a:stretch>
-            <a:fillRect/>
-          </a:stretch>
-        </p:blipFill>
-        <p:spPr>
-          <a:xfrm>
-            <a:off x="7363525" y="1404169"/>
-            <a:ext cx="1323275" cy="4729919"/>
-          </a:xfrm>
-          <a:prstGeom prst="rect">
-            <a:avLst/>
-          </a:prstGeom>
-        </p:spPr>
-      </p:pic>
-      <p:sp>
-        <p:nvSpPr>
-          <p:cNvPr id="7" name="TextBox 6"/>
-          <p:cNvSpPr txBox="1"/>
-          <p:nvPr/>
-        </p:nvSpPr>
-        <p:spPr>
-          <a:xfrm>
-            <a:off x="1302174" y="5526530"/>
-            <a:ext cx="1518364" cy="307777"/>
-          </a:xfrm>
-          <a:prstGeom prst="rect">
-            <a:avLst/>
-          </a:prstGeom>
-          <a:noFill/>
-        </p:spPr>
-        <p:txBody>
-          <a:bodyPr wrap="none" rtlCol="0">
-            <a:spAutoFit/>
-          </a:bodyPr>
-          <a:lstStyle/>
-          <a:p>
+          <a:p>
+            <a:pPr marL="457200" lvl="1" indent="-457200">
+              <a:buFont typeface="Arial" pitchFamily="34" charset="0"/>
+              <a:buChar char="•"/>
+            </a:pPr>
             <a:r>
               <a:rPr lang="en-US" dirty="0" smtClean="0"/>
-              <a:t>Brownian motion</a:t>
-            </a:r>
-            <a:endParaRPr lang="en-US" dirty="0"/>
-          </a:p>
-        </p:txBody>
-      </p:sp>
-      <p:sp>
-        <p:nvSpPr>
-          <p:cNvPr id="8" name="TextBox 7"/>
-          <p:cNvSpPr txBox="1"/>
-          <p:nvPr/>
-        </p:nvSpPr>
-        <p:spPr>
-          <a:xfrm>
-            <a:off x="6005461" y="5397163"/>
-            <a:ext cx="1358064" cy="307777"/>
-          </a:xfrm>
-          <a:prstGeom prst="rect">
-            <a:avLst/>
-          </a:prstGeom>
-          <a:noFill/>
-        </p:spPr>
-        <p:txBody>
-          <a:bodyPr wrap="none" rtlCol="0">
-            <a:spAutoFit/>
-          </a:bodyPr>
-          <a:lstStyle/>
-          <a:p>
+              <a:t>Tangent lines are the direction of the motor(s) [field lines]</a:t>
+            </a:r>
+          </a:p>
+          <a:p>
+            <a:pPr marL="457200" lvl="1" indent="-457200">
+              <a:buFont typeface="Arial" pitchFamily="34" charset="0"/>
+              <a:buChar char="•"/>
+            </a:pPr>
             <a:r>
               <a:rPr lang="en-US" dirty="0" smtClean="0"/>
-              <a:t>Bound to Tube</a:t>
-            </a:r>
-            <a:endParaRPr lang="en-US" dirty="0"/>
-          </a:p>
-        </p:txBody>
-      </p:sp>
-      <p:sp>
-        <p:nvSpPr>
-          <p:cNvPr id="9" name="TextBox 8"/>
+              <a:t>Orientation is critical for high persistence length</a:t>
+            </a:r>
+          </a:p>
+        </p:txBody>
+      </p:sp>
+      <p:sp>
+        <p:nvSpPr>
+          <p:cNvPr id="4" name="TextBox 3"/>
           <p:cNvSpPr txBox="1"/>
           <p:nvPr/>
         </p:nvSpPr>
@@ -7007,7 +7737,7 @@
     </p:spTree>
     <p:extLst>
       <p:ext uri="{BB962C8B-B14F-4D97-AF65-F5344CB8AC3E}">
-        <p14:creationId xmlns:p14="http://schemas.microsoft.com/office/powerpoint/2010/main" val="3339361074"/>
+        <p14:creationId xmlns:p14="http://schemas.microsoft.com/office/powerpoint/2010/main" val="1164428795"/>
       </p:ext>
     </p:extLst>
   </p:cSld>
@@ -7050,80 +7780,134 @@
           <a:lstStyle/>
           <a:p>
             <a:r>
+              <a:rPr lang="en-US" dirty="0" smtClean="0"/>
+              <a:t>RANDOM WALK WITHIN A MATHEMATICAL FIELD</a:t>
+            </a:r>
+            <a:endParaRPr lang="en-US" dirty="0"/>
+          </a:p>
+        </p:txBody>
+      </p:sp>
+      <p:sp>
+        <p:nvSpPr>
+          <p:cNvPr id="3" name="Text Placeholder 2"/>
+          <p:cNvSpPr>
+            <a:spLocks noGrp="1"/>
+          </p:cNvSpPr>
+          <p:nvPr>
+            <p:ph type="body" idx="1"/>
+          </p:nvPr>
+        </p:nvSpPr>
+        <p:spPr/>
+        <p:txBody>
+          <a:bodyPr/>
+          <a:lstStyle/>
+          <a:p>
+            <a:r>
+              <a:rPr lang="en-US" dirty="0" smtClean="0"/>
+              <a:t>Unbound time: random </a:t>
+            </a:r>
+            <a:r>
               <a:rPr lang="en-US" dirty="0"/>
-              <a:t>3D Brownian Motion </a:t>
-            </a:r>
+              <a:t>walk </a:t>
+            </a:r>
+            <a:r>
+              <a:rPr lang="en-US" b="1" dirty="0">
+                <a:solidFill>
+                  <a:srgbClr val="00B050"/>
+                </a:solidFill>
+              </a:rPr>
+              <a:t>(implemented)</a:t>
+            </a:r>
+            <a:r>
+              <a:rPr lang="en-US" dirty="0"/>
+              <a:t> </a:t>
+            </a:r>
+            <a:endParaRPr lang="en-US" dirty="0" smtClean="0"/>
+          </a:p>
+          <a:p>
+            <a:endParaRPr lang="en-US" dirty="0" smtClean="0"/>
+          </a:p>
+          <a:p>
             <a:r>
               <a:rPr lang="en-US" dirty="0" smtClean="0"/>
-              <a:t>Trajectory (superposition of images)</a:t>
-            </a:r>
+              <a:t>Bound time: follows tangents defined by microtubules (field lines</a:t>
+            </a:r>
+            <a:r>
+              <a:rPr lang="en-US" dirty="0"/>
+              <a:t>) </a:t>
+            </a:r>
+            <a:r>
+              <a:rPr lang="en-US" b="1" dirty="0" smtClean="0">
+                <a:solidFill>
+                  <a:srgbClr val="FFC000"/>
+                </a:solidFill>
+              </a:rPr>
+              <a:t>(almost completed)</a:t>
+            </a:r>
+            <a:r>
+              <a:rPr lang="en-US" dirty="0" smtClean="0"/>
+              <a:t> </a:t>
+            </a:r>
+          </a:p>
+          <a:p>
+            <a:endParaRPr lang="en-US" dirty="0" smtClean="0"/>
+          </a:p>
+          <a:p>
+            <a:r>
+              <a:rPr lang="en-US" dirty="0" smtClean="0"/>
+              <a:t>How long if no field (pure random walk</a:t>
+            </a:r>
+            <a:r>
+              <a:rPr lang="en-US" dirty="0"/>
+              <a:t>)? </a:t>
+            </a:r>
+            <a:r>
+              <a:rPr lang="en-US" b="1" dirty="0">
+                <a:solidFill>
+                  <a:srgbClr val="00B050"/>
+                </a:solidFill>
+              </a:rPr>
+              <a:t>(implemented)</a:t>
+            </a:r>
+            <a:r>
+              <a:rPr lang="en-US" dirty="0" smtClean="0"/>
+              <a:t> </a:t>
+            </a:r>
+          </a:p>
+          <a:p>
+            <a:endParaRPr lang="en-US" dirty="0" smtClean="0"/>
+          </a:p>
+          <a:p>
+            <a:r>
+              <a:rPr lang="en-US" dirty="0" smtClean="0"/>
+              <a:t>How long if field added (correlated tangents</a:t>
+            </a:r>
+            <a:r>
+              <a:rPr lang="en-US" dirty="0"/>
+              <a:t>)? </a:t>
+            </a:r>
+            <a:r>
+              <a:rPr lang="en-US" b="1" dirty="0">
+                <a:solidFill>
+                  <a:srgbClr val="FFC000"/>
+                </a:solidFill>
+              </a:rPr>
+              <a:t>(almost completed)</a:t>
+            </a:r>
+            <a:r>
+              <a:rPr lang="en-US" dirty="0"/>
+              <a:t> </a:t>
+            </a:r>
+            <a:endParaRPr lang="en-US" dirty="0" smtClean="0"/>
+          </a:p>
+          <a:p>
             <a:endParaRPr lang="en-US" dirty="0"/>
           </a:p>
         </p:txBody>
       </p:sp>
-      <p:pic>
-        <p:nvPicPr>
-          <p:cNvPr id="8" name="Picture 7"/>
-          <p:cNvPicPr>
-            <a:picLocks noChangeAspect="1"/>
-          </p:cNvPicPr>
-          <p:nvPr/>
-        </p:nvPicPr>
-        <p:blipFill>
-          <a:blip r:embed="rId2">
-            <a:extLst>
-              <a:ext uri="{28A0092B-C50C-407E-A947-70E740481C1C}">
-                <a14:useLocalDpi xmlns:a14="http://schemas.microsoft.com/office/drawing/2010/main" val="0"/>
-              </a:ext>
-            </a:extLst>
-          </a:blip>
-          <a:stretch>
-            <a:fillRect/>
-          </a:stretch>
-        </p:blipFill>
-        <p:spPr>
-          <a:xfrm>
-            <a:off x="3791410" y="1323309"/>
-            <a:ext cx="4572009" cy="5148083"/>
-          </a:xfrm>
-          <a:prstGeom prst="rect">
-            <a:avLst/>
-          </a:prstGeom>
-        </p:spPr>
-      </p:pic>
-      <p:sp>
-        <p:nvSpPr>
-          <p:cNvPr id="9" name="TextBox 8"/>
-          <p:cNvSpPr txBox="1"/>
-          <p:nvPr/>
-        </p:nvSpPr>
-        <p:spPr>
-          <a:xfrm>
-            <a:off x="1480593" y="4991271"/>
-            <a:ext cx="2619628" cy="307777"/>
-          </a:xfrm>
-          <a:prstGeom prst="rect">
-            <a:avLst/>
-          </a:prstGeom>
-          <a:noFill/>
-        </p:spPr>
-        <p:txBody>
-          <a:bodyPr wrap="none" rtlCol="0">
-            <a:spAutoFit/>
-          </a:bodyPr>
-          <a:lstStyle/>
-          <a:p>
-            <a:r>
-              <a:rPr lang="en-US" dirty="0" smtClean="0"/>
-              <a:t>Motor motion (red dashed line)</a:t>
-            </a:r>
-            <a:endParaRPr lang="en-US" dirty="0"/>
-          </a:p>
-        </p:txBody>
-      </p:sp>
-      <p:sp>
-        <p:nvSpPr>
-          <p:cNvPr id="5" name="TextBox 4"/>
+      <p:sp>
+        <p:nvSpPr>
+          <p:cNvPr id="4" name="TextBox 3"/>
           <p:cNvSpPr txBox="1"/>
           <p:nvPr/>
         </p:nvSpPr>
@@ -7154,7 +7938,7 @@
     </p:spTree>
     <p:extLst>
       <p:ext uri="{BB962C8B-B14F-4D97-AF65-F5344CB8AC3E}">
-        <p14:creationId xmlns:p14="http://schemas.microsoft.com/office/powerpoint/2010/main" val="2362809482"/>
+        <p14:creationId xmlns:p14="http://schemas.microsoft.com/office/powerpoint/2010/main" val="3212609185"/>
       </p:ext>
     </p:extLst>
   </p:cSld>
@@ -7181,40 +7965,9 @@
           <a:chExt cx="0" cy="0"/>
         </a:xfrm>
       </p:grpSpPr>
-      <p:sp>
-        <p:nvSpPr>
-          <p:cNvPr id="2" name="Title 1"/>
-          <p:cNvSpPr>
-            <a:spLocks noGrp="1"/>
-          </p:cNvSpPr>
-          <p:nvPr>
-            <p:ph type="title"/>
-          </p:nvPr>
-        </p:nvSpPr>
-        <p:spPr/>
-        <p:txBody>
-          <a:bodyPr/>
-          <a:lstStyle/>
-          <a:p>
-            <a:r>
-              <a:rPr lang="en-US" dirty="0" smtClean="0"/>
-              <a:t>Vector field reconstructed from </a:t>
-            </a:r>
-            <a:r>
-              <a:rPr lang="en-US" dirty="0"/>
-              <a:t> </a:t>
-            </a:r>
-            <a:r>
-              <a:rPr lang="en-US" dirty="0" smtClean="0"/>
-              <a:t>samples (vectorField.dat)</a:t>
-            </a:r>
-            <a:endParaRPr lang="en-US" dirty="0"/>
-          </a:p>
-        </p:txBody>
-      </p:sp>
       <p:pic>
         <p:nvPicPr>
-          <p:cNvPr id="3" name="Picture 2"/>
+          <p:cNvPr id="7" name="Picture 6"/>
           <p:cNvPicPr>
             <a:picLocks noChangeAspect="1"/>
           </p:cNvPicPr>
@@ -7233,9 +7986,9 @@
           </a:stretch>
         </p:blipFill>
         <p:spPr>
-          <a:xfrm>
-            <a:off x="3601844" y="1417637"/>
-            <a:ext cx="4460488" cy="4830708"/>
+          <a:xfrm rot="5400000">
+            <a:off x="2933667" y="-421845"/>
+            <a:ext cx="2863068" cy="8284354"/>
           </a:xfrm>
           <a:prstGeom prst="rect">
             <a:avLst/>
@@ -7244,14 +7997,37 @@
       </p:pic>
       <p:sp>
         <p:nvSpPr>
+          <p:cNvPr id="2" name="Title 1"/>
+          <p:cNvSpPr>
+            <a:spLocks noGrp="1"/>
+          </p:cNvSpPr>
+          <p:nvPr>
+            <p:ph type="title"/>
+          </p:nvPr>
+        </p:nvSpPr>
+        <p:spPr/>
+        <p:txBody>
+          <a:bodyPr/>
+          <a:lstStyle/>
+          <a:p>
+            <a:r>
+              <a:rPr lang="en-US" sz="3200" dirty="0" smtClean="0"/>
+              <a:t>3D TUBE STRUCTURES VS PERSISTENCE LENGTH (1906 FIELD)</a:t>
+            </a:r>
+            <a:endParaRPr lang="en-US" sz="3200" dirty="0"/>
+          </a:p>
+        </p:txBody>
+      </p:sp>
+      <p:sp>
+        <p:nvSpPr>
           <p:cNvPr id="4" name="TextBox 3"/>
           <p:cNvSpPr txBox="1"/>
           <p:nvPr/>
         </p:nvSpPr>
         <p:spPr>
           <a:xfrm>
-            <a:off x="276261" y="1790871"/>
-            <a:ext cx="3873176" cy="307777"/>
+            <a:off x="3250953" y="4844090"/>
+            <a:ext cx="2228495" cy="307777"/>
           </a:xfrm>
           <a:prstGeom prst="rect">
             <a:avLst/>
@@ -7265,10 +8041,10 @@
           <a:lstStyle/>
           <a:p>
             <a:r>
-              <a:rPr lang="en-US" dirty="0" smtClean="0"/>
-              <a:t>Tangent points along the microtubule structure</a:t>
-            </a:r>
-            <a:endParaRPr lang="en-US" dirty="0"/>
+              <a:rPr lang="en-US" b="1" dirty="0" smtClean="0"/>
+              <a:t>Microtubules (tpfig.png)</a:t>
+            </a:r>
+            <a:endParaRPr lang="en-US" b="1" dirty="0"/>
           </a:p>
         </p:txBody>
       </p:sp>
@@ -7304,14 +8080,14 @@
       </p:sp>
       <p:sp>
         <p:nvSpPr>
-          <p:cNvPr id="6" name="TextBox 5"/>
+          <p:cNvPr id="3" name="TextBox 2"/>
           <p:cNvSpPr txBox="1"/>
           <p:nvPr/>
         </p:nvSpPr>
         <p:spPr>
           <a:xfrm>
-            <a:off x="155067" y="3111190"/>
-            <a:ext cx="3446777" cy="1384995"/>
+            <a:off x="2598025" y="5151867"/>
+            <a:ext cx="3712876" cy="769441"/>
           </a:xfrm>
           <a:prstGeom prst="rect">
             <a:avLst/>
@@ -7319,51 +8095,56 @@
           <a:noFill/>
         </p:spPr>
         <p:txBody>
-          <a:bodyPr wrap="square" rtlCol="0">
+          <a:bodyPr wrap="none" rtlCol="0">
             <a:spAutoFit/>
           </a:bodyPr>
           <a:lstStyle/>
           <a:p>
-            <a:pPr marL="342900" indent="-342900">
-              <a:buAutoNum type="arabicPeriod"/>
-            </a:pPr>
-            <a:r>
-              <a:rPr lang="en-US" dirty="0" smtClean="0"/>
-              <a:t>Can be refined by using more samples</a:t>
-            </a:r>
-          </a:p>
-          <a:p>
-            <a:pPr marL="342900" indent="-342900">
-              <a:buAutoNum type="arabicPeriod"/>
-            </a:pPr>
-            <a:r>
-              <a:rPr lang="en-US" dirty="0" smtClean="0"/>
-              <a:t>Enables vector field analysis, e.g. </a:t>
-            </a:r>
-            <a:r>
-              <a:rPr lang="en-US" dirty="0" err="1" smtClean="0"/>
-              <a:t>Div</a:t>
-            </a:r>
-            <a:r>
-              <a:rPr lang="en-US" dirty="0" smtClean="0"/>
-              <a:t>, Curl, etc.</a:t>
-            </a:r>
-          </a:p>
-          <a:p>
-            <a:pPr marL="342900" indent="-342900">
-              <a:buAutoNum type="arabicPeriod"/>
-            </a:pPr>
-            <a:r>
-              <a:rPr lang="en-US" dirty="0" smtClean="0"/>
-              <a:t>May enable tensor and mechanical analysis</a:t>
-            </a:r>
+            <a:r>
+              <a:rPr lang="en-US" sz="4400" dirty="0" smtClean="0"/>
+              <a:t>HIGH -&gt; LOW</a:t>
+            </a:r>
+            <a:endParaRPr lang="en-US" sz="4400" dirty="0"/>
+          </a:p>
+        </p:txBody>
+      </p:sp>
+      <p:sp>
+        <p:nvSpPr>
+          <p:cNvPr id="6" name="Rectangle 5"/>
+          <p:cNvSpPr/>
+          <p:nvPr/>
+        </p:nvSpPr>
+        <p:spPr>
+          <a:xfrm>
+            <a:off x="2098393" y="1947973"/>
+            <a:ext cx="4533613" cy="307777"/>
+          </a:xfrm>
+          <a:prstGeom prst="rect">
+            <a:avLst/>
+          </a:prstGeom>
+        </p:spPr>
+        <p:txBody>
+          <a:bodyPr wrap="none">
+            <a:spAutoFit/>
+          </a:bodyPr>
+          <a:lstStyle/>
+          <a:p>
+            <a:r>
+              <a:rPr lang="en-US" b="1" dirty="0"/>
+              <a:t>void ns3::P1906MOL_MicrotubulesField::</a:t>
+            </a:r>
+            <a:r>
+              <a:rPr lang="en-US" b="1" dirty="0" err="1"/>
+              <a:t>genTubes</a:t>
+            </a:r>
+            <a:endParaRPr lang="en-US" dirty="0"/>
           </a:p>
         </p:txBody>
       </p:sp>
     </p:spTree>
     <p:extLst>
       <p:ext uri="{BB962C8B-B14F-4D97-AF65-F5344CB8AC3E}">
-        <p14:creationId xmlns:p14="http://schemas.microsoft.com/office/powerpoint/2010/main" val="3604972951"/>
+        <p14:creationId xmlns:p14="http://schemas.microsoft.com/office/powerpoint/2010/main" val="1513810410"/>
       </p:ext>
     </p:extLst>
   </p:cSld>
